--- a/Careers you did not think of in IT.pptx
+++ b/Careers you did not think of in IT.pptx
@@ -2,19 +2,19 @@
 <file path=ppt/presentation.xml><?xml version="1.0" encoding="utf-8"?>
 <p:presentation xmlns:a="http://schemas.openxmlformats.org/drawingml/2006/main" xmlns:r="http://schemas.openxmlformats.org/officeDocument/2006/relationships" xmlns:p="http://schemas.openxmlformats.org/presentationml/2006/main" saveSubsetFonts="1">
   <p:sldMasterIdLst>
-    <p:sldMasterId id="2147483648" r:id="rId1"/>
+    <p:sldMasterId id="2147483648" r:id="rId5"/>
   </p:sldMasterIdLst>
   <p:notesMasterIdLst>
-    <p:notesMasterId r:id="rId9"/>
+    <p:notesMasterId r:id="rId13"/>
   </p:notesMasterIdLst>
   <p:sldIdLst>
-    <p:sldId id="257" r:id="rId2"/>
-    <p:sldId id="258" r:id="rId3"/>
-    <p:sldId id="263" r:id="rId4"/>
-    <p:sldId id="264" r:id="rId5"/>
-    <p:sldId id="259" r:id="rId6"/>
-    <p:sldId id="261" r:id="rId7"/>
-    <p:sldId id="262" r:id="rId8"/>
+    <p:sldId id="257" r:id="rId6"/>
+    <p:sldId id="258" r:id="rId7"/>
+    <p:sldId id="263" r:id="rId8"/>
+    <p:sldId id="264" r:id="rId9"/>
+    <p:sldId id="259" r:id="rId10"/>
+    <p:sldId id="261" r:id="rId11"/>
+    <p:sldId id="262" r:id="rId12"/>
   </p:sldIdLst>
   <p:sldSz cx="12192000" cy="6858000"/>
   <p:notesSz cx="6858000" cy="9144000"/>
@@ -214,7 +214,7 @@
           <a:p>
             <a:fld id="{1C73C417-93BD-446E-8802-2C0EEC61BED8}" type="datetimeFigureOut">
               <a:rPr lang="en-GB" smtClean="0"/>
-              <a:t>14/12/2015</a:t>
+              <a:t>15/12/2016</a:t>
             </a:fld>
             <a:endParaRPr lang="en-GB"/>
           </a:p>
@@ -278,35 +278,35 @@
           <a:p>
             <a:pPr lvl="0"/>
             <a:r>
-              <a:rPr lang="en-US" smtClean="0"/>
+              <a:rPr lang="en-US"/>
               <a:t>Edit Master text styles</a:t>
             </a:r>
           </a:p>
           <a:p>
             <a:pPr lvl="1"/>
             <a:r>
-              <a:rPr lang="en-US" smtClean="0"/>
+              <a:rPr lang="en-US"/>
               <a:t>Second level</a:t>
             </a:r>
           </a:p>
           <a:p>
             <a:pPr lvl="2"/>
             <a:r>
-              <a:rPr lang="en-US" smtClean="0"/>
+              <a:rPr lang="en-US"/>
               <a:t>Third level</a:t>
             </a:r>
           </a:p>
           <a:p>
             <a:pPr lvl="3"/>
             <a:r>
-              <a:rPr lang="en-US" smtClean="0"/>
+              <a:rPr lang="en-US"/>
               <a:t>Fourth level</a:t>
             </a:r>
           </a:p>
           <a:p>
             <a:pPr lvl="4"/>
             <a:r>
-              <a:rPr lang="en-US" smtClean="0"/>
+              <a:rPr lang="en-US"/>
               <a:t>Fifth level</a:t>
             </a:r>
             <a:endParaRPr lang="en-GB"/>
@@ -527,17 +527,17 @@
           <a:lstStyle/>
           <a:p>
             <a:r>
-              <a:rPr lang="en-GB" dirty="0" smtClean="0"/>
+              <a:rPr lang="en-GB" dirty="0"/>
               <a:t>Every organisation</a:t>
             </a:r>
             <a:r>
-              <a:rPr lang="en-GB" baseline="0" dirty="0" smtClean="0"/>
+              <a:rPr lang="en-GB" baseline="0" dirty="0"/>
               <a:t> uses IT today, you will in most careers</a:t>
             </a:r>
           </a:p>
           <a:p>
             <a:r>
-              <a:rPr lang="en-GB" baseline="0" dirty="0" smtClean="0"/>
+              <a:rPr lang="en-GB" baseline="0" dirty="0"/>
               <a:t>But in most jobs you will used IT as a consumer as you do at home</a:t>
             </a:r>
           </a:p>
@@ -627,17 +627,17 @@
           <a:lstStyle/>
           <a:p>
             <a:r>
-              <a:rPr lang="en-GB" dirty="0" smtClean="0"/>
+              <a:rPr lang="en-GB" dirty="0"/>
               <a:t>Some of these exist</a:t>
             </a:r>
             <a:r>
-              <a:rPr lang="en-GB" baseline="0" dirty="0" smtClean="0"/>
+              <a:rPr lang="en-GB" baseline="0" dirty="0"/>
               <a:t> in most companies </a:t>
             </a:r>
           </a:p>
           <a:p>
             <a:r>
-              <a:rPr lang="en-GB" baseline="0" dirty="0" smtClean="0"/>
+              <a:rPr lang="en-GB" baseline="0" dirty="0"/>
               <a:t>Some only in software development companies</a:t>
             </a:r>
             <a:endParaRPr lang="en-GB" dirty="0"/>
@@ -724,6 +724,178 @@
           <a:bodyPr/>
           <a:lstStyle/>
           <a:p>
+            <a:pPr marL="0" marR="0" lvl="0" indent="0" algn="l" defTabSz="914400" rtl="0" eaLnBrk="1" fontAlgn="auto" latinLnBrk="0" hangingPunct="1">
+              <a:lnSpc>
+                <a:spcPct val="100000"/>
+              </a:lnSpc>
+              <a:spcBef>
+                <a:spcPts val="0"/>
+              </a:spcBef>
+              <a:spcAft>
+                <a:spcPts val="0"/>
+              </a:spcAft>
+              <a:buClrTx/>
+              <a:buSzTx/>
+              <a:buFontTx/>
+              <a:buNone/>
+              <a:tabLst/>
+              <a:defRPr/>
+            </a:pPr>
+            <a:r>
+              <a:rPr lang="en-GB" b="1" dirty="0"/>
+              <a:t>Ada Lovelace 1840s – First Programmer</a:t>
+            </a:r>
+          </a:p>
+          <a:p>
+            <a:pPr marL="0" marR="0" lvl="0" indent="0" algn="l" defTabSz="914400" rtl="0" eaLnBrk="1" fontAlgn="auto" latinLnBrk="0" hangingPunct="1">
+              <a:lnSpc>
+                <a:spcPct val="100000"/>
+              </a:lnSpc>
+              <a:spcBef>
+                <a:spcPts val="0"/>
+              </a:spcBef>
+              <a:spcAft>
+                <a:spcPts val="0"/>
+              </a:spcAft>
+              <a:buClrTx/>
+              <a:buSzTx/>
+              <a:buFontTx/>
+              <a:buNone/>
+              <a:tabLst/>
+              <a:defRPr/>
+            </a:pPr>
+            <a:r>
+              <a:rPr lang="en-GB" dirty="0"/>
+              <a:t>– worked with Charles Babbage in the difference engine,</a:t>
+            </a:r>
+            <a:r>
+              <a:rPr lang="en-GB" baseline="0" dirty="0"/>
+              <a:t> daughter of Lord Byron</a:t>
+            </a:r>
+            <a:endParaRPr lang="en-GB" b="1" dirty="0"/>
+          </a:p>
+          <a:p>
+            <a:pPr marL="0" marR="0" lvl="0" indent="0" algn="l" defTabSz="914400" rtl="0" eaLnBrk="1" fontAlgn="auto" latinLnBrk="0" hangingPunct="1">
+              <a:lnSpc>
+                <a:spcPct val="100000"/>
+              </a:lnSpc>
+              <a:spcBef>
+                <a:spcPts val="0"/>
+              </a:spcBef>
+              <a:spcAft>
+                <a:spcPts val="0"/>
+              </a:spcAft>
+              <a:buClrTx/>
+              <a:buSzTx/>
+              <a:buFontTx/>
+              <a:buNone/>
+              <a:tabLst/>
+              <a:defRPr/>
+            </a:pPr>
+            <a:r>
+              <a:rPr lang="en-GB" b="1" dirty="0"/>
+              <a:t>Grace</a:t>
+            </a:r>
+            <a:r>
+              <a:rPr lang="en-GB" b="1" baseline="0" dirty="0"/>
+              <a:t> Hopper 1950s onwards – First High Level Language</a:t>
+            </a:r>
+          </a:p>
+          <a:p>
+            <a:pPr marL="0" marR="0" lvl="0" indent="0" algn="l" defTabSz="914400" rtl="0" eaLnBrk="1" fontAlgn="auto" latinLnBrk="0" hangingPunct="1">
+              <a:lnSpc>
+                <a:spcPct val="100000"/>
+              </a:lnSpc>
+              <a:spcBef>
+                <a:spcPts val="0"/>
+              </a:spcBef>
+              <a:spcAft>
+                <a:spcPts val="0"/>
+              </a:spcAft>
+              <a:buClrTx/>
+              <a:buSzTx/>
+              <a:buFontTx/>
+              <a:buNone/>
+              <a:tabLst/>
+              <a:defRPr/>
+            </a:pPr>
+            <a:r>
+              <a:rPr lang="en-GB" dirty="0"/>
+              <a:t>– worked on</a:t>
+            </a:r>
+            <a:r>
+              <a:rPr lang="en-GB" baseline="0" dirty="0"/>
+              <a:t> the development of the Cobol Language, standardised the language whilst an Admiral in US  Navy</a:t>
+            </a:r>
+            <a:endParaRPr lang="en-GB" b="1" dirty="0"/>
+          </a:p>
+          <a:p>
+            <a:pPr marL="0" marR="0" lvl="0" indent="0" algn="l" defTabSz="914400" rtl="0" eaLnBrk="1" fontAlgn="auto" latinLnBrk="0" hangingPunct="1">
+              <a:lnSpc>
+                <a:spcPct val="100000"/>
+              </a:lnSpc>
+              <a:spcBef>
+                <a:spcPts val="0"/>
+              </a:spcBef>
+              <a:spcAft>
+                <a:spcPts val="0"/>
+              </a:spcAft>
+              <a:buClrTx/>
+              <a:buSzTx/>
+              <a:buFontTx/>
+              <a:buNone/>
+              <a:tabLst/>
+              <a:defRPr/>
+            </a:pPr>
+            <a:r>
+              <a:rPr lang="en-GB" sz="1200" b="1" kern="1200" dirty="0">
+                <a:solidFill>
+                  <a:schemeClr val="tx1"/>
+                </a:solidFill>
+                <a:latin typeface="+mn-lt"/>
+                <a:ea typeface="+mn-ea"/>
+                <a:cs typeface="+mn-cs"/>
+              </a:rPr>
+              <a:t>Dame Stephanie </a:t>
+            </a:r>
+            <a:r>
+              <a:rPr lang="en-GB" b="1" dirty="0"/>
+              <a:t>Shirley – 1960s</a:t>
+            </a:r>
+            <a:r>
+              <a:rPr lang="en-GB" b="1" baseline="0" dirty="0"/>
+              <a:t> onwards – First Software Only Company</a:t>
+            </a:r>
+            <a:endParaRPr lang="en-GB" b="1" dirty="0"/>
+          </a:p>
+          <a:p>
+            <a:pPr marL="0" marR="0" lvl="0" indent="0" algn="l" defTabSz="914400" rtl="0" eaLnBrk="1" fontAlgn="auto" latinLnBrk="0" hangingPunct="1">
+              <a:lnSpc>
+                <a:spcPct val="100000"/>
+              </a:lnSpc>
+              <a:spcBef>
+                <a:spcPts val="0"/>
+              </a:spcBef>
+              <a:spcAft>
+                <a:spcPts val="0"/>
+              </a:spcAft>
+              <a:buClrTx/>
+              <a:buSzTx/>
+              <a:buFontTx/>
+              <a:buNone/>
+              <a:tabLst/>
+              <a:defRPr/>
+            </a:pPr>
+            <a:r>
+              <a:rPr lang="en-GB" dirty="0"/>
+              <a:t>– first</a:t>
+            </a:r>
+            <a:r>
+              <a:rPr lang="en-GB" baseline="0" dirty="0"/>
+              <a:t> true software company, women working from home</a:t>
+            </a:r>
+          </a:p>
+          <a:p>
             <a:pPr marL="0" marR="0" indent="0" algn="l" defTabSz="914400" rtl="0" eaLnBrk="1" fontAlgn="auto" latinLnBrk="0" hangingPunct="1">
               <a:lnSpc>
                 <a:spcPct val="100000"/>
@@ -742,1026 +914,9 @@
               <a:defRPr/>
             </a:pPr>
             <a:r>
-              <a:rPr lang="en-GB" b="1" dirty="0" smtClean="0"/>
-              <a:t>Ada Lovelace</a:t>
-            </a:r>
-          </a:p>
-          <a:p>
-            <a:r>
-              <a:rPr lang="en-GB" sz="1200" b="0" i="0" kern="1200" dirty="0" smtClean="0">
-                <a:solidFill>
-                  <a:schemeClr val="tx1"/>
-                </a:solidFill>
-                <a:effectLst/>
-                <a:latin typeface="+mn-lt"/>
-                <a:ea typeface="+mn-ea"/>
-                <a:cs typeface="+mn-cs"/>
-              </a:rPr>
-              <a:t>Throughout her life, Lovelace was strongly interested in scientific developments and fads of the day, including </a:t>
-            </a:r>
-            <a:r>
-              <a:rPr lang="en-GB" sz="1200" b="0" i="0" u="none" strike="noStrike" kern="1200" dirty="0" smtClean="0">
-                <a:solidFill>
-                  <a:schemeClr val="tx1"/>
-                </a:solidFill>
-                <a:effectLst/>
-                <a:latin typeface="+mn-lt"/>
-                <a:ea typeface="+mn-ea"/>
-                <a:cs typeface="+mn-cs"/>
-                <a:hlinkClick r:id="rId3" tooltip="Phrenology"/>
-              </a:rPr>
-              <a:t>phrenology</a:t>
-            </a:r>
-            <a:r>
-              <a:rPr lang="en-GB" sz="1200" b="0" i="0" u="none" strike="noStrike" kern="1200" baseline="30000" dirty="0" smtClean="0">
-                <a:solidFill>
-                  <a:schemeClr val="tx1"/>
-                </a:solidFill>
-                <a:effectLst/>
-                <a:latin typeface="+mn-lt"/>
-                <a:ea typeface="+mn-ea"/>
-                <a:cs typeface="+mn-cs"/>
-                <a:hlinkClick r:id="rId4"/>
-              </a:rPr>
-              <a:t>[45]</a:t>
-            </a:r>
-            <a:r>
-              <a:rPr lang="en-GB" sz="1200" b="0" i="0" kern="1200" dirty="0" smtClean="0">
-                <a:solidFill>
-                  <a:schemeClr val="tx1"/>
-                </a:solidFill>
-                <a:effectLst/>
-                <a:latin typeface="+mn-lt"/>
-                <a:ea typeface="+mn-ea"/>
-                <a:cs typeface="+mn-cs"/>
-              </a:rPr>
-              <a:t> and </a:t>
-            </a:r>
-            <a:r>
-              <a:rPr lang="en-GB" sz="1200" b="0" i="0" u="none" strike="noStrike" kern="1200" dirty="0" smtClean="0">
-                <a:solidFill>
-                  <a:schemeClr val="tx1"/>
-                </a:solidFill>
-                <a:effectLst/>
-                <a:latin typeface="+mn-lt"/>
-                <a:ea typeface="+mn-ea"/>
-                <a:cs typeface="+mn-cs"/>
-                <a:hlinkClick r:id="rId5" tooltip="Mesmerism"/>
-              </a:rPr>
-              <a:t>mesmerism</a:t>
-            </a:r>
-            <a:r>
-              <a:rPr lang="en-GB" sz="1200" b="0" i="0" kern="1200" dirty="0" smtClean="0">
-                <a:solidFill>
-                  <a:schemeClr val="tx1"/>
-                </a:solidFill>
-                <a:effectLst/>
-                <a:latin typeface="+mn-lt"/>
-                <a:ea typeface="+mn-ea"/>
-                <a:cs typeface="+mn-cs"/>
-              </a:rPr>
-              <a:t>.</a:t>
-            </a:r>
-            <a:r>
-              <a:rPr lang="en-GB" sz="1200" b="0" i="0" u="none" strike="noStrike" kern="1200" baseline="30000" dirty="0" smtClean="0">
-                <a:solidFill>
-                  <a:schemeClr val="tx1"/>
-                </a:solidFill>
-                <a:effectLst/>
-                <a:latin typeface="+mn-lt"/>
-                <a:ea typeface="+mn-ea"/>
-                <a:cs typeface="+mn-cs"/>
-                <a:hlinkClick r:id="rId6"/>
-              </a:rPr>
-              <a:t>[46]</a:t>
-            </a:r>
-            <a:r>
-              <a:rPr lang="en-GB" sz="1200" b="0" i="0" kern="1200" dirty="0" smtClean="0">
-                <a:solidFill>
-                  <a:schemeClr val="tx1"/>
-                </a:solidFill>
-                <a:effectLst/>
-                <a:latin typeface="+mn-lt"/>
-                <a:ea typeface="+mn-ea"/>
-                <a:cs typeface="+mn-cs"/>
-              </a:rPr>
-              <a:t> After her work with Babbage, Lovelace continued to work on other projects. In 1844 she commented to a friend </a:t>
-            </a:r>
-            <a:r>
-              <a:rPr lang="en-GB" sz="1200" b="0" i="0" kern="1200" dirty="0" err="1" smtClean="0">
-                <a:solidFill>
-                  <a:schemeClr val="tx1"/>
-                </a:solidFill>
-                <a:effectLst/>
-                <a:latin typeface="+mn-lt"/>
-                <a:ea typeface="+mn-ea"/>
-                <a:cs typeface="+mn-cs"/>
-              </a:rPr>
-              <a:t>Woronzow</a:t>
-            </a:r>
-            <a:r>
-              <a:rPr lang="en-GB" sz="1200" b="0" i="0" kern="1200" dirty="0" smtClean="0">
-                <a:solidFill>
-                  <a:schemeClr val="tx1"/>
-                </a:solidFill>
-                <a:effectLst/>
-                <a:latin typeface="+mn-lt"/>
-                <a:ea typeface="+mn-ea"/>
-                <a:cs typeface="+mn-cs"/>
-              </a:rPr>
-              <a:t> </a:t>
-            </a:r>
-            <a:r>
-              <a:rPr lang="en-GB" sz="1200" b="0" i="0" kern="1200" dirty="0" err="1" smtClean="0">
-                <a:solidFill>
-                  <a:schemeClr val="tx1"/>
-                </a:solidFill>
-                <a:effectLst/>
-                <a:latin typeface="+mn-lt"/>
-                <a:ea typeface="+mn-ea"/>
-                <a:cs typeface="+mn-cs"/>
-              </a:rPr>
-              <a:t>Greig</a:t>
-            </a:r>
-            <a:r>
-              <a:rPr lang="en-GB" sz="1200" b="0" i="0" kern="1200" dirty="0" smtClean="0">
-                <a:solidFill>
-                  <a:schemeClr val="tx1"/>
-                </a:solidFill>
-                <a:effectLst/>
-                <a:latin typeface="+mn-lt"/>
-                <a:ea typeface="+mn-ea"/>
-                <a:cs typeface="+mn-cs"/>
-              </a:rPr>
-              <a:t> about her desire to create a mathematical model for how the brain gives rise to thoughts and nerves to feelings ("a calculus of the nervous system").</a:t>
-            </a:r>
-            <a:r>
-              <a:rPr lang="en-GB" sz="1200" b="0" i="0" u="none" strike="noStrike" kern="1200" baseline="30000" dirty="0" smtClean="0">
-                <a:solidFill>
-                  <a:schemeClr val="tx1"/>
-                </a:solidFill>
-                <a:effectLst/>
-                <a:latin typeface="+mn-lt"/>
-                <a:ea typeface="+mn-ea"/>
-                <a:cs typeface="+mn-cs"/>
-                <a:hlinkClick r:id="rId7"/>
-              </a:rPr>
-              <a:t>[47]</a:t>
-            </a:r>
-            <a:r>
-              <a:rPr lang="en-GB" sz="1200" b="0" i="0" kern="1200" dirty="0" smtClean="0">
-                <a:solidFill>
-                  <a:schemeClr val="tx1"/>
-                </a:solidFill>
-                <a:effectLst/>
-                <a:latin typeface="+mn-lt"/>
-                <a:ea typeface="+mn-ea"/>
-                <a:cs typeface="+mn-cs"/>
-              </a:rPr>
-              <a:t> She never achieved this, however. In part, her interest in the brain came from a long-running pre-occupation, inherited from her mother, about her 'potential' madness. As part of her research into this project, she visited the electrical engineer Andrew Crosse in 1844 to learn how to carry out electrical experiments.</a:t>
-            </a:r>
-            <a:r>
-              <a:rPr lang="en-GB" sz="1200" b="0" i="0" u="none" strike="noStrike" kern="1200" baseline="30000" dirty="0" smtClean="0">
-                <a:solidFill>
-                  <a:schemeClr val="tx1"/>
-                </a:solidFill>
-                <a:effectLst/>
-                <a:latin typeface="+mn-lt"/>
-                <a:ea typeface="+mn-ea"/>
-                <a:cs typeface="+mn-cs"/>
-                <a:hlinkClick r:id="rId8"/>
-              </a:rPr>
-              <a:t>[48]</a:t>
-            </a:r>
-            <a:r>
-              <a:rPr lang="en-GB" sz="1200" b="0" i="0" kern="1200" dirty="0" smtClean="0">
-                <a:solidFill>
-                  <a:schemeClr val="tx1"/>
-                </a:solidFill>
-                <a:effectLst/>
-                <a:latin typeface="+mn-lt"/>
-                <a:ea typeface="+mn-ea"/>
-                <a:cs typeface="+mn-cs"/>
-              </a:rPr>
-              <a:t> In the same year, she wrote a review of a paper by Baron </a:t>
-            </a:r>
-            <a:r>
-              <a:rPr lang="en-GB" sz="1200" b="0" i="0" u="none" strike="noStrike" kern="1200" dirty="0" smtClean="0">
-                <a:solidFill>
-                  <a:schemeClr val="tx1"/>
-                </a:solidFill>
-                <a:effectLst/>
-                <a:latin typeface="+mn-lt"/>
-                <a:ea typeface="+mn-ea"/>
-                <a:cs typeface="+mn-cs"/>
-                <a:hlinkClick r:id="rId9" tooltip="Karl von Reichenbach"/>
-              </a:rPr>
-              <a:t>Karl von </a:t>
-            </a:r>
-            <a:r>
-              <a:rPr lang="en-GB" sz="1200" b="0" i="0" u="none" strike="noStrike" kern="1200" dirty="0" err="1" smtClean="0">
-                <a:solidFill>
-                  <a:schemeClr val="tx1"/>
-                </a:solidFill>
-                <a:effectLst/>
-                <a:latin typeface="+mn-lt"/>
-                <a:ea typeface="+mn-ea"/>
-                <a:cs typeface="+mn-cs"/>
-                <a:hlinkClick r:id="rId9" tooltip="Karl von Reichenbach"/>
-              </a:rPr>
-              <a:t>Reichenbach</a:t>
-            </a:r>
-            <a:r>
-              <a:rPr lang="en-GB" sz="1200" b="0" i="0" kern="1200" dirty="0" smtClean="0">
-                <a:solidFill>
-                  <a:schemeClr val="tx1"/>
-                </a:solidFill>
-                <a:effectLst/>
-                <a:latin typeface="+mn-lt"/>
-                <a:ea typeface="+mn-ea"/>
-                <a:cs typeface="+mn-cs"/>
-              </a:rPr>
-              <a:t>, </a:t>
-            </a:r>
-            <a:r>
-              <a:rPr lang="en-GB" sz="1200" b="0" i="1" kern="1200" dirty="0" smtClean="0">
-                <a:solidFill>
-                  <a:schemeClr val="tx1"/>
-                </a:solidFill>
-                <a:effectLst/>
-                <a:latin typeface="+mn-lt"/>
-                <a:ea typeface="+mn-ea"/>
-                <a:cs typeface="+mn-cs"/>
-              </a:rPr>
-              <a:t>Researches on Magnetism</a:t>
-            </a:r>
-            <a:r>
-              <a:rPr lang="en-GB" sz="1200" b="0" i="0" kern="1200" dirty="0" smtClean="0">
-                <a:solidFill>
-                  <a:schemeClr val="tx1"/>
-                </a:solidFill>
-                <a:effectLst/>
-                <a:latin typeface="+mn-lt"/>
-                <a:ea typeface="+mn-ea"/>
-                <a:cs typeface="+mn-cs"/>
-              </a:rPr>
-              <a:t>, but this was not published and does not appear to have progressed past the first draft.</a:t>
-            </a:r>
-            <a:r>
-              <a:rPr lang="en-GB" sz="1200" b="0" i="0" u="none" strike="noStrike" kern="1200" baseline="30000" dirty="0" smtClean="0">
-                <a:solidFill>
-                  <a:schemeClr val="tx1"/>
-                </a:solidFill>
-                <a:effectLst/>
-                <a:latin typeface="+mn-lt"/>
-                <a:ea typeface="+mn-ea"/>
-                <a:cs typeface="+mn-cs"/>
-                <a:hlinkClick r:id="rId10"/>
-              </a:rPr>
-              <a:t>[49]</a:t>
-            </a:r>
-            <a:r>
-              <a:rPr lang="en-GB" sz="1200" b="0" i="0" kern="1200" dirty="0" smtClean="0">
-                <a:solidFill>
-                  <a:schemeClr val="tx1"/>
-                </a:solidFill>
-                <a:effectLst/>
-                <a:latin typeface="+mn-lt"/>
-                <a:ea typeface="+mn-ea"/>
-                <a:cs typeface="+mn-cs"/>
-              </a:rPr>
-              <a:t> In 1851, the year before her cancer struck, she wrote to her mother mentioning "certain productions" she was working on regarding the relation of maths and music.</a:t>
-            </a:r>
-            <a:r>
-              <a:rPr lang="en-GB" sz="1200" b="0" i="0" u="none" strike="noStrike" kern="1200" baseline="30000" dirty="0" smtClean="0">
-                <a:solidFill>
-                  <a:schemeClr val="tx1"/>
-                </a:solidFill>
-                <a:effectLst/>
-                <a:latin typeface="+mn-lt"/>
-                <a:ea typeface="+mn-ea"/>
-                <a:cs typeface="+mn-cs"/>
-                <a:hlinkClick r:id="rId11"/>
-              </a:rPr>
-              <a:t>[50]</a:t>
-            </a:r>
-            <a:endParaRPr lang="en-GB" sz="1200" b="0" i="0" kern="1200" dirty="0" smtClean="0">
-              <a:solidFill>
-                <a:schemeClr val="tx1"/>
-              </a:solidFill>
-              <a:effectLst/>
-              <a:latin typeface="+mn-lt"/>
-              <a:ea typeface="+mn-ea"/>
-              <a:cs typeface="+mn-cs"/>
-            </a:endParaRPr>
-          </a:p>
-          <a:p>
-            <a:r>
-              <a:rPr lang="en-GB" sz="1200" b="0" i="0" kern="1200" dirty="0" smtClean="0">
-                <a:solidFill>
-                  <a:schemeClr val="tx1"/>
-                </a:solidFill>
-                <a:effectLst/>
-                <a:latin typeface="+mn-lt"/>
-                <a:ea typeface="+mn-ea"/>
-                <a:cs typeface="+mn-cs"/>
-              </a:rPr>
-              <a:t>Lovelace first met Babbage in June 1833, through their mutual friend Mary Somerville. Later that month Babbage invited Lovelace to see the prototype for his </a:t>
-            </a:r>
-            <a:r>
-              <a:rPr lang="en-GB" sz="1200" b="0" i="0" u="none" strike="noStrike" kern="1200" dirty="0" smtClean="0">
-                <a:solidFill>
-                  <a:schemeClr val="tx1"/>
-                </a:solidFill>
-                <a:effectLst/>
-                <a:latin typeface="+mn-lt"/>
-                <a:ea typeface="+mn-ea"/>
-                <a:cs typeface="+mn-cs"/>
-                <a:hlinkClick r:id="rId12" tooltip="Difference Engine"/>
-              </a:rPr>
-              <a:t>Difference Engine</a:t>
-            </a:r>
-            <a:r>
-              <a:rPr lang="en-GB" sz="1200" b="0" i="0" kern="1200" dirty="0" smtClean="0">
-                <a:solidFill>
-                  <a:schemeClr val="tx1"/>
-                </a:solidFill>
-                <a:effectLst/>
-                <a:latin typeface="+mn-lt"/>
-                <a:ea typeface="+mn-ea"/>
-                <a:cs typeface="+mn-cs"/>
-              </a:rPr>
-              <a:t>.</a:t>
-            </a:r>
-            <a:r>
-              <a:rPr lang="en-GB" sz="1200" b="0" i="0" u="none" strike="noStrike" kern="1200" baseline="30000" dirty="0" smtClean="0">
-                <a:solidFill>
-                  <a:schemeClr val="tx1"/>
-                </a:solidFill>
-                <a:effectLst/>
-                <a:latin typeface="+mn-lt"/>
-                <a:ea typeface="+mn-ea"/>
-                <a:cs typeface="+mn-cs"/>
-                <a:hlinkClick r:id="rId13"/>
-              </a:rPr>
-              <a:t>[51]</a:t>
-            </a:r>
-            <a:r>
-              <a:rPr lang="en-GB" sz="1200" b="0" i="0" kern="1200" dirty="0" smtClean="0">
-                <a:solidFill>
-                  <a:schemeClr val="tx1"/>
-                </a:solidFill>
-                <a:effectLst/>
-                <a:latin typeface="+mn-lt"/>
-                <a:ea typeface="+mn-ea"/>
-                <a:cs typeface="+mn-cs"/>
-              </a:rPr>
-              <a:t> She became fascinated with the machine and used her relationship with Somerville to visit Babbage as often as she could. Babbage was impressed by Lovelace's intellect and analytic skills. He called her </a:t>
-            </a:r>
-            <a:r>
-              <a:rPr lang="en-GB" sz="1200" b="0" i="1" kern="1200" dirty="0" smtClean="0">
-                <a:solidFill>
-                  <a:schemeClr val="tx1"/>
-                </a:solidFill>
-                <a:effectLst/>
-                <a:latin typeface="+mn-lt"/>
-                <a:ea typeface="+mn-ea"/>
-                <a:cs typeface="+mn-cs"/>
-              </a:rPr>
-              <a:t>The Enchantress of Numbers</a:t>
-            </a:r>
-            <a:r>
-              <a:rPr lang="en-GB" sz="1200" b="0" i="0" kern="1200" dirty="0" smtClean="0">
-                <a:solidFill>
-                  <a:schemeClr val="tx1"/>
-                </a:solidFill>
-                <a:effectLst/>
-                <a:latin typeface="+mn-lt"/>
-                <a:ea typeface="+mn-ea"/>
-                <a:cs typeface="+mn-cs"/>
-              </a:rPr>
-              <a:t>. In 1843 he wrote of her:</a:t>
-            </a:r>
-          </a:p>
-          <a:p>
-            <a:r>
-              <a:rPr lang="en-GB" dirty="0" smtClean="0">
-                <a:effectLst/>
-              </a:rPr>
-              <a:t>Forget this world and all its troubles and if possible its multitudinous Charlatans—every thing in short but the Enchantress of Numbers.</a:t>
-            </a:r>
-            <a:r>
-              <a:rPr lang="en-GB" sz="1200" b="0" i="0" u="none" strike="noStrike" kern="1200" baseline="30000" dirty="0" smtClean="0">
-                <a:solidFill>
-                  <a:schemeClr val="tx1"/>
-                </a:solidFill>
-                <a:effectLst/>
-                <a:latin typeface="+mn-lt"/>
-                <a:ea typeface="+mn-ea"/>
-                <a:cs typeface="+mn-cs"/>
-                <a:hlinkClick r:id="rId14"/>
-              </a:rPr>
-              <a:t>[52]</a:t>
-            </a:r>
-            <a:endParaRPr lang="en-GB" dirty="0" smtClean="0">
-              <a:effectLst/>
-            </a:endParaRPr>
-          </a:p>
-          <a:p>
-            <a:r>
-              <a:rPr lang="en-GB" sz="1200" b="0" i="0" kern="1200" dirty="0" smtClean="0">
-                <a:solidFill>
-                  <a:schemeClr val="tx1"/>
-                </a:solidFill>
-                <a:effectLst/>
-                <a:latin typeface="+mn-lt"/>
-                <a:ea typeface="+mn-ea"/>
-                <a:cs typeface="+mn-cs"/>
-              </a:rPr>
-              <a:t>During a nine-month period in 1842–43, Lovelace translated the Italian mathematician </a:t>
-            </a:r>
-            <a:r>
-              <a:rPr lang="en-GB" sz="1200" b="0" i="0" u="none" strike="noStrike" kern="1200" dirty="0" smtClean="0">
-                <a:solidFill>
-                  <a:schemeClr val="tx1"/>
-                </a:solidFill>
-                <a:effectLst/>
-                <a:latin typeface="+mn-lt"/>
-                <a:ea typeface="+mn-ea"/>
-                <a:cs typeface="+mn-cs"/>
-                <a:hlinkClick r:id="rId15" tooltip="Luigi Menabrea"/>
-              </a:rPr>
-              <a:t>Luigi </a:t>
-            </a:r>
-            <a:r>
-              <a:rPr lang="en-GB" sz="1200" b="0" i="0" u="none" strike="noStrike" kern="1200" dirty="0" err="1" smtClean="0">
-                <a:solidFill>
-                  <a:schemeClr val="tx1"/>
-                </a:solidFill>
-                <a:effectLst/>
-                <a:latin typeface="+mn-lt"/>
-                <a:ea typeface="+mn-ea"/>
-                <a:cs typeface="+mn-cs"/>
-                <a:hlinkClick r:id="rId15" tooltip="Luigi Menabrea"/>
-              </a:rPr>
-              <a:t>Menabrea</a:t>
-            </a:r>
-            <a:r>
-              <a:rPr lang="en-GB" sz="1200" b="0" i="0" kern="1200" dirty="0" err="1" smtClean="0">
-                <a:solidFill>
-                  <a:schemeClr val="tx1"/>
-                </a:solidFill>
-                <a:effectLst/>
-                <a:latin typeface="+mn-lt"/>
-                <a:ea typeface="+mn-ea"/>
-                <a:cs typeface="+mn-cs"/>
-              </a:rPr>
-              <a:t>'s</a:t>
-            </a:r>
-            <a:r>
-              <a:rPr lang="en-GB" sz="1200" b="0" i="0" kern="1200" dirty="0" smtClean="0">
-                <a:solidFill>
-                  <a:schemeClr val="tx1"/>
-                </a:solidFill>
-                <a:effectLst/>
-                <a:latin typeface="+mn-lt"/>
-                <a:ea typeface="+mn-ea"/>
-                <a:cs typeface="+mn-cs"/>
-              </a:rPr>
-              <a:t> article on Babbage's newest proposed machine, the </a:t>
-            </a:r>
-            <a:r>
-              <a:rPr lang="en-GB" sz="1200" b="0" i="0" u="none" strike="noStrike" kern="1200" dirty="0" smtClean="0">
-                <a:solidFill>
-                  <a:schemeClr val="tx1"/>
-                </a:solidFill>
-                <a:effectLst/>
-                <a:latin typeface="+mn-lt"/>
-                <a:ea typeface="+mn-ea"/>
-                <a:cs typeface="+mn-cs"/>
-                <a:hlinkClick r:id="rId16" tooltip="Analytical Engine"/>
-              </a:rPr>
-              <a:t>Analytical Engine</a:t>
-            </a:r>
-            <a:r>
-              <a:rPr lang="en-GB" sz="1200" b="0" i="0" kern="1200" dirty="0" smtClean="0">
-                <a:solidFill>
-                  <a:schemeClr val="tx1"/>
-                </a:solidFill>
-                <a:effectLst/>
-                <a:latin typeface="+mn-lt"/>
-                <a:ea typeface="+mn-ea"/>
-                <a:cs typeface="+mn-cs"/>
-              </a:rPr>
-              <a:t>. With the article, she appended a set of notes.</a:t>
-            </a:r>
-            <a:r>
-              <a:rPr lang="en-GB" sz="1200" b="0" i="0" u="none" strike="noStrike" kern="1200" baseline="30000" dirty="0" smtClean="0">
-                <a:solidFill>
-                  <a:schemeClr val="tx1"/>
-                </a:solidFill>
-                <a:effectLst/>
-                <a:latin typeface="+mn-lt"/>
-                <a:ea typeface="+mn-ea"/>
-                <a:cs typeface="+mn-cs"/>
-                <a:hlinkClick r:id="rId17"/>
-              </a:rPr>
-              <a:t>[53]</a:t>
-            </a:r>
-            <a:r>
-              <a:rPr lang="en-GB" sz="1200" b="0" i="0" kern="1200" dirty="0" smtClean="0">
-                <a:solidFill>
-                  <a:schemeClr val="tx1"/>
-                </a:solidFill>
-                <a:effectLst/>
-                <a:latin typeface="+mn-lt"/>
-                <a:ea typeface="+mn-ea"/>
-                <a:cs typeface="+mn-cs"/>
-              </a:rPr>
-              <a:t>Explaining the Analytical Engine's function was a difficult task, as even other scientists did not really grasp the concept and the British establishment was uninterested in it.</a:t>
-            </a:r>
-            <a:r>
-              <a:rPr lang="en-GB" sz="1200" b="0" i="0" u="none" strike="noStrike" kern="1200" baseline="30000" dirty="0" smtClean="0">
-                <a:solidFill>
-                  <a:schemeClr val="tx1"/>
-                </a:solidFill>
-                <a:effectLst/>
-                <a:latin typeface="+mn-lt"/>
-                <a:ea typeface="+mn-ea"/>
-                <a:cs typeface="+mn-cs"/>
-                <a:hlinkClick r:id="rId18"/>
-              </a:rPr>
-              <a:t>[54]</a:t>
-            </a:r>
-            <a:r>
-              <a:rPr lang="en-GB" sz="1200" b="0" i="0" kern="1200" dirty="0" smtClean="0">
-                <a:solidFill>
-                  <a:schemeClr val="tx1"/>
-                </a:solidFill>
-                <a:effectLst/>
-                <a:latin typeface="+mn-lt"/>
-                <a:ea typeface="+mn-ea"/>
-                <a:cs typeface="+mn-cs"/>
-              </a:rPr>
-              <a:t> Lovelace's notes even had to explain how the Engine differed from the original Difference Engine.</a:t>
-            </a:r>
-            <a:r>
-              <a:rPr lang="en-GB" sz="1200" b="0" i="0" u="none" strike="noStrike" kern="1200" baseline="30000" dirty="0" smtClean="0">
-                <a:solidFill>
-                  <a:schemeClr val="tx1"/>
-                </a:solidFill>
-                <a:effectLst/>
-                <a:latin typeface="+mn-lt"/>
-                <a:ea typeface="+mn-ea"/>
-                <a:cs typeface="+mn-cs"/>
-                <a:hlinkClick r:id="rId19"/>
-              </a:rPr>
-              <a:t>[55]</a:t>
-            </a:r>
-            <a:r>
-              <a:rPr lang="en-GB" sz="1200" b="0" i="0" kern="1200" dirty="0" smtClean="0">
-                <a:solidFill>
-                  <a:schemeClr val="tx1"/>
-                </a:solidFill>
-                <a:effectLst/>
-                <a:latin typeface="+mn-lt"/>
-                <a:ea typeface="+mn-ea"/>
-                <a:cs typeface="+mn-cs"/>
-              </a:rPr>
-              <a:t> Her work was well received at the time; the scientist </a:t>
-            </a:r>
-            <a:r>
-              <a:rPr lang="en-GB" sz="1200" b="0" i="0" u="none" strike="noStrike" kern="1200" dirty="0" smtClean="0">
-                <a:solidFill>
-                  <a:schemeClr val="tx1"/>
-                </a:solidFill>
-                <a:effectLst/>
-                <a:latin typeface="+mn-lt"/>
-                <a:ea typeface="+mn-ea"/>
-                <a:cs typeface="+mn-cs"/>
-                <a:hlinkClick r:id="rId20" tooltip="Michael Faraday"/>
-              </a:rPr>
-              <a:t>Michael Faraday</a:t>
-            </a:r>
-            <a:r>
-              <a:rPr lang="en-GB" sz="1200" b="0" i="0" kern="1200" dirty="0" smtClean="0">
-                <a:solidFill>
-                  <a:schemeClr val="tx1"/>
-                </a:solidFill>
-                <a:effectLst/>
-                <a:latin typeface="+mn-lt"/>
-                <a:ea typeface="+mn-ea"/>
-                <a:cs typeface="+mn-cs"/>
-              </a:rPr>
-              <a:t> described himself as a supporter of her writing.</a:t>
-            </a:r>
-            <a:r>
-              <a:rPr lang="en-GB" sz="1200" b="0" i="0" u="none" strike="noStrike" kern="1200" baseline="30000" dirty="0" smtClean="0">
-                <a:solidFill>
-                  <a:schemeClr val="tx1"/>
-                </a:solidFill>
-                <a:effectLst/>
-                <a:latin typeface="+mn-lt"/>
-                <a:ea typeface="+mn-ea"/>
-                <a:cs typeface="+mn-cs"/>
-                <a:hlinkClick r:id="rId21"/>
-              </a:rPr>
-              <a:t>[56]</a:t>
-            </a:r>
-            <a:endParaRPr lang="en-GB" sz="1200" b="0" i="0" kern="1200" dirty="0" smtClean="0">
-              <a:solidFill>
-                <a:schemeClr val="tx1"/>
-              </a:solidFill>
-              <a:effectLst/>
-              <a:latin typeface="+mn-lt"/>
-              <a:ea typeface="+mn-ea"/>
-              <a:cs typeface="+mn-cs"/>
-            </a:endParaRPr>
-          </a:p>
-          <a:p>
-            <a:r>
-              <a:rPr lang="en-GB" sz="1200" b="0" i="0" kern="1200" dirty="0" smtClean="0">
-                <a:solidFill>
-                  <a:schemeClr val="tx1"/>
-                </a:solidFill>
-                <a:effectLst/>
-                <a:latin typeface="+mn-lt"/>
-                <a:ea typeface="+mn-ea"/>
-                <a:cs typeface="+mn-cs"/>
-              </a:rPr>
-              <a:t>The notes are around three times longer than the article itself and include (in Section G</a:t>
-            </a:r>
-            <a:r>
-              <a:rPr lang="en-GB" sz="1200" b="0" i="0" u="none" strike="noStrike" kern="1200" baseline="30000" dirty="0" smtClean="0">
-                <a:solidFill>
-                  <a:schemeClr val="tx1"/>
-                </a:solidFill>
-                <a:effectLst/>
-                <a:latin typeface="+mn-lt"/>
-                <a:ea typeface="+mn-ea"/>
-                <a:cs typeface="+mn-cs"/>
-                <a:hlinkClick r:id="rId22"/>
-              </a:rPr>
-              <a:t>[57]</a:t>
-            </a:r>
-            <a:r>
-              <a:rPr lang="en-GB" sz="1200" b="0" i="0" kern="1200" dirty="0" smtClean="0">
-                <a:solidFill>
-                  <a:schemeClr val="tx1"/>
-                </a:solidFill>
-                <a:effectLst/>
-                <a:latin typeface="+mn-lt"/>
-                <a:ea typeface="+mn-ea"/>
-                <a:cs typeface="+mn-cs"/>
-              </a:rPr>
-              <a:t>), in complete detail, a method for calculating a sequence of </a:t>
-            </a:r>
-            <a:r>
-              <a:rPr lang="en-GB" sz="1200" b="0" i="0" u="none" strike="noStrike" kern="1200" dirty="0" smtClean="0">
-                <a:solidFill>
-                  <a:schemeClr val="tx1"/>
-                </a:solidFill>
-                <a:effectLst/>
-                <a:latin typeface="+mn-lt"/>
-                <a:ea typeface="+mn-ea"/>
-                <a:cs typeface="+mn-cs"/>
-                <a:hlinkClick r:id="rId23" tooltip="Bernoulli numbers"/>
-              </a:rPr>
-              <a:t>Bernoulli numbers</a:t>
-            </a:r>
-            <a:r>
-              <a:rPr lang="en-GB" sz="1200" b="0" i="0" kern="1200" dirty="0" smtClean="0">
-                <a:solidFill>
-                  <a:schemeClr val="tx1"/>
-                </a:solidFill>
-                <a:effectLst/>
-                <a:latin typeface="+mn-lt"/>
-                <a:ea typeface="+mn-ea"/>
-                <a:cs typeface="+mn-cs"/>
-              </a:rPr>
-              <a:t> with the Engine, which would have run correctly had the Analytical Engine been built (only his Difference Engine has been built, completed in London in 2002).</a:t>
-            </a:r>
-            <a:r>
-              <a:rPr lang="en-GB" sz="1200" b="0" i="0" u="none" strike="noStrike" kern="1200" baseline="30000" dirty="0" smtClean="0">
-                <a:solidFill>
-                  <a:schemeClr val="tx1"/>
-                </a:solidFill>
-                <a:effectLst/>
-                <a:latin typeface="+mn-lt"/>
-                <a:ea typeface="+mn-ea"/>
-                <a:cs typeface="+mn-cs"/>
-                <a:hlinkClick r:id="rId24"/>
-              </a:rPr>
-              <a:t>[58]</a:t>
-            </a:r>
-            <a:r>
-              <a:rPr lang="en-GB" sz="1200" b="0" i="0" kern="1200" dirty="0" smtClean="0">
-                <a:solidFill>
-                  <a:schemeClr val="tx1"/>
-                </a:solidFill>
-                <a:effectLst/>
-                <a:latin typeface="+mn-lt"/>
-                <a:ea typeface="+mn-ea"/>
-                <a:cs typeface="+mn-cs"/>
-              </a:rPr>
-              <a:t> Based on this work Lovelace is now widely considered the first computer programmer</a:t>
-            </a:r>
-            <a:r>
-              <a:rPr lang="en-GB" sz="1200" b="0" i="0" u="none" strike="noStrike" kern="1200" baseline="30000" dirty="0" smtClean="0">
-                <a:solidFill>
-                  <a:schemeClr val="tx1"/>
-                </a:solidFill>
-                <a:effectLst/>
-                <a:latin typeface="+mn-lt"/>
-                <a:ea typeface="+mn-ea"/>
-                <a:cs typeface="+mn-cs"/>
-                <a:hlinkClick r:id="rId25"/>
-              </a:rPr>
-              <a:t>[1]</a:t>
-            </a:r>
-            <a:r>
-              <a:rPr lang="en-GB" sz="1200" b="0" i="0" kern="1200" dirty="0" smtClean="0">
-                <a:solidFill>
-                  <a:schemeClr val="tx1"/>
-                </a:solidFill>
-                <a:effectLst/>
-                <a:latin typeface="+mn-lt"/>
-                <a:ea typeface="+mn-ea"/>
-                <a:cs typeface="+mn-cs"/>
-              </a:rPr>
-              <a:t> and her method is recognised as the world's first computer program.</a:t>
-            </a:r>
-            <a:r>
-              <a:rPr lang="en-GB" sz="1200" b="0" i="0" u="none" strike="noStrike" kern="1200" baseline="30000" dirty="0" smtClean="0">
-                <a:solidFill>
-                  <a:schemeClr val="tx1"/>
-                </a:solidFill>
-                <a:effectLst/>
-                <a:latin typeface="+mn-lt"/>
-                <a:ea typeface="+mn-ea"/>
-                <a:cs typeface="+mn-cs"/>
-                <a:hlinkClick r:id="rId26"/>
-              </a:rPr>
-              <a:t>[59]</a:t>
-            </a:r>
-            <a:endParaRPr lang="en-GB" sz="1200" b="0" i="0" kern="1200" dirty="0" smtClean="0">
-              <a:solidFill>
-                <a:schemeClr val="tx1"/>
-              </a:solidFill>
-              <a:effectLst/>
-              <a:latin typeface="+mn-lt"/>
-              <a:ea typeface="+mn-ea"/>
-              <a:cs typeface="+mn-cs"/>
-            </a:endParaRPr>
-          </a:p>
-          <a:p>
-            <a:r>
-              <a:rPr lang="en-GB" sz="1200" b="0" i="0" kern="1200" dirty="0" smtClean="0">
-                <a:solidFill>
-                  <a:schemeClr val="tx1"/>
-                </a:solidFill>
-                <a:effectLst/>
-                <a:latin typeface="+mn-lt"/>
-                <a:ea typeface="+mn-ea"/>
-                <a:cs typeface="+mn-cs"/>
-              </a:rPr>
-              <a:t>Section G also contains Lovelace's dismissal of </a:t>
-            </a:r>
-            <a:r>
-              <a:rPr lang="en-GB" sz="1200" b="0" i="0" u="none" strike="noStrike" kern="1200" dirty="0" smtClean="0">
-                <a:solidFill>
-                  <a:schemeClr val="tx1"/>
-                </a:solidFill>
-                <a:effectLst/>
-                <a:latin typeface="+mn-lt"/>
-                <a:ea typeface="+mn-ea"/>
-                <a:cs typeface="+mn-cs"/>
-                <a:hlinkClick r:id="rId27" tooltip="Artificial intelligence"/>
-              </a:rPr>
-              <a:t>artificial intelligence</a:t>
-            </a:r>
-            <a:r>
-              <a:rPr lang="en-GB" sz="1200" b="0" i="0" kern="1200" dirty="0" smtClean="0">
-                <a:solidFill>
-                  <a:schemeClr val="tx1"/>
-                </a:solidFill>
-                <a:effectLst/>
-                <a:latin typeface="+mn-lt"/>
-                <a:ea typeface="+mn-ea"/>
-                <a:cs typeface="+mn-cs"/>
-              </a:rPr>
-              <a:t>. She wrote that "The Analytical Engine has no pretensions whatever to originate anything. It can do whatever we know how to order it to perform. It can follow analysis; but it has no power of anticipating any analytical relations or truths." This objection has been the subject of much debate and rebuttal, for example by </a:t>
-            </a:r>
-            <a:r>
-              <a:rPr lang="en-GB" sz="1200" b="0" i="0" u="none" strike="noStrike" kern="1200" dirty="0" smtClean="0">
-                <a:solidFill>
-                  <a:schemeClr val="tx1"/>
-                </a:solidFill>
-                <a:effectLst/>
-                <a:latin typeface="+mn-lt"/>
-                <a:ea typeface="+mn-ea"/>
-                <a:cs typeface="+mn-cs"/>
-                <a:hlinkClick r:id="rId28" tooltip="Alan Turing"/>
-              </a:rPr>
-              <a:t>Alan Turing</a:t>
-            </a:r>
-            <a:r>
-              <a:rPr lang="en-GB" sz="1200" b="0" i="0" kern="1200" dirty="0" smtClean="0">
-                <a:solidFill>
-                  <a:schemeClr val="tx1"/>
-                </a:solidFill>
-                <a:effectLst/>
-                <a:latin typeface="+mn-lt"/>
-                <a:ea typeface="+mn-ea"/>
-                <a:cs typeface="+mn-cs"/>
-              </a:rPr>
-              <a:t> in his paper "</a:t>
-            </a:r>
-            <a:r>
-              <a:rPr lang="en-GB" sz="1200" b="0" i="0" u="none" strike="noStrike" kern="1200" dirty="0" smtClean="0">
-                <a:solidFill>
-                  <a:schemeClr val="tx1"/>
-                </a:solidFill>
-                <a:effectLst/>
-                <a:latin typeface="+mn-lt"/>
-                <a:ea typeface="+mn-ea"/>
-                <a:cs typeface="+mn-cs"/>
-                <a:hlinkClick r:id="rId29" tooltip="Computing Machinery and Intelligence"/>
-              </a:rPr>
-              <a:t>Computing Machinery and Intelligence</a:t>
-            </a:r>
-            <a:r>
-              <a:rPr lang="en-GB" sz="1200" b="0" i="0" kern="1200" dirty="0" smtClean="0">
-                <a:solidFill>
-                  <a:schemeClr val="tx1"/>
-                </a:solidFill>
-                <a:effectLst/>
-                <a:latin typeface="+mn-lt"/>
-                <a:ea typeface="+mn-ea"/>
-                <a:cs typeface="+mn-cs"/>
-              </a:rPr>
-              <a:t>".</a:t>
-            </a:r>
-          </a:p>
-          <a:p>
-            <a:r>
-              <a:rPr lang="en-GB" sz="1200" b="0" i="0" kern="1200" dirty="0" smtClean="0">
-                <a:solidFill>
-                  <a:schemeClr val="tx1"/>
-                </a:solidFill>
-                <a:effectLst/>
-                <a:latin typeface="+mn-lt"/>
-                <a:ea typeface="+mn-ea"/>
-                <a:cs typeface="+mn-cs"/>
-              </a:rPr>
-              <a:t>Lovelace and Babbage had a minor falling out when the papers were published, when he tried to leave his own statement (a criticism of the government's treatment of his Engine) as an unsigned preface—which would imply that she had written that also. When </a:t>
-            </a:r>
-            <a:r>
-              <a:rPr lang="en-GB" sz="1200" b="0" i="0" u="none" strike="noStrike" kern="1200" dirty="0" smtClean="0">
-                <a:solidFill>
-                  <a:schemeClr val="tx1"/>
-                </a:solidFill>
-                <a:effectLst/>
-                <a:latin typeface="+mn-lt"/>
-                <a:ea typeface="+mn-ea"/>
-                <a:cs typeface="+mn-cs"/>
-                <a:hlinkClick r:id="rId30" tooltip="Richard Taylor (editor)"/>
-              </a:rPr>
-              <a:t>Taylor</a:t>
-            </a:r>
-            <a:r>
-              <a:rPr lang="en-GB" sz="1200" b="0" i="0" kern="1200" dirty="0" smtClean="0">
-                <a:solidFill>
-                  <a:schemeClr val="tx1"/>
-                </a:solidFill>
-                <a:effectLst/>
-                <a:latin typeface="+mn-lt"/>
-                <a:ea typeface="+mn-ea"/>
-                <a:cs typeface="+mn-cs"/>
-              </a:rPr>
-              <a:t>'s </a:t>
-            </a:r>
-            <a:r>
-              <a:rPr lang="en-GB" sz="1200" b="0" i="1" u="none" strike="noStrike" kern="1200" dirty="0" smtClean="0">
-                <a:solidFill>
-                  <a:schemeClr val="tx1"/>
-                </a:solidFill>
-                <a:effectLst/>
-                <a:latin typeface="+mn-lt"/>
-                <a:ea typeface="+mn-ea"/>
-                <a:cs typeface="+mn-cs"/>
-                <a:hlinkClick r:id="rId31" tooltip="Scientific Memoirs"/>
-              </a:rPr>
-              <a:t>Scientific Memoirs</a:t>
-            </a:r>
-            <a:r>
-              <a:rPr lang="en-GB" sz="1200" b="0" i="0" kern="1200" dirty="0" smtClean="0">
-                <a:solidFill>
-                  <a:schemeClr val="tx1"/>
-                </a:solidFill>
-                <a:effectLst/>
-                <a:latin typeface="+mn-lt"/>
-                <a:ea typeface="+mn-ea"/>
-                <a:cs typeface="+mn-cs"/>
-              </a:rPr>
-              <a:t> ruled that the statement should be signed, Babbage wrote to Lovelace asking her to withdraw the paper. This was the first that she knew he was leaving it unsigned, and she wrote back refusing to withdraw the paper. The historian </a:t>
-            </a:r>
-            <a:r>
-              <a:rPr lang="en-GB" sz="1200" b="0" i="0" u="none" strike="noStrike" kern="1200" dirty="0" smtClean="0">
-                <a:solidFill>
-                  <a:schemeClr val="tx1"/>
-                </a:solidFill>
-                <a:effectLst/>
-                <a:latin typeface="+mn-lt"/>
-                <a:ea typeface="+mn-ea"/>
-                <a:cs typeface="+mn-cs"/>
-                <a:hlinkClick r:id="rId32" tooltip="Benjamin Woolley"/>
-              </a:rPr>
-              <a:t>Benjamin Woolley</a:t>
-            </a:r>
-            <a:r>
-              <a:rPr lang="en-GB" sz="1200" b="0" i="0" kern="1200" dirty="0" smtClean="0">
-                <a:solidFill>
-                  <a:schemeClr val="tx1"/>
-                </a:solidFill>
-                <a:effectLst/>
-                <a:latin typeface="+mn-lt"/>
-                <a:ea typeface="+mn-ea"/>
-                <a:cs typeface="+mn-cs"/>
-              </a:rPr>
-              <a:t> theorised that, "His actions suggested he had so enthusiastically sought Ada's involvement, and so happily indulged her ... because of her 'celebrated name'."</a:t>
-            </a:r>
-            <a:r>
-              <a:rPr lang="en-GB" sz="1200" b="0" i="0" u="none" strike="noStrike" kern="1200" baseline="30000" dirty="0" smtClean="0">
-                <a:solidFill>
-                  <a:schemeClr val="tx1"/>
-                </a:solidFill>
-                <a:effectLst/>
-                <a:latin typeface="+mn-lt"/>
-                <a:ea typeface="+mn-ea"/>
-                <a:cs typeface="+mn-cs"/>
-                <a:hlinkClick r:id="rId33"/>
-              </a:rPr>
-              <a:t>[60]</a:t>
-            </a:r>
-            <a:r>
-              <a:rPr lang="en-GB" sz="1200" b="0" i="0" kern="1200" dirty="0" smtClean="0">
-                <a:solidFill>
-                  <a:schemeClr val="tx1"/>
-                </a:solidFill>
-                <a:effectLst/>
-                <a:latin typeface="+mn-lt"/>
-                <a:ea typeface="+mn-ea"/>
-                <a:cs typeface="+mn-cs"/>
-              </a:rPr>
-              <a:t> Their friendship recovered, and they continued to correspond. On 12 August 1851, when she was dying of cancer, Lovelace wrote to him asking him to be her executor, though this letter did not give him the necessary legal authority. Part of the terrace at Worthy Manor was known as </a:t>
-            </a:r>
-            <a:r>
-              <a:rPr lang="en-GB" sz="1200" b="0" i="1" kern="1200" dirty="0" smtClean="0">
-                <a:solidFill>
-                  <a:schemeClr val="tx1"/>
-                </a:solidFill>
-                <a:effectLst/>
-                <a:latin typeface="+mn-lt"/>
-                <a:ea typeface="+mn-ea"/>
-                <a:cs typeface="+mn-cs"/>
-              </a:rPr>
-              <a:t>Philosopher's Walk</a:t>
-            </a:r>
-            <a:r>
-              <a:rPr lang="en-GB" sz="1200" b="0" i="0" kern="1200" dirty="0" smtClean="0">
-                <a:solidFill>
-                  <a:schemeClr val="tx1"/>
-                </a:solidFill>
-                <a:effectLst/>
-                <a:latin typeface="+mn-lt"/>
-                <a:ea typeface="+mn-ea"/>
-                <a:cs typeface="+mn-cs"/>
-              </a:rPr>
-              <a:t>, as it was there that Lovelace and Babbage were reputed to have walked while discussing mathematical principles.</a:t>
-            </a:r>
-            <a:r>
-              <a:rPr lang="en-GB" sz="1200" b="0" i="0" u="none" strike="noStrike" kern="1200" baseline="30000" dirty="0" smtClean="0">
-                <a:solidFill>
-                  <a:schemeClr val="tx1"/>
-                </a:solidFill>
-                <a:effectLst/>
-                <a:latin typeface="+mn-lt"/>
-                <a:ea typeface="+mn-ea"/>
-                <a:cs typeface="+mn-cs"/>
-                <a:hlinkClick r:id="rId21"/>
-              </a:rPr>
-              <a:t>[56]</a:t>
-            </a:r>
-            <a:endParaRPr lang="en-GB" sz="1200" b="0" i="0" kern="1200" dirty="0" smtClean="0">
-              <a:solidFill>
-                <a:schemeClr val="tx1"/>
-              </a:solidFill>
-              <a:effectLst/>
-              <a:latin typeface="+mn-lt"/>
-              <a:ea typeface="+mn-ea"/>
-              <a:cs typeface="+mn-cs"/>
-            </a:endParaRPr>
+              <a:rPr lang="en-GB" b="1" dirty="0"/>
+              <a:t>Margaret H. Hamilton – 1960s onwards – First Downloadable Programs</a:t>
+            </a:r>
           </a:p>
           <a:p>
             <a:pPr marL="0" marR="0" indent="0" algn="l" defTabSz="914400" rtl="0" eaLnBrk="1" fontAlgn="auto" latinLnBrk="0" hangingPunct="1">
@@ -1781,7 +936,11 @@
               <a:tabLst/>
               <a:defRPr/>
             </a:pPr>
-            <a:endParaRPr lang="en-GB" b="1" dirty="0" smtClean="0"/>
+            <a:r>
+              <a:rPr lang="en-GB" dirty="0"/>
+              <a:t>- led the team that created the on-board flight software for NASA's Apollo command modules and lunar modules.</a:t>
+            </a:r>
+            <a:endParaRPr lang="en-GB" b="1" dirty="0"/>
           </a:p>
           <a:p>
             <a:pPr marL="0" marR="0" indent="0" algn="l" defTabSz="914400" rtl="0" eaLnBrk="1" fontAlgn="auto" latinLnBrk="0" hangingPunct="1">
@@ -1802,873 +961,26 @@
               <a:defRPr/>
             </a:pPr>
             <a:r>
-              <a:rPr lang="en-GB" b="1" dirty="0" smtClean="0"/>
-              <a:t>Grace</a:t>
-            </a:r>
-            <a:r>
-              <a:rPr lang="en-GB" b="1" baseline="0" dirty="0" smtClean="0"/>
-              <a:t> Hopper</a:t>
-            </a:r>
-          </a:p>
-          <a:p>
-            <a:r>
-              <a:rPr lang="en-GB" sz="1200" b="1" i="0" kern="1200" dirty="0" smtClean="0">
-                <a:solidFill>
-                  <a:schemeClr val="tx1"/>
-                </a:solidFill>
-                <a:effectLst/>
-                <a:latin typeface="+mn-lt"/>
-                <a:ea typeface="+mn-ea"/>
-                <a:cs typeface="+mn-cs"/>
-              </a:rPr>
-              <a:t>UNIVAC</a:t>
-            </a:r>
-            <a:r>
-              <a:rPr lang="en-GB" sz="1200" b="0" i="0" kern="1200" dirty="0" smtClean="0">
-                <a:solidFill>
-                  <a:schemeClr val="tx1"/>
-                </a:solidFill>
-                <a:effectLst/>
-                <a:latin typeface="+mn-lt"/>
-                <a:ea typeface="+mn-ea"/>
-                <a:cs typeface="+mn-cs"/>
-              </a:rPr>
-              <a:t>[</a:t>
-            </a:r>
-            <a:r>
-              <a:rPr lang="en-GB" sz="1200" b="0" i="0" u="none" strike="noStrike" kern="1200" dirty="0" smtClean="0">
-                <a:solidFill>
-                  <a:schemeClr val="tx1"/>
-                </a:solidFill>
-                <a:effectLst/>
-                <a:latin typeface="+mn-lt"/>
-                <a:ea typeface="+mn-ea"/>
-                <a:cs typeface="+mn-cs"/>
-                <a:hlinkClick r:id="rId34" tooltip="Edit section: UNIVAC"/>
-              </a:rPr>
-              <a:t>edit</a:t>
-            </a:r>
-            <a:r>
-              <a:rPr lang="en-GB" sz="1200" b="0" i="0" kern="1200" dirty="0" smtClean="0">
-                <a:solidFill>
-                  <a:schemeClr val="tx1"/>
-                </a:solidFill>
-                <a:effectLst/>
-                <a:latin typeface="+mn-lt"/>
-                <a:ea typeface="+mn-ea"/>
-                <a:cs typeface="+mn-cs"/>
-              </a:rPr>
-              <a:t>]</a:t>
-            </a:r>
-            <a:endParaRPr lang="en-GB" sz="1200" b="1" i="0" kern="1200" dirty="0" smtClean="0">
-              <a:solidFill>
-                <a:schemeClr val="tx1"/>
-              </a:solidFill>
-              <a:effectLst/>
-              <a:latin typeface="+mn-lt"/>
-              <a:ea typeface="+mn-ea"/>
-              <a:cs typeface="+mn-cs"/>
-            </a:endParaRPr>
-          </a:p>
-          <a:p>
-            <a:r>
-              <a:rPr lang="en-GB" sz="1200" b="0" i="0" kern="1200" dirty="0" smtClean="0">
-                <a:solidFill>
-                  <a:schemeClr val="tx1"/>
-                </a:solidFill>
-                <a:effectLst/>
-                <a:latin typeface="+mn-lt"/>
-                <a:ea typeface="+mn-ea"/>
-                <a:cs typeface="+mn-cs"/>
-              </a:rPr>
-              <a:t>In 1949, Hopper became an employee of the </a:t>
-            </a:r>
-            <a:r>
-              <a:rPr lang="en-GB" sz="1200" b="0" i="0" u="none" strike="noStrike" kern="1200" dirty="0" smtClean="0">
-                <a:solidFill>
-                  <a:schemeClr val="tx1"/>
-                </a:solidFill>
-                <a:effectLst/>
-                <a:latin typeface="+mn-lt"/>
-                <a:ea typeface="+mn-ea"/>
-                <a:cs typeface="+mn-cs"/>
-                <a:hlinkClick r:id="rId35" tooltip="Eckert–Mauchly Computer Corporation"/>
-              </a:rPr>
-              <a:t>Eckert–</a:t>
-            </a:r>
-            <a:r>
-              <a:rPr lang="en-GB" sz="1200" b="0" i="0" u="none" strike="noStrike" kern="1200" dirty="0" err="1" smtClean="0">
-                <a:solidFill>
-                  <a:schemeClr val="tx1"/>
-                </a:solidFill>
-                <a:effectLst/>
-                <a:latin typeface="+mn-lt"/>
-                <a:ea typeface="+mn-ea"/>
-                <a:cs typeface="+mn-cs"/>
-                <a:hlinkClick r:id="rId35" tooltip="Eckert–Mauchly Computer Corporation"/>
-              </a:rPr>
-              <a:t>Mauchly</a:t>
-            </a:r>
-            <a:r>
-              <a:rPr lang="en-GB" sz="1200" b="0" i="0" u="none" strike="noStrike" kern="1200" dirty="0" smtClean="0">
-                <a:solidFill>
-                  <a:schemeClr val="tx1"/>
-                </a:solidFill>
-                <a:effectLst/>
-                <a:latin typeface="+mn-lt"/>
-                <a:ea typeface="+mn-ea"/>
-                <a:cs typeface="+mn-cs"/>
-                <a:hlinkClick r:id="rId35" tooltip="Eckert–Mauchly Computer Corporation"/>
-              </a:rPr>
-              <a:t> Computer Corporation</a:t>
-            </a:r>
-            <a:r>
-              <a:rPr lang="en-GB" sz="1200" b="0" i="0" kern="1200" dirty="0" smtClean="0">
-                <a:solidFill>
-                  <a:schemeClr val="tx1"/>
-                </a:solidFill>
-                <a:effectLst/>
-                <a:latin typeface="+mn-lt"/>
-                <a:ea typeface="+mn-ea"/>
-                <a:cs typeface="+mn-cs"/>
-              </a:rPr>
-              <a:t> as a senior mathematician and joined the team developing the </a:t>
-            </a:r>
-            <a:r>
-              <a:rPr lang="en-GB" sz="1200" b="0" i="0" u="none" strike="noStrike" kern="1200" dirty="0" smtClean="0">
-                <a:solidFill>
-                  <a:schemeClr val="tx1"/>
-                </a:solidFill>
-                <a:effectLst/>
-                <a:latin typeface="+mn-lt"/>
-                <a:ea typeface="+mn-ea"/>
-                <a:cs typeface="+mn-cs"/>
-                <a:hlinkClick r:id="rId36" tooltip="UNIVAC I"/>
-              </a:rPr>
-              <a:t>UNIVAC I</a:t>
-            </a:r>
-            <a:r>
-              <a:rPr lang="en-GB" sz="1200" b="0" i="0" kern="1200" dirty="0" smtClean="0">
-                <a:solidFill>
-                  <a:schemeClr val="tx1"/>
-                </a:solidFill>
-                <a:effectLst/>
-                <a:latin typeface="+mn-lt"/>
-                <a:ea typeface="+mn-ea"/>
-                <a:cs typeface="+mn-cs"/>
-              </a:rPr>
-              <a:t>.</a:t>
-            </a:r>
-            <a:r>
-              <a:rPr lang="en-GB" sz="1200" b="0" i="0" u="none" strike="noStrike" kern="1200" baseline="30000" dirty="0" smtClean="0">
-                <a:solidFill>
-                  <a:schemeClr val="tx1"/>
-                </a:solidFill>
-                <a:effectLst/>
-                <a:latin typeface="+mn-lt"/>
-                <a:ea typeface="+mn-ea"/>
-                <a:cs typeface="+mn-cs"/>
-                <a:hlinkClick r:id="rId37"/>
-              </a:rPr>
-              <a:t>[17]</a:t>
-            </a:r>
-            <a:r>
-              <a:rPr lang="en-GB" sz="1200" b="0" i="0" kern="1200" dirty="0" smtClean="0">
-                <a:solidFill>
-                  <a:schemeClr val="tx1"/>
-                </a:solidFill>
-                <a:effectLst/>
-                <a:latin typeface="+mn-lt"/>
-                <a:ea typeface="+mn-ea"/>
-                <a:cs typeface="+mn-cs"/>
-              </a:rPr>
-              <a:t> In the early 1950s, the company was taken over by </a:t>
-            </a:r>
-            <a:r>
-              <a:rPr lang="en-GB" sz="1200" b="0" i="0" kern="1200" dirty="0" err="1" smtClean="0">
-                <a:solidFill>
-                  <a:schemeClr val="tx1"/>
-                </a:solidFill>
-                <a:effectLst/>
-                <a:latin typeface="+mn-lt"/>
-                <a:ea typeface="+mn-ea"/>
-                <a:cs typeface="+mn-cs"/>
-              </a:rPr>
-              <a:t>the</a:t>
-            </a:r>
-            <a:r>
-              <a:rPr lang="en-GB" sz="1200" b="0" i="0" u="none" strike="noStrike" kern="1200" dirty="0" err="1" smtClean="0">
-                <a:solidFill>
-                  <a:schemeClr val="tx1"/>
-                </a:solidFill>
-                <a:effectLst/>
-                <a:latin typeface="+mn-lt"/>
-                <a:ea typeface="+mn-ea"/>
-                <a:cs typeface="+mn-cs"/>
-                <a:hlinkClick r:id="rId38" tooltip="Remington Rand"/>
-              </a:rPr>
-              <a:t>Remington</a:t>
-            </a:r>
-            <a:r>
-              <a:rPr lang="en-GB" sz="1200" b="0" i="0" u="none" strike="noStrike" kern="1200" dirty="0" smtClean="0">
-                <a:solidFill>
-                  <a:schemeClr val="tx1"/>
-                </a:solidFill>
-                <a:effectLst/>
-                <a:latin typeface="+mn-lt"/>
-                <a:ea typeface="+mn-ea"/>
-                <a:cs typeface="+mn-cs"/>
-                <a:hlinkClick r:id="rId38" tooltip="Remington Rand"/>
-              </a:rPr>
-              <a:t> Rand</a:t>
-            </a:r>
-            <a:r>
-              <a:rPr lang="en-GB" sz="1200" b="0" i="0" kern="1200" dirty="0" smtClean="0">
-                <a:solidFill>
-                  <a:schemeClr val="tx1"/>
-                </a:solidFill>
-                <a:effectLst/>
-                <a:latin typeface="+mn-lt"/>
-                <a:ea typeface="+mn-ea"/>
-                <a:cs typeface="+mn-cs"/>
-              </a:rPr>
-              <a:t> corporation, and it was while she was working for them that her original </a:t>
-            </a:r>
-            <a:r>
-              <a:rPr lang="en-GB" sz="1200" b="0" i="0" u="none" strike="noStrike" kern="1200" dirty="0" smtClean="0">
-                <a:solidFill>
-                  <a:schemeClr val="tx1"/>
-                </a:solidFill>
-                <a:effectLst/>
-                <a:latin typeface="+mn-lt"/>
-                <a:ea typeface="+mn-ea"/>
-                <a:cs typeface="+mn-cs"/>
-                <a:hlinkClick r:id="rId39" tooltip="Compiler"/>
-              </a:rPr>
-              <a:t>compiler</a:t>
-            </a:r>
-            <a:r>
-              <a:rPr lang="en-GB" sz="1200" b="0" i="0" kern="1200" dirty="0" smtClean="0">
-                <a:solidFill>
-                  <a:schemeClr val="tx1"/>
-                </a:solidFill>
-                <a:effectLst/>
-                <a:latin typeface="+mn-lt"/>
-                <a:ea typeface="+mn-ea"/>
-                <a:cs typeface="+mn-cs"/>
-              </a:rPr>
-              <a:t> work was done. The compiler was known as the A compiler and its first version was </a:t>
-            </a:r>
-            <a:r>
-              <a:rPr lang="en-GB" sz="1200" b="0" i="0" u="none" strike="noStrike" kern="1200" dirty="0" smtClean="0">
-                <a:solidFill>
-                  <a:schemeClr val="tx1"/>
-                </a:solidFill>
-                <a:effectLst/>
-                <a:latin typeface="+mn-lt"/>
-                <a:ea typeface="+mn-ea"/>
-                <a:cs typeface="+mn-cs"/>
-                <a:hlinkClick r:id="rId40" tooltip="A-0 programming language"/>
-              </a:rPr>
-              <a:t>A-0</a:t>
-            </a:r>
-            <a:r>
-              <a:rPr lang="en-GB" sz="1200" b="0" i="0" kern="1200" dirty="0" smtClean="0">
-                <a:solidFill>
-                  <a:schemeClr val="tx1"/>
-                </a:solidFill>
-                <a:effectLst/>
-                <a:latin typeface="+mn-lt"/>
-                <a:ea typeface="+mn-ea"/>
-                <a:cs typeface="+mn-cs"/>
-              </a:rPr>
-              <a:t>.</a:t>
-            </a:r>
-            <a:r>
-              <a:rPr lang="en-GB" sz="1200" b="0" i="0" u="none" strike="noStrike" kern="1200" baseline="30000" dirty="0" smtClean="0">
-                <a:solidFill>
-                  <a:schemeClr val="tx1"/>
-                </a:solidFill>
-                <a:effectLst/>
-                <a:latin typeface="+mn-lt"/>
-                <a:ea typeface="+mn-ea"/>
-                <a:cs typeface="+mn-cs"/>
-                <a:hlinkClick r:id="rId41"/>
-              </a:rPr>
-              <a:t>[20]</a:t>
-            </a:r>
-            <a:r>
-              <a:rPr lang="en-GB" sz="1200" b="0" i="0" kern="1200" baseline="30000" dirty="0" smtClean="0">
-                <a:solidFill>
-                  <a:schemeClr val="tx1"/>
-                </a:solidFill>
-                <a:effectLst/>
-                <a:latin typeface="+mn-lt"/>
-                <a:ea typeface="+mn-ea"/>
-                <a:cs typeface="+mn-cs"/>
-              </a:rPr>
-              <a:t>:11</a:t>
-            </a:r>
-            <a:endParaRPr lang="en-GB" sz="1200" b="0" i="0" kern="1200" dirty="0" smtClean="0">
-              <a:solidFill>
-                <a:schemeClr val="tx1"/>
-              </a:solidFill>
-              <a:effectLst/>
-              <a:latin typeface="+mn-lt"/>
-              <a:ea typeface="+mn-ea"/>
-              <a:cs typeface="+mn-cs"/>
-            </a:endParaRPr>
-          </a:p>
-          <a:p>
-            <a:r>
-              <a:rPr lang="en-GB" sz="1200" b="0" i="0" kern="1200" dirty="0" smtClean="0">
-                <a:solidFill>
-                  <a:schemeClr val="tx1"/>
-                </a:solidFill>
-                <a:effectLst/>
-                <a:latin typeface="+mn-lt"/>
-                <a:ea typeface="+mn-ea"/>
-                <a:cs typeface="+mn-cs"/>
-              </a:rPr>
-              <a:t>In 1952 she had an operational compiler. "Nobody believed that," she said. "I had a running compiler and nobody would touch it. They told me computers could only do arithmetic."</a:t>
-            </a:r>
-            <a:r>
-              <a:rPr lang="en-GB" sz="1200" b="0" i="0" u="none" strike="noStrike" kern="1200" baseline="30000" dirty="0" smtClean="0">
-                <a:solidFill>
-                  <a:schemeClr val="tx1"/>
-                </a:solidFill>
-                <a:effectLst/>
-                <a:latin typeface="+mn-lt"/>
-                <a:ea typeface="+mn-ea"/>
-                <a:cs typeface="+mn-cs"/>
-                <a:hlinkClick r:id="rId42"/>
-              </a:rPr>
-              <a:t>[21]</a:t>
-            </a:r>
-            <a:endParaRPr lang="en-GB" sz="1200" b="0" i="0" kern="1200" dirty="0" smtClean="0">
-              <a:solidFill>
-                <a:schemeClr val="tx1"/>
-              </a:solidFill>
-              <a:effectLst/>
-              <a:latin typeface="+mn-lt"/>
-              <a:ea typeface="+mn-ea"/>
-              <a:cs typeface="+mn-cs"/>
-            </a:endParaRPr>
-          </a:p>
-          <a:p>
-            <a:r>
-              <a:rPr lang="en-GB" sz="1200" b="0" i="0" kern="1200" dirty="0" smtClean="0">
-                <a:solidFill>
-                  <a:schemeClr val="tx1"/>
-                </a:solidFill>
-                <a:effectLst/>
-                <a:latin typeface="+mn-lt"/>
-                <a:ea typeface="+mn-ea"/>
-                <a:cs typeface="+mn-cs"/>
-              </a:rPr>
-              <a:t>In 1954 Hopper was named the company's first director of automatic programming, and her department released some of the first compiler-based programming languages, including </a:t>
-            </a:r>
-            <a:r>
-              <a:rPr lang="en-GB" sz="1200" b="0" i="0" u="none" strike="noStrike" kern="1200" dirty="0" smtClean="0">
-                <a:solidFill>
-                  <a:schemeClr val="tx1"/>
-                </a:solidFill>
-                <a:effectLst/>
-                <a:latin typeface="+mn-lt"/>
-                <a:ea typeface="+mn-ea"/>
-                <a:cs typeface="+mn-cs"/>
-                <a:hlinkClick r:id="rId43" tooltip="MATH-MATIC"/>
-              </a:rPr>
-              <a:t>MATH-MATIC</a:t>
-            </a:r>
-            <a:r>
-              <a:rPr lang="en-GB" sz="1200" b="0" i="0" kern="1200" dirty="0" smtClean="0">
-                <a:solidFill>
-                  <a:schemeClr val="tx1"/>
-                </a:solidFill>
-                <a:effectLst/>
-                <a:latin typeface="+mn-lt"/>
-                <a:ea typeface="+mn-ea"/>
-                <a:cs typeface="+mn-cs"/>
-              </a:rPr>
-              <a:t> and </a:t>
-            </a:r>
-            <a:r>
-              <a:rPr lang="en-GB" sz="1200" b="0" i="0" u="none" strike="noStrike" kern="1200" dirty="0" smtClean="0">
-                <a:solidFill>
-                  <a:schemeClr val="tx1"/>
-                </a:solidFill>
-                <a:effectLst/>
-                <a:latin typeface="+mn-lt"/>
-                <a:ea typeface="+mn-ea"/>
-                <a:cs typeface="+mn-cs"/>
-                <a:hlinkClick r:id="rId44" tooltip="FLOW-MATIC"/>
-              </a:rPr>
-              <a:t>FLOW-MATIC</a:t>
-            </a:r>
-            <a:r>
-              <a:rPr lang="en-GB" sz="1200" b="0" i="0" kern="1200" dirty="0" smtClean="0">
-                <a:solidFill>
-                  <a:schemeClr val="tx1"/>
-                </a:solidFill>
-                <a:effectLst/>
-                <a:latin typeface="+mn-lt"/>
-                <a:ea typeface="+mn-ea"/>
-                <a:cs typeface="+mn-cs"/>
-              </a:rPr>
-              <a:t>.</a:t>
-            </a:r>
-            <a:r>
-              <a:rPr lang="en-GB" sz="1200" b="0" i="0" u="none" strike="noStrike" kern="1200" baseline="30000" dirty="0" smtClean="0">
-                <a:solidFill>
-                  <a:schemeClr val="tx1"/>
-                </a:solidFill>
-                <a:effectLst/>
-                <a:latin typeface="+mn-lt"/>
-                <a:ea typeface="+mn-ea"/>
-                <a:cs typeface="+mn-cs"/>
-                <a:hlinkClick r:id="rId37"/>
-              </a:rPr>
-              <a:t>[17]</a:t>
-            </a:r>
-            <a:endParaRPr lang="en-GB" sz="1200" b="0" i="0" kern="1200" dirty="0" smtClean="0">
-              <a:solidFill>
-                <a:schemeClr val="tx1"/>
-              </a:solidFill>
-              <a:effectLst/>
-              <a:latin typeface="+mn-lt"/>
-              <a:ea typeface="+mn-ea"/>
-              <a:cs typeface="+mn-cs"/>
-            </a:endParaRPr>
-          </a:p>
-          <a:p>
-            <a:r>
-              <a:rPr lang="en-GB" sz="1200" b="1" i="0" kern="1200" dirty="0" smtClean="0">
-                <a:solidFill>
-                  <a:schemeClr val="tx1"/>
-                </a:solidFill>
-                <a:effectLst/>
-                <a:latin typeface="+mn-lt"/>
-                <a:ea typeface="+mn-ea"/>
-                <a:cs typeface="+mn-cs"/>
-              </a:rPr>
-              <a:t>COBOL</a:t>
-            </a:r>
-            <a:r>
-              <a:rPr lang="en-GB" sz="1200" b="0" i="0" kern="1200" dirty="0" smtClean="0">
-                <a:solidFill>
-                  <a:schemeClr val="tx1"/>
-                </a:solidFill>
-                <a:effectLst/>
-                <a:latin typeface="+mn-lt"/>
-                <a:ea typeface="+mn-ea"/>
-                <a:cs typeface="+mn-cs"/>
-              </a:rPr>
-              <a:t>[</a:t>
-            </a:r>
-            <a:r>
-              <a:rPr lang="en-GB" sz="1200" b="0" i="0" u="none" strike="noStrike" kern="1200" dirty="0" smtClean="0">
-                <a:solidFill>
-                  <a:schemeClr val="tx1"/>
-                </a:solidFill>
-                <a:effectLst/>
-                <a:latin typeface="+mn-lt"/>
-                <a:ea typeface="+mn-ea"/>
-                <a:cs typeface="+mn-cs"/>
-                <a:hlinkClick r:id="rId45" tooltip="Edit section: COBOL"/>
-              </a:rPr>
-              <a:t>edit</a:t>
-            </a:r>
-            <a:r>
-              <a:rPr lang="en-GB" sz="1200" b="0" i="0" kern="1200" dirty="0" smtClean="0">
-                <a:solidFill>
-                  <a:schemeClr val="tx1"/>
-                </a:solidFill>
-                <a:effectLst/>
-                <a:latin typeface="+mn-lt"/>
-                <a:ea typeface="+mn-ea"/>
-                <a:cs typeface="+mn-cs"/>
-              </a:rPr>
-              <a:t>]</a:t>
-            </a:r>
-            <a:endParaRPr lang="en-GB" sz="1200" b="1" i="0" kern="1200" dirty="0" smtClean="0">
-              <a:solidFill>
-                <a:schemeClr val="tx1"/>
-              </a:solidFill>
-              <a:effectLst/>
-              <a:latin typeface="+mn-lt"/>
-              <a:ea typeface="+mn-ea"/>
-              <a:cs typeface="+mn-cs"/>
-            </a:endParaRPr>
-          </a:p>
-          <a:p>
-            <a:r>
-              <a:rPr lang="en-GB" sz="1200" b="0" i="0" kern="1200" dirty="0" smtClean="0">
-                <a:solidFill>
-                  <a:schemeClr val="tx1"/>
-                </a:solidFill>
-                <a:effectLst/>
-                <a:latin typeface="+mn-lt"/>
-                <a:ea typeface="+mn-ea"/>
-                <a:cs typeface="+mn-cs"/>
-              </a:rPr>
-              <a:t>Grace Murray Hopper at the UNIVAC keyboard, c. 1960</a:t>
-            </a:r>
-          </a:p>
-          <a:p>
-            <a:r>
-              <a:rPr lang="en-GB" sz="1200" b="0" i="0" kern="1200" dirty="0" smtClean="0">
-                <a:solidFill>
-                  <a:schemeClr val="tx1"/>
-                </a:solidFill>
-                <a:effectLst/>
-                <a:latin typeface="+mn-lt"/>
-                <a:ea typeface="+mn-ea"/>
-                <a:cs typeface="+mn-cs"/>
-              </a:rPr>
-              <a:t>In the spring of 1959, a two-day conference known as the Conference on Data Systems Languages (</a:t>
-            </a:r>
-            <a:r>
-              <a:rPr lang="en-GB" sz="1200" b="0" i="0" u="none" strike="noStrike" kern="1200" dirty="0" smtClean="0">
-                <a:solidFill>
-                  <a:schemeClr val="tx1"/>
-                </a:solidFill>
-                <a:effectLst/>
-                <a:latin typeface="+mn-lt"/>
-                <a:ea typeface="+mn-ea"/>
-                <a:cs typeface="+mn-cs"/>
-                <a:hlinkClick r:id="rId46" tooltip="CODASYL"/>
-              </a:rPr>
-              <a:t>CODASYL</a:t>
-            </a:r>
-            <a:r>
-              <a:rPr lang="en-GB" sz="1200" b="0" i="0" kern="1200" dirty="0" smtClean="0">
-                <a:solidFill>
-                  <a:schemeClr val="tx1"/>
-                </a:solidFill>
-                <a:effectLst/>
-                <a:latin typeface="+mn-lt"/>
-                <a:ea typeface="+mn-ea"/>
-                <a:cs typeface="+mn-cs"/>
-              </a:rPr>
-              <a:t>) brought together computer experts from industry and government. Hopper served as a technical consultant to the committee, and many of her former employees served on the short-term committee that defined the new language </a:t>
-            </a:r>
-            <a:r>
-              <a:rPr lang="en-GB" sz="1200" b="0" i="0" u="none" strike="noStrike" kern="1200" dirty="0" smtClean="0">
-                <a:solidFill>
-                  <a:schemeClr val="tx1"/>
-                </a:solidFill>
-                <a:effectLst/>
-                <a:latin typeface="+mn-lt"/>
-                <a:ea typeface="+mn-ea"/>
-                <a:cs typeface="+mn-cs"/>
-                <a:hlinkClick r:id="rId47" tooltip="COBOL"/>
-              </a:rPr>
-              <a:t>COBOL</a:t>
-            </a:r>
-            <a:r>
-              <a:rPr lang="en-GB" sz="1200" b="0" i="0" kern="1200" dirty="0" smtClean="0">
-                <a:solidFill>
-                  <a:schemeClr val="tx1"/>
-                </a:solidFill>
-                <a:effectLst/>
-                <a:latin typeface="+mn-lt"/>
-                <a:ea typeface="+mn-ea"/>
-                <a:cs typeface="+mn-cs"/>
-              </a:rPr>
-              <a:t> (an acronym for </a:t>
-            </a:r>
-            <a:r>
-              <a:rPr lang="en-GB" sz="1200" b="1" i="0" kern="1200" dirty="0" err="1" smtClean="0">
-                <a:solidFill>
-                  <a:schemeClr val="tx1"/>
-                </a:solidFill>
-                <a:effectLst/>
-                <a:latin typeface="+mn-lt"/>
-                <a:ea typeface="+mn-ea"/>
-                <a:cs typeface="+mn-cs"/>
-              </a:rPr>
-              <a:t>CO</a:t>
-            </a:r>
-            <a:r>
-              <a:rPr lang="en-GB" sz="1200" b="0" i="0" kern="1200" dirty="0" err="1" smtClean="0">
-                <a:solidFill>
-                  <a:schemeClr val="tx1"/>
-                </a:solidFill>
-                <a:effectLst/>
-                <a:latin typeface="+mn-lt"/>
-                <a:ea typeface="+mn-ea"/>
-                <a:cs typeface="+mn-cs"/>
-              </a:rPr>
-              <a:t>mmon</a:t>
-            </a:r>
-            <a:r>
-              <a:rPr lang="en-GB" sz="1200" b="0" i="0" kern="1200" dirty="0" smtClean="0">
-                <a:solidFill>
-                  <a:schemeClr val="tx1"/>
-                </a:solidFill>
-                <a:effectLst/>
-                <a:latin typeface="+mn-lt"/>
-                <a:ea typeface="+mn-ea"/>
-                <a:cs typeface="+mn-cs"/>
-              </a:rPr>
-              <a:t> </a:t>
-            </a:r>
-            <a:r>
-              <a:rPr lang="en-GB" sz="1200" b="1" i="0" kern="1200" dirty="0" smtClean="0">
-                <a:solidFill>
-                  <a:schemeClr val="tx1"/>
-                </a:solidFill>
-                <a:effectLst/>
-                <a:latin typeface="+mn-lt"/>
-                <a:ea typeface="+mn-ea"/>
-                <a:cs typeface="+mn-cs"/>
-              </a:rPr>
-              <a:t>B</a:t>
-            </a:r>
-            <a:r>
-              <a:rPr lang="en-GB" sz="1200" b="0" i="0" kern="1200" dirty="0" smtClean="0">
-                <a:solidFill>
-                  <a:schemeClr val="tx1"/>
-                </a:solidFill>
-                <a:effectLst/>
-                <a:latin typeface="+mn-lt"/>
-                <a:ea typeface="+mn-ea"/>
-                <a:cs typeface="+mn-cs"/>
-              </a:rPr>
-              <a:t>usiness-</a:t>
-            </a:r>
-            <a:r>
-              <a:rPr lang="en-GB" sz="1200" b="1" i="0" kern="1200" dirty="0" smtClean="0">
-                <a:solidFill>
-                  <a:schemeClr val="tx1"/>
-                </a:solidFill>
-                <a:effectLst/>
-                <a:latin typeface="+mn-lt"/>
-                <a:ea typeface="+mn-ea"/>
-                <a:cs typeface="+mn-cs"/>
-              </a:rPr>
-              <a:t>O</a:t>
-            </a:r>
-            <a:r>
-              <a:rPr lang="en-GB" sz="1200" b="0" i="0" kern="1200" dirty="0" smtClean="0">
-                <a:solidFill>
-                  <a:schemeClr val="tx1"/>
-                </a:solidFill>
-                <a:effectLst/>
-                <a:latin typeface="+mn-lt"/>
-                <a:ea typeface="+mn-ea"/>
-                <a:cs typeface="+mn-cs"/>
-              </a:rPr>
-              <a:t>riented </a:t>
-            </a:r>
-            <a:r>
-              <a:rPr lang="en-GB" sz="1200" b="1" i="0" kern="1200" dirty="0" smtClean="0">
-                <a:solidFill>
-                  <a:schemeClr val="tx1"/>
-                </a:solidFill>
-                <a:effectLst/>
-                <a:latin typeface="+mn-lt"/>
-                <a:ea typeface="+mn-ea"/>
-                <a:cs typeface="+mn-cs"/>
-              </a:rPr>
-              <a:t>L</a:t>
-            </a:r>
-            <a:r>
-              <a:rPr lang="en-GB" sz="1200" b="0" i="0" kern="1200" dirty="0" smtClean="0">
-                <a:solidFill>
-                  <a:schemeClr val="tx1"/>
-                </a:solidFill>
-                <a:effectLst/>
-                <a:latin typeface="+mn-lt"/>
-                <a:ea typeface="+mn-ea"/>
-                <a:cs typeface="+mn-cs"/>
-              </a:rPr>
-              <a:t>anguage). The new language extended Hopper's FLOW-MATIC language with some ideas from the </a:t>
-            </a:r>
-            <a:r>
-              <a:rPr lang="en-GB" sz="1200" b="0" i="0" u="none" strike="noStrike" kern="1200" dirty="0" smtClean="0">
-                <a:solidFill>
-                  <a:schemeClr val="tx1"/>
-                </a:solidFill>
-                <a:effectLst/>
-                <a:latin typeface="+mn-lt"/>
-                <a:ea typeface="+mn-ea"/>
-                <a:cs typeface="+mn-cs"/>
-                <a:hlinkClick r:id="rId48" tooltip="IBM"/>
-              </a:rPr>
-              <a:t>IBM</a:t>
-            </a:r>
-            <a:r>
-              <a:rPr lang="en-GB" sz="1200" b="0" i="0" kern="1200" dirty="0" smtClean="0">
-                <a:solidFill>
-                  <a:schemeClr val="tx1"/>
-                </a:solidFill>
-                <a:effectLst/>
-                <a:latin typeface="+mn-lt"/>
-                <a:ea typeface="+mn-ea"/>
-                <a:cs typeface="+mn-cs"/>
-              </a:rPr>
-              <a:t> equivalent, </a:t>
-            </a:r>
-            <a:r>
-              <a:rPr lang="en-GB" sz="1200" b="0" i="0" u="none" strike="noStrike" kern="1200" dirty="0" smtClean="0">
-                <a:solidFill>
-                  <a:schemeClr val="tx1"/>
-                </a:solidFill>
-                <a:effectLst/>
-                <a:latin typeface="+mn-lt"/>
-                <a:ea typeface="+mn-ea"/>
-                <a:cs typeface="+mn-cs"/>
-                <a:hlinkClick r:id="rId49" tooltip="COMTRAN"/>
-              </a:rPr>
-              <a:t>COMTRAN</a:t>
-            </a:r>
-            <a:r>
-              <a:rPr lang="en-GB" sz="1200" b="0" i="0" kern="1200" dirty="0" smtClean="0">
-                <a:solidFill>
-                  <a:schemeClr val="tx1"/>
-                </a:solidFill>
-                <a:effectLst/>
-                <a:latin typeface="+mn-lt"/>
-                <a:ea typeface="+mn-ea"/>
-                <a:cs typeface="+mn-cs"/>
-              </a:rPr>
-              <a:t>. Hopper's belief that programs should be written in a language that was close to English (rather than in </a:t>
-            </a:r>
-            <a:r>
-              <a:rPr lang="en-GB" sz="1200" b="0" i="0" u="none" strike="noStrike" kern="1200" dirty="0" smtClean="0">
-                <a:solidFill>
-                  <a:schemeClr val="tx1"/>
-                </a:solidFill>
-                <a:effectLst/>
-                <a:latin typeface="+mn-lt"/>
-                <a:ea typeface="+mn-ea"/>
-                <a:cs typeface="+mn-cs"/>
-                <a:hlinkClick r:id="rId50" tooltip="Machine code"/>
-              </a:rPr>
-              <a:t>machine code</a:t>
-            </a:r>
-            <a:r>
-              <a:rPr lang="en-GB" sz="1200" b="0" i="0" kern="1200" dirty="0" smtClean="0">
-                <a:solidFill>
-                  <a:schemeClr val="tx1"/>
-                </a:solidFill>
-                <a:effectLst/>
-                <a:latin typeface="+mn-lt"/>
-                <a:ea typeface="+mn-ea"/>
-                <a:cs typeface="+mn-cs"/>
-              </a:rPr>
-              <a:t> or in languages close to machine code, such as </a:t>
-            </a:r>
-            <a:r>
-              <a:rPr lang="en-GB" sz="1200" b="0" i="0" u="none" strike="noStrike" kern="1200" dirty="0" smtClean="0">
-                <a:solidFill>
-                  <a:schemeClr val="tx1"/>
-                </a:solidFill>
-                <a:effectLst/>
-                <a:latin typeface="+mn-lt"/>
-                <a:ea typeface="+mn-ea"/>
-                <a:cs typeface="+mn-cs"/>
-                <a:hlinkClick r:id="rId51" tooltip="Assembly language"/>
-              </a:rPr>
-              <a:t>assembly languages</a:t>
-            </a:r>
-            <a:r>
-              <a:rPr lang="en-GB" sz="1200" b="0" i="0" kern="1200" dirty="0" smtClean="0">
-                <a:solidFill>
-                  <a:schemeClr val="tx1"/>
-                </a:solidFill>
-                <a:effectLst/>
-                <a:latin typeface="+mn-lt"/>
-                <a:ea typeface="+mn-ea"/>
-                <a:cs typeface="+mn-cs"/>
-              </a:rPr>
-              <a:t>) was captured in the new business language, and COBOL went on to be the most ubiquitous business language to date.</a:t>
-            </a:r>
-            <a:r>
-              <a:rPr lang="en-GB" sz="1200" b="0" i="0" u="none" strike="noStrike" kern="1200" baseline="30000" dirty="0" smtClean="0">
-                <a:solidFill>
-                  <a:schemeClr val="tx1"/>
-                </a:solidFill>
-                <a:effectLst/>
-                <a:latin typeface="+mn-lt"/>
-                <a:ea typeface="+mn-ea"/>
-                <a:cs typeface="+mn-cs"/>
-                <a:hlinkClick r:id="rId52"/>
-              </a:rPr>
-              <a:t>[22]</a:t>
-            </a:r>
-            <a:endParaRPr lang="en-GB" sz="1200" b="0" i="0" kern="1200" dirty="0" smtClean="0">
-              <a:solidFill>
-                <a:schemeClr val="tx1"/>
-              </a:solidFill>
-              <a:effectLst/>
-              <a:latin typeface="+mn-lt"/>
-              <a:ea typeface="+mn-ea"/>
-              <a:cs typeface="+mn-cs"/>
-            </a:endParaRPr>
-          </a:p>
-          <a:p>
-            <a:r>
-              <a:rPr lang="en-GB" sz="1200" b="0" i="0" kern="1200" dirty="0" smtClean="0">
-                <a:solidFill>
-                  <a:schemeClr val="tx1"/>
-                </a:solidFill>
-                <a:effectLst/>
-                <a:latin typeface="+mn-lt"/>
-                <a:ea typeface="+mn-ea"/>
-                <a:cs typeface="+mn-cs"/>
-              </a:rPr>
-              <a:t>From 1967 to 1977, Hopper served as the director of the Navy Programming Languages Group in the Navy's Office of Information Systems Planning and was promoted to the rank of Captain in 1973.</a:t>
-            </a:r>
-            <a:r>
-              <a:rPr lang="en-GB" sz="1200" b="0" i="0" u="none" strike="noStrike" kern="1200" baseline="30000" dirty="0" smtClean="0">
-                <a:solidFill>
-                  <a:schemeClr val="tx1"/>
-                </a:solidFill>
-                <a:effectLst/>
-                <a:latin typeface="+mn-lt"/>
-                <a:ea typeface="+mn-ea"/>
-                <a:cs typeface="+mn-cs"/>
-                <a:hlinkClick r:id="rId53"/>
-              </a:rPr>
-              <a:t>[19]</a:t>
-            </a:r>
-            <a:r>
-              <a:rPr lang="en-GB" sz="1200" b="0" i="0" kern="1200" dirty="0" smtClean="0">
-                <a:solidFill>
-                  <a:schemeClr val="tx1"/>
-                </a:solidFill>
-                <a:effectLst/>
-                <a:latin typeface="+mn-lt"/>
-                <a:ea typeface="+mn-ea"/>
-                <a:cs typeface="+mn-cs"/>
-              </a:rPr>
-              <a:t> She developed validation software for COBOL and its compiler as part of a COBOL standardization program for the entire Navy.</a:t>
-            </a:r>
-            <a:r>
-              <a:rPr lang="en-GB" sz="1200" b="0" i="0" u="none" strike="noStrike" kern="1200" baseline="30000" dirty="0" smtClean="0">
-                <a:solidFill>
-                  <a:schemeClr val="tx1"/>
-                </a:solidFill>
-                <a:effectLst/>
-                <a:latin typeface="+mn-lt"/>
-                <a:ea typeface="+mn-ea"/>
-                <a:cs typeface="+mn-cs"/>
-                <a:hlinkClick r:id="rId53"/>
-              </a:rPr>
-              <a:t>[19]</a:t>
-            </a:r>
-            <a:endParaRPr lang="en-GB" sz="1200" b="0" i="0" kern="1200" dirty="0" smtClean="0">
-              <a:solidFill>
-                <a:schemeClr val="tx1"/>
-              </a:solidFill>
-              <a:effectLst/>
-              <a:latin typeface="+mn-lt"/>
-              <a:ea typeface="+mn-ea"/>
-              <a:cs typeface="+mn-cs"/>
-            </a:endParaRPr>
+              <a:rPr lang="en-GB" b="1" dirty="0"/>
+              <a:t>Martha Lane Fox – 2000s onwards – Not all tech roles – built</a:t>
+            </a:r>
+            <a:r>
+              <a:rPr lang="en-GB" b="1" baseline="0" dirty="0"/>
+              <a:t> one of the few .</a:t>
+            </a:r>
+            <a:r>
+              <a:rPr lang="en-GB" b="1" baseline="0" dirty="0" err="1"/>
+              <a:t>DOTCom</a:t>
+            </a:r>
+            <a:r>
+              <a:rPr lang="en-GB" b="1" baseline="0" dirty="0"/>
+              <a:t> </a:t>
+            </a:r>
+            <a:r>
+              <a:rPr lang="en-GB" b="1" baseline="0"/>
+              <a:t>boom successes</a:t>
+            </a:r>
+            <a:endParaRPr lang="en-GB" b="1" dirty="0"/>
           </a:p>
           <a:p>
             <a:pPr marL="0" marR="0" indent="0" algn="l" defTabSz="914400" rtl="0" eaLnBrk="1" fontAlgn="auto" latinLnBrk="0" hangingPunct="1">
@@ -2688,7 +1000,19 @@
               <a:tabLst/>
               <a:defRPr/>
             </a:pPr>
-            <a:endParaRPr lang="en-GB" b="1" dirty="0" smtClean="0"/>
+            <a:r>
+              <a:rPr lang="en-GB" b="1" dirty="0"/>
+              <a:t>-</a:t>
+            </a:r>
+            <a:r>
+              <a:rPr lang="en-GB" b="0" dirty="0"/>
+              <a:t> Founder</a:t>
+            </a:r>
+            <a:r>
+              <a:rPr lang="en-GB" b="0" baseline="0" dirty="0"/>
+              <a:t> of LastMinute.com </a:t>
+            </a:r>
+            <a:endParaRPr lang="en-GB" b="0" dirty="0"/>
           </a:p>
           <a:p>
             <a:pPr marL="0" marR="0" indent="0" algn="l" defTabSz="914400" rtl="0" eaLnBrk="1" fontAlgn="auto" latinLnBrk="0" hangingPunct="1">
@@ -2708,63 +1032,374 @@
               <a:tabLst/>
               <a:defRPr/>
             </a:pPr>
-            <a:r>
-              <a:rPr lang="en-GB" b="1" dirty="0" smtClean="0"/>
-              <a:t>Dame Stephanie Shirley</a:t>
-            </a:r>
-          </a:p>
-          <a:p>
-            <a:r>
-              <a:rPr lang="en-GB" sz="1200" b="0" i="0" kern="1200" dirty="0" smtClean="0">
-                <a:solidFill>
-                  <a:schemeClr val="tx1"/>
-                </a:solidFill>
-                <a:effectLst/>
-                <a:latin typeface="+mn-lt"/>
-                <a:ea typeface="+mn-ea"/>
-                <a:cs typeface="+mn-cs"/>
-              </a:rPr>
-              <a:t>After leaving school Vera decided not to go to university to study biology (the "only science then available to my gender") but instead to seek employment in a mathematics/technical environment.</a:t>
-            </a:r>
-            <a:r>
-              <a:rPr lang="en-GB" sz="1200" b="0" i="0" u="none" strike="noStrike" kern="1200" baseline="30000" dirty="0" smtClean="0">
-                <a:solidFill>
-                  <a:schemeClr val="tx1"/>
-                </a:solidFill>
-                <a:effectLst/>
-                <a:latin typeface="+mn-lt"/>
-                <a:ea typeface="+mn-ea"/>
-                <a:cs typeface="+mn-cs"/>
-                <a:hlinkClick r:id="rId54"/>
-              </a:rPr>
-              <a:t>[6]</a:t>
-            </a:r>
-            <a:r>
-              <a:rPr lang="en-GB" sz="1200" b="0" i="0" kern="1200" dirty="0" smtClean="0">
-                <a:solidFill>
-                  <a:schemeClr val="tx1"/>
-                </a:solidFill>
-                <a:effectLst/>
-                <a:latin typeface="+mn-lt"/>
-                <a:ea typeface="+mn-ea"/>
-                <a:cs typeface="+mn-cs"/>
-              </a:rPr>
-              <a:t> At the age of 18, she became a British citizen and changed her name to Stephanie Brook.</a:t>
-            </a:r>
-            <a:r>
-              <a:rPr lang="en-GB" sz="1200" b="0" i="0" u="none" strike="noStrike" kern="1200" baseline="30000" dirty="0" smtClean="0">
-                <a:solidFill>
-                  <a:schemeClr val="tx1"/>
-                </a:solidFill>
-                <a:effectLst/>
-                <a:latin typeface="+mn-lt"/>
-                <a:ea typeface="+mn-ea"/>
-                <a:cs typeface="+mn-cs"/>
-                <a:hlinkClick r:id="rId54"/>
-              </a:rPr>
-              <a:t>[6]</a:t>
-            </a:r>
-            <a:endParaRPr lang="en-GB" sz="1200" b="0" i="0" kern="1200" dirty="0" smtClean="0">
+            <a:endParaRPr lang="en-GB" b="1" dirty="0"/>
+          </a:p>
+          <a:p>
+            <a:pPr marL="0" marR="0" indent="0" algn="l" defTabSz="914400" rtl="0" eaLnBrk="1" fontAlgn="auto" latinLnBrk="0" hangingPunct="1">
+              <a:lnSpc>
+                <a:spcPct val="100000"/>
+              </a:lnSpc>
+              <a:spcBef>
+                <a:spcPts val="0"/>
+              </a:spcBef>
+              <a:spcAft>
+                <a:spcPts val="0"/>
+              </a:spcAft>
+              <a:buClrTx/>
+              <a:buSzTx/>
+              <a:buFontTx/>
+              <a:buNone/>
+              <a:tabLst/>
+              <a:defRPr/>
+            </a:pPr>
+            <a:endParaRPr lang="en-GB" b="1" dirty="0"/>
+          </a:p>
+          <a:p>
+            <a:pPr marL="0" marR="0" indent="0" algn="l" defTabSz="914400" rtl="0" eaLnBrk="1" fontAlgn="auto" latinLnBrk="0" hangingPunct="1">
+              <a:lnSpc>
+                <a:spcPct val="100000"/>
+              </a:lnSpc>
+              <a:spcBef>
+                <a:spcPts val="0"/>
+              </a:spcBef>
+              <a:spcAft>
+                <a:spcPts val="0"/>
+              </a:spcAft>
+              <a:buClrTx/>
+              <a:buSzTx/>
+              <a:buFontTx/>
+              <a:buNone/>
+              <a:tabLst/>
+              <a:defRPr/>
+            </a:pPr>
+            <a:r>
+              <a:rPr lang="en-GB" b="1" dirty="0"/>
+              <a:t>More details…..</a:t>
+            </a:r>
+          </a:p>
+          <a:p>
+            <a:pPr marL="0" marR="0" indent="0" algn="l" defTabSz="914400" rtl="0" eaLnBrk="1" fontAlgn="auto" latinLnBrk="0" hangingPunct="1">
+              <a:lnSpc>
+                <a:spcPct val="100000"/>
+              </a:lnSpc>
+              <a:spcBef>
+                <a:spcPts val="0"/>
+              </a:spcBef>
+              <a:spcAft>
+                <a:spcPts val="0"/>
+              </a:spcAft>
+              <a:buClrTx/>
+              <a:buSzTx/>
+              <a:buFontTx/>
+              <a:buNone/>
+              <a:tabLst/>
+              <a:defRPr/>
+            </a:pPr>
+            <a:r>
+              <a:rPr lang="en-GB" b="1" dirty="0"/>
+              <a:t>Ada Lovelace</a:t>
+            </a:r>
+          </a:p>
+          <a:p>
+            <a:r>
+              <a:rPr lang="en-GB" sz="1200" b="0" i="0" kern="1200" dirty="0">
+                <a:solidFill>
+                  <a:schemeClr val="tx1"/>
+                </a:solidFill>
+                <a:effectLst/>
+                <a:latin typeface="+mn-lt"/>
+                <a:ea typeface="+mn-ea"/>
+                <a:cs typeface="+mn-cs"/>
+              </a:rPr>
+              <a:t>Throughout her life, Lovelace was strongly interested in scientific developments and fads of the day, including </a:t>
+            </a:r>
+            <a:r>
+              <a:rPr lang="en-GB" sz="1200" b="0" i="0" u="none" strike="noStrike" kern="1200" dirty="0">
+                <a:solidFill>
+                  <a:schemeClr val="tx1"/>
+                </a:solidFill>
+                <a:effectLst/>
+                <a:latin typeface="+mn-lt"/>
+                <a:ea typeface="+mn-ea"/>
+                <a:cs typeface="+mn-cs"/>
+                <a:hlinkClick r:id="rId3" tooltip="Phrenology"/>
+              </a:rPr>
+              <a:t>phrenology</a:t>
+            </a:r>
+            <a:r>
+              <a:rPr lang="en-GB" sz="1200" b="0" i="0" u="none" strike="noStrike" kern="1200" baseline="30000" dirty="0">
+                <a:solidFill>
+                  <a:schemeClr val="tx1"/>
+                </a:solidFill>
+                <a:effectLst/>
+                <a:latin typeface="+mn-lt"/>
+                <a:ea typeface="+mn-ea"/>
+                <a:cs typeface="+mn-cs"/>
+                <a:hlinkClick r:id="rId4"/>
+              </a:rPr>
+              <a:t>[45]</a:t>
+            </a:r>
+            <a:r>
+              <a:rPr lang="en-GB" sz="1200" b="0" i="0" kern="1200" dirty="0">
+                <a:solidFill>
+                  <a:schemeClr val="tx1"/>
+                </a:solidFill>
+                <a:effectLst/>
+                <a:latin typeface="+mn-lt"/>
+                <a:ea typeface="+mn-ea"/>
+                <a:cs typeface="+mn-cs"/>
+              </a:rPr>
+              <a:t> and </a:t>
+            </a:r>
+            <a:r>
+              <a:rPr lang="en-GB" sz="1200" b="0" i="0" u="none" strike="noStrike" kern="1200" dirty="0">
+                <a:solidFill>
+                  <a:schemeClr val="tx1"/>
+                </a:solidFill>
+                <a:effectLst/>
+                <a:latin typeface="+mn-lt"/>
+                <a:ea typeface="+mn-ea"/>
+                <a:cs typeface="+mn-cs"/>
+                <a:hlinkClick r:id="rId5" tooltip="Mesmerism"/>
+              </a:rPr>
+              <a:t>mesmerism</a:t>
+            </a:r>
+            <a:r>
+              <a:rPr lang="en-GB" sz="1200" b="0" i="0" kern="1200" dirty="0">
+                <a:solidFill>
+                  <a:schemeClr val="tx1"/>
+                </a:solidFill>
+                <a:effectLst/>
+                <a:latin typeface="+mn-lt"/>
+                <a:ea typeface="+mn-ea"/>
+                <a:cs typeface="+mn-cs"/>
+              </a:rPr>
+              <a:t>.</a:t>
+            </a:r>
+            <a:r>
+              <a:rPr lang="en-GB" sz="1200" b="0" i="0" u="none" strike="noStrike" kern="1200" baseline="30000" dirty="0">
+                <a:solidFill>
+                  <a:schemeClr val="tx1"/>
+                </a:solidFill>
+                <a:effectLst/>
+                <a:latin typeface="+mn-lt"/>
+                <a:ea typeface="+mn-ea"/>
+                <a:cs typeface="+mn-cs"/>
+                <a:hlinkClick r:id="rId6"/>
+              </a:rPr>
+              <a:t>[46]</a:t>
+            </a:r>
+            <a:r>
+              <a:rPr lang="en-GB" sz="1200" b="0" i="0" kern="1200" dirty="0">
+                <a:solidFill>
+                  <a:schemeClr val="tx1"/>
+                </a:solidFill>
+                <a:effectLst/>
+                <a:latin typeface="+mn-lt"/>
+                <a:ea typeface="+mn-ea"/>
+                <a:cs typeface="+mn-cs"/>
+              </a:rPr>
+              <a:t> After her work with Babbage, Lovelace continued to work on other projects. In 1844 she commented to a friend </a:t>
+            </a:r>
+            <a:r>
+              <a:rPr lang="en-GB" sz="1200" b="0" i="0" kern="1200" dirty="0" err="1">
+                <a:solidFill>
+                  <a:schemeClr val="tx1"/>
+                </a:solidFill>
+                <a:effectLst/>
+                <a:latin typeface="+mn-lt"/>
+                <a:ea typeface="+mn-ea"/>
+                <a:cs typeface="+mn-cs"/>
+              </a:rPr>
+              <a:t>Woronzow</a:t>
+            </a:r>
+            <a:r>
+              <a:rPr lang="en-GB" sz="1200" b="0" i="0" kern="1200" dirty="0">
+                <a:solidFill>
+                  <a:schemeClr val="tx1"/>
+                </a:solidFill>
+                <a:effectLst/>
+                <a:latin typeface="+mn-lt"/>
+                <a:ea typeface="+mn-ea"/>
+                <a:cs typeface="+mn-cs"/>
+              </a:rPr>
+              <a:t> </a:t>
+            </a:r>
+            <a:r>
+              <a:rPr lang="en-GB" sz="1200" b="0" i="0" kern="1200" dirty="0" err="1">
+                <a:solidFill>
+                  <a:schemeClr val="tx1"/>
+                </a:solidFill>
+                <a:effectLst/>
+                <a:latin typeface="+mn-lt"/>
+                <a:ea typeface="+mn-ea"/>
+                <a:cs typeface="+mn-cs"/>
+              </a:rPr>
+              <a:t>Greig</a:t>
+            </a:r>
+            <a:r>
+              <a:rPr lang="en-GB" sz="1200" b="0" i="0" kern="1200" dirty="0">
+                <a:solidFill>
+                  <a:schemeClr val="tx1"/>
+                </a:solidFill>
+                <a:effectLst/>
+                <a:latin typeface="+mn-lt"/>
+                <a:ea typeface="+mn-ea"/>
+                <a:cs typeface="+mn-cs"/>
+              </a:rPr>
+              <a:t> about her desire to create a mathematical model for how the brain gives rise to thoughts and nerves to feelings ("a calculus of the nervous system").</a:t>
+            </a:r>
+            <a:r>
+              <a:rPr lang="en-GB" sz="1200" b="0" i="0" u="none" strike="noStrike" kern="1200" baseline="30000" dirty="0">
+                <a:solidFill>
+                  <a:schemeClr val="tx1"/>
+                </a:solidFill>
+                <a:effectLst/>
+                <a:latin typeface="+mn-lt"/>
+                <a:ea typeface="+mn-ea"/>
+                <a:cs typeface="+mn-cs"/>
+                <a:hlinkClick r:id="rId7"/>
+              </a:rPr>
+              <a:t>[47]</a:t>
+            </a:r>
+            <a:r>
+              <a:rPr lang="en-GB" sz="1200" b="0" i="0" kern="1200" dirty="0">
+                <a:solidFill>
+                  <a:schemeClr val="tx1"/>
+                </a:solidFill>
+                <a:effectLst/>
+                <a:latin typeface="+mn-lt"/>
+                <a:ea typeface="+mn-ea"/>
+                <a:cs typeface="+mn-cs"/>
+              </a:rPr>
+              <a:t> She never achieved this, however. In part, her interest in the brain came from a long-running pre-occupation, inherited from her mother, about her 'potential' madness. As part of her research into this project, she visited the electrical engineer Andrew Crosse in 1844 to learn how to carry out electrical experiments.</a:t>
+            </a:r>
+            <a:r>
+              <a:rPr lang="en-GB" sz="1200" b="0" i="0" u="none" strike="noStrike" kern="1200" baseline="30000" dirty="0">
+                <a:solidFill>
+                  <a:schemeClr val="tx1"/>
+                </a:solidFill>
+                <a:effectLst/>
+                <a:latin typeface="+mn-lt"/>
+                <a:ea typeface="+mn-ea"/>
+                <a:cs typeface="+mn-cs"/>
+                <a:hlinkClick r:id="rId8"/>
+              </a:rPr>
+              <a:t>[48]</a:t>
+            </a:r>
+            <a:r>
+              <a:rPr lang="en-GB" sz="1200" b="0" i="0" kern="1200" dirty="0">
+                <a:solidFill>
+                  <a:schemeClr val="tx1"/>
+                </a:solidFill>
+                <a:effectLst/>
+                <a:latin typeface="+mn-lt"/>
+                <a:ea typeface="+mn-ea"/>
+                <a:cs typeface="+mn-cs"/>
+              </a:rPr>
+              <a:t> In the same year, she wrote a review of a paper by Baron </a:t>
+            </a:r>
+            <a:r>
+              <a:rPr lang="en-GB" sz="1200" b="0" i="0" u="none" strike="noStrike" kern="1200" dirty="0">
+                <a:solidFill>
+                  <a:schemeClr val="tx1"/>
+                </a:solidFill>
+                <a:effectLst/>
+                <a:latin typeface="+mn-lt"/>
+                <a:ea typeface="+mn-ea"/>
+                <a:cs typeface="+mn-cs"/>
+                <a:hlinkClick r:id="rId9" tooltip="Karl von Reichenbach"/>
+              </a:rPr>
+              <a:t>Karl von </a:t>
+            </a:r>
+            <a:r>
+              <a:rPr lang="en-GB" sz="1200" b="0" i="0" u="none" strike="noStrike" kern="1200" dirty="0" err="1">
+                <a:solidFill>
+                  <a:schemeClr val="tx1"/>
+                </a:solidFill>
+                <a:effectLst/>
+                <a:latin typeface="+mn-lt"/>
+                <a:ea typeface="+mn-ea"/>
+                <a:cs typeface="+mn-cs"/>
+                <a:hlinkClick r:id="rId9" tooltip="Karl von Reichenbach"/>
+              </a:rPr>
+              <a:t>Reichenbach</a:t>
+            </a:r>
+            <a:r>
+              <a:rPr lang="en-GB" sz="1200" b="0" i="0" kern="1200" dirty="0">
+                <a:solidFill>
+                  <a:schemeClr val="tx1"/>
+                </a:solidFill>
+                <a:effectLst/>
+                <a:latin typeface="+mn-lt"/>
+                <a:ea typeface="+mn-ea"/>
+                <a:cs typeface="+mn-cs"/>
+              </a:rPr>
+              <a:t>, </a:t>
+            </a:r>
+            <a:r>
+              <a:rPr lang="en-GB" sz="1200" b="0" i="1" kern="1200" dirty="0">
+                <a:solidFill>
+                  <a:schemeClr val="tx1"/>
+                </a:solidFill>
+                <a:effectLst/>
+                <a:latin typeface="+mn-lt"/>
+                <a:ea typeface="+mn-ea"/>
+                <a:cs typeface="+mn-cs"/>
+              </a:rPr>
+              <a:t>Researches on Magnetism</a:t>
+            </a:r>
+            <a:r>
+              <a:rPr lang="en-GB" sz="1200" b="0" i="0" kern="1200" dirty="0">
+                <a:solidFill>
+                  <a:schemeClr val="tx1"/>
+                </a:solidFill>
+                <a:effectLst/>
+                <a:latin typeface="+mn-lt"/>
+                <a:ea typeface="+mn-ea"/>
+                <a:cs typeface="+mn-cs"/>
+              </a:rPr>
+              <a:t>, but this was not published and does not appear to have progressed past the first draft.</a:t>
+            </a:r>
+            <a:r>
+              <a:rPr lang="en-GB" sz="1200" b="0" i="0" u="none" strike="noStrike" kern="1200" baseline="30000" dirty="0">
+                <a:solidFill>
+                  <a:schemeClr val="tx1"/>
+                </a:solidFill>
+                <a:effectLst/>
+                <a:latin typeface="+mn-lt"/>
+                <a:ea typeface="+mn-ea"/>
+                <a:cs typeface="+mn-cs"/>
+                <a:hlinkClick r:id="rId10"/>
+              </a:rPr>
+              <a:t>[49]</a:t>
+            </a:r>
+            <a:r>
+              <a:rPr lang="en-GB" sz="1200" b="0" i="0" kern="1200" dirty="0">
+                <a:solidFill>
+                  <a:schemeClr val="tx1"/>
+                </a:solidFill>
+                <a:effectLst/>
+                <a:latin typeface="+mn-lt"/>
+                <a:ea typeface="+mn-ea"/>
+                <a:cs typeface="+mn-cs"/>
+              </a:rPr>
+              <a:t> In 1851, the year before her cancer struck, she wrote to her mother mentioning "certain productions" she was working on regarding the relation of maths and music.</a:t>
+            </a:r>
+            <a:r>
+              <a:rPr lang="en-GB" sz="1200" b="0" i="0" u="none" strike="noStrike" kern="1200" baseline="30000" dirty="0">
+                <a:solidFill>
+                  <a:schemeClr val="tx1"/>
+                </a:solidFill>
+                <a:effectLst/>
+                <a:latin typeface="+mn-lt"/>
+                <a:ea typeface="+mn-ea"/>
+                <a:cs typeface="+mn-cs"/>
+                <a:hlinkClick r:id="rId11"/>
+              </a:rPr>
+              <a:t>[50]</a:t>
+            </a:r>
+            <a:endParaRPr lang="en-GB" sz="1200" b="0" i="0" kern="1200" dirty="0">
               <a:solidFill>
                 <a:schemeClr val="tx1"/>
               </a:solidFill>
@@ -2776,57 +1411,32 @@
           </a:p>
           <a:p>
             <a:r>
-              <a:rPr lang="en-GB" sz="1200" b="0" i="0" kern="1200" dirty="0" smtClean="0">
-                <a:solidFill>
-                  <a:schemeClr val="tx1"/>
-                </a:solidFill>
-                <a:effectLst/>
-                <a:latin typeface="+mn-lt"/>
-                <a:ea typeface="+mn-ea"/>
-                <a:cs typeface="+mn-cs"/>
-              </a:rPr>
-              <a:t>In the 1950s, Shirley worked at the </a:t>
-            </a:r>
-            <a:r>
-              <a:rPr lang="en-GB" sz="1200" b="0" i="0" u="none" strike="noStrike" kern="1200" dirty="0" smtClean="0">
-                <a:solidFill>
-                  <a:schemeClr val="tx1"/>
-                </a:solidFill>
-                <a:effectLst/>
-                <a:latin typeface="+mn-lt"/>
-                <a:ea typeface="+mn-ea"/>
-                <a:cs typeface="+mn-cs"/>
-                <a:hlinkClick r:id="rId55" tooltip="Post Office Research Station"/>
-              </a:rPr>
-              <a:t>Post Office Research Station</a:t>
-            </a:r>
-            <a:r>
-              <a:rPr lang="en-GB" sz="1200" b="0" i="0" kern="1200" dirty="0" smtClean="0">
-                <a:solidFill>
-                  <a:schemeClr val="tx1"/>
-                </a:solidFill>
-                <a:effectLst/>
-                <a:latin typeface="+mn-lt"/>
-                <a:ea typeface="+mn-ea"/>
-                <a:cs typeface="+mn-cs"/>
-              </a:rPr>
-              <a:t> at Dollis Hill, building computers from scratch and writing code in </a:t>
-            </a:r>
-            <a:r>
-              <a:rPr lang="en-GB" sz="1200" b="0" i="0" u="none" strike="noStrike" kern="1200" dirty="0" smtClean="0">
-                <a:solidFill>
-                  <a:schemeClr val="tx1"/>
-                </a:solidFill>
-                <a:effectLst/>
-                <a:latin typeface="+mn-lt"/>
-                <a:ea typeface="+mn-ea"/>
-                <a:cs typeface="+mn-cs"/>
-                <a:hlinkClick r:id="rId56" tooltip="Machine language"/>
-              </a:rPr>
-              <a:t>machine language</a:t>
-            </a:r>
-            <a:r>
-              <a:rPr lang="en-GB" sz="1200" b="0" i="0" kern="1200" dirty="0" smtClean="0">
+              <a:rPr lang="en-GB" sz="1200" b="0" i="0" kern="1200" dirty="0">
+                <a:solidFill>
+                  <a:schemeClr val="tx1"/>
+                </a:solidFill>
+                <a:effectLst/>
+                <a:latin typeface="+mn-lt"/>
+                <a:ea typeface="+mn-ea"/>
+                <a:cs typeface="+mn-cs"/>
+              </a:rPr>
+              <a:t>Lovelace first met Babbage in June 1833, through their mutual friend Mary Somerville. Later that month Babbage invited Lovelace to see the prototype for his </a:t>
+            </a:r>
+            <a:r>
+              <a:rPr lang="en-GB" sz="1200" b="0" i="0" u="none" strike="noStrike" kern="1200" dirty="0">
+                <a:solidFill>
+                  <a:schemeClr val="tx1"/>
+                </a:solidFill>
+                <a:effectLst/>
+                <a:latin typeface="+mn-lt"/>
+                <a:ea typeface="+mn-ea"/>
+                <a:cs typeface="+mn-cs"/>
+                <a:hlinkClick r:id="rId12" tooltip="Difference Engine"/>
+              </a:rPr>
+              <a:t>Difference Engine</a:t>
+            </a:r>
+            <a:r>
+              <a:rPr lang="en-GB" sz="1200" b="0" i="0" kern="1200" dirty="0">
                 <a:solidFill>
                   <a:schemeClr val="tx1"/>
                 </a:solidFill>
@@ -2838,380 +1448,281 @@
               <a:t>.</a:t>
             </a:r>
             <a:r>
-              <a:rPr lang="en-GB" sz="1200" b="0" i="0" u="none" strike="noStrike" kern="1200" baseline="30000" dirty="0" smtClean="0">
-                <a:solidFill>
-                  <a:schemeClr val="tx1"/>
-                </a:solidFill>
-                <a:effectLst/>
-                <a:latin typeface="+mn-lt"/>
-                <a:ea typeface="+mn-ea"/>
-                <a:cs typeface="+mn-cs"/>
-                <a:hlinkClick r:id="rId57"/>
-              </a:rPr>
-              <a:t>[7]</a:t>
-            </a:r>
-            <a:r>
-              <a:rPr lang="en-GB" sz="1200" b="0" i="0" kern="1200" dirty="0" smtClean="0">
-                <a:solidFill>
-                  <a:schemeClr val="tx1"/>
-                </a:solidFill>
-                <a:effectLst/>
-                <a:latin typeface="+mn-lt"/>
-                <a:ea typeface="+mn-ea"/>
-                <a:cs typeface="+mn-cs"/>
-              </a:rPr>
-              <a:t> She took evening classes for six years to obtain a degree in mathematics. In 1959, she moved to CDL Ltd, manufacturers of the </a:t>
-            </a:r>
-            <a:r>
-              <a:rPr lang="en-GB" sz="1200" b="0" i="0" u="none" strike="noStrike" kern="1200" dirty="0" smtClean="0">
-                <a:solidFill>
-                  <a:schemeClr val="tx1"/>
-                </a:solidFill>
-                <a:effectLst/>
-                <a:latin typeface="+mn-lt"/>
-                <a:ea typeface="+mn-ea"/>
-                <a:cs typeface="+mn-cs"/>
-                <a:hlinkClick r:id="rId58" tooltip="ICT 1301"/>
-              </a:rPr>
-              <a:t>ICT 1301</a:t>
-            </a:r>
-            <a:r>
-              <a:rPr lang="en-GB" sz="1200" b="0" i="0" kern="1200" dirty="0" smtClean="0">
-                <a:solidFill>
-                  <a:schemeClr val="tx1"/>
-                </a:solidFill>
-                <a:effectLst/>
-                <a:latin typeface="+mn-lt"/>
-                <a:ea typeface="+mn-ea"/>
-                <a:cs typeface="+mn-cs"/>
-              </a:rPr>
-              <a:t> computer.</a:t>
-            </a:r>
-          </a:p>
-          <a:p>
-            <a:r>
-              <a:rPr lang="en-GB" sz="1200" b="0" i="0" kern="1200" dirty="0" smtClean="0">
-                <a:solidFill>
-                  <a:schemeClr val="tx1"/>
-                </a:solidFill>
-                <a:effectLst/>
-                <a:latin typeface="+mn-lt"/>
-                <a:ea typeface="+mn-ea"/>
-                <a:cs typeface="+mn-cs"/>
-              </a:rPr>
-              <a:t>In 1962, Shirley founded, with a capital of £6, the software company </a:t>
-            </a:r>
-            <a:r>
-              <a:rPr lang="en-GB" sz="1200" b="0" i="0" u="none" strike="noStrike" kern="1200" dirty="0" smtClean="0">
-                <a:solidFill>
-                  <a:schemeClr val="tx1"/>
-                </a:solidFill>
-                <a:effectLst/>
-                <a:latin typeface="+mn-lt"/>
-                <a:ea typeface="+mn-ea"/>
-                <a:cs typeface="+mn-cs"/>
-                <a:hlinkClick r:id="rId59" tooltip="Xansa"/>
-              </a:rPr>
-              <a:t>Freelance Programmers</a:t>
-            </a:r>
-            <a:r>
-              <a:rPr lang="en-GB" sz="1200" b="0" i="0" kern="1200" dirty="0" smtClean="0">
-                <a:solidFill>
-                  <a:schemeClr val="tx1"/>
-                </a:solidFill>
-                <a:effectLst/>
-                <a:latin typeface="+mn-lt"/>
-                <a:ea typeface="+mn-ea"/>
-                <a:cs typeface="+mn-cs"/>
-              </a:rPr>
-              <a:t>,</a:t>
-            </a:r>
-            <a:r>
-              <a:rPr lang="en-GB" sz="1200" b="0" i="0" u="none" strike="noStrike" kern="1200" baseline="30000" dirty="0" smtClean="0">
-                <a:solidFill>
-                  <a:schemeClr val="tx1"/>
-                </a:solidFill>
-                <a:effectLst/>
-                <a:latin typeface="+mn-lt"/>
-                <a:ea typeface="+mn-ea"/>
-                <a:cs typeface="+mn-cs"/>
-                <a:hlinkClick r:id="rId60"/>
-              </a:rPr>
-              <a:t>[3]</a:t>
-            </a:r>
-            <a:r>
-              <a:rPr lang="en-GB" sz="1200" b="0" i="0" kern="1200" dirty="0" smtClean="0">
-                <a:solidFill>
-                  <a:schemeClr val="tx1"/>
-                </a:solidFill>
-                <a:effectLst/>
-                <a:latin typeface="+mn-lt"/>
-                <a:ea typeface="+mn-ea"/>
-                <a:cs typeface="+mn-cs"/>
-              </a:rPr>
-              <a:t> (later </a:t>
-            </a:r>
-            <a:r>
-              <a:rPr lang="en-GB" sz="1200" b="0" i="0" u="none" strike="noStrike" kern="1200" dirty="0" smtClean="0">
-                <a:solidFill>
-                  <a:schemeClr val="tx1"/>
-                </a:solidFill>
-                <a:effectLst/>
-                <a:latin typeface="+mn-lt"/>
-                <a:ea typeface="+mn-ea"/>
-                <a:cs typeface="+mn-cs"/>
-                <a:hlinkClick r:id="rId59" tooltip="Xansa"/>
-              </a:rPr>
-              <a:t>Xansa</a:t>
-            </a:r>
-            <a:r>
-              <a:rPr lang="en-GB" sz="1200" b="0" i="0" kern="1200" dirty="0" smtClean="0">
-                <a:solidFill>
-                  <a:schemeClr val="tx1"/>
-                </a:solidFill>
-                <a:effectLst/>
-                <a:latin typeface="+mn-lt"/>
-                <a:ea typeface="+mn-ea"/>
-                <a:cs typeface="+mn-cs"/>
-              </a:rPr>
-              <a:t> since acquired by </a:t>
-            </a:r>
-            <a:r>
-              <a:rPr lang="en-GB" sz="1200" b="0" i="0" u="none" strike="noStrike" kern="1200" dirty="0" err="1" smtClean="0">
-                <a:solidFill>
-                  <a:schemeClr val="tx1"/>
-                </a:solidFill>
-                <a:effectLst/>
-                <a:latin typeface="+mn-lt"/>
-                <a:ea typeface="+mn-ea"/>
-                <a:cs typeface="+mn-cs"/>
-                <a:hlinkClick r:id="rId61" tooltip="Steria"/>
-              </a:rPr>
-              <a:t>Steria</a:t>
-            </a:r>
-            <a:r>
-              <a:rPr lang="en-GB" sz="1200" b="0" i="0" kern="1200" dirty="0" smtClean="0">
-                <a:solidFill>
-                  <a:schemeClr val="tx1"/>
-                </a:solidFill>
-                <a:effectLst/>
-                <a:latin typeface="+mn-lt"/>
-                <a:ea typeface="+mn-ea"/>
-                <a:cs typeface="+mn-cs"/>
-              </a:rPr>
-              <a:t> and now part of the </a:t>
-            </a:r>
-            <a:r>
-              <a:rPr lang="en-GB" sz="1200" b="0" i="0" kern="1200" dirty="0" err="1" smtClean="0">
-                <a:solidFill>
-                  <a:schemeClr val="tx1"/>
-                </a:solidFill>
-                <a:effectLst/>
-                <a:latin typeface="+mn-lt"/>
-                <a:ea typeface="+mn-ea"/>
-                <a:cs typeface="+mn-cs"/>
-              </a:rPr>
-              <a:t>Sopra</a:t>
-            </a:r>
-            <a:r>
-              <a:rPr lang="en-GB" sz="1200" b="0" i="0" kern="1200" dirty="0" smtClean="0">
-                <a:solidFill>
-                  <a:schemeClr val="tx1"/>
-                </a:solidFill>
-                <a:effectLst/>
-                <a:latin typeface="+mn-lt"/>
-                <a:ea typeface="+mn-ea"/>
-                <a:cs typeface="+mn-cs"/>
-              </a:rPr>
-              <a:t> </a:t>
-            </a:r>
-            <a:r>
-              <a:rPr lang="en-GB" sz="1200" b="0" i="0" kern="1200" dirty="0" err="1" smtClean="0">
-                <a:solidFill>
-                  <a:schemeClr val="tx1"/>
-                </a:solidFill>
-                <a:effectLst/>
-                <a:latin typeface="+mn-lt"/>
-                <a:ea typeface="+mn-ea"/>
-                <a:cs typeface="+mn-cs"/>
-              </a:rPr>
-              <a:t>Steria</a:t>
-            </a:r>
-            <a:r>
-              <a:rPr lang="en-GB" sz="1200" b="0" i="0" kern="1200" dirty="0" smtClean="0">
-                <a:solidFill>
-                  <a:schemeClr val="tx1"/>
-                </a:solidFill>
-                <a:effectLst/>
-                <a:latin typeface="+mn-lt"/>
-                <a:ea typeface="+mn-ea"/>
-                <a:cs typeface="+mn-cs"/>
-              </a:rPr>
-              <a:t> Group). She wanted to create job opportunities for women with dependents, and predominantly employed women, with only 3 male programmers of a total of over 300,</a:t>
-            </a:r>
-            <a:r>
-              <a:rPr lang="en-GB" sz="1200" b="0" i="0" u="none" strike="noStrike" kern="1200" baseline="30000" dirty="0" smtClean="0">
-                <a:solidFill>
-                  <a:schemeClr val="tx1"/>
-                </a:solidFill>
-                <a:effectLst/>
-                <a:latin typeface="+mn-lt"/>
-                <a:ea typeface="+mn-ea"/>
-                <a:cs typeface="+mn-cs"/>
-                <a:hlinkClick r:id="rId62"/>
-              </a:rPr>
-              <a:t>[8]</a:t>
-            </a:r>
-            <a:r>
-              <a:rPr lang="en-GB" sz="1200" b="0" i="0" kern="1200" dirty="0" smtClean="0">
-                <a:solidFill>
-                  <a:schemeClr val="tx1"/>
-                </a:solidFill>
-                <a:effectLst/>
-                <a:latin typeface="+mn-lt"/>
-                <a:ea typeface="+mn-ea"/>
-                <a:cs typeface="+mn-cs"/>
-              </a:rPr>
-              <a:t> until the </a:t>
-            </a:r>
-            <a:r>
-              <a:rPr lang="en-GB" sz="1200" b="0" i="0" u="none" strike="noStrike" kern="1200" dirty="0" smtClean="0">
-                <a:solidFill>
-                  <a:schemeClr val="tx1"/>
-                </a:solidFill>
-                <a:effectLst/>
-                <a:latin typeface="+mn-lt"/>
-                <a:ea typeface="+mn-ea"/>
-                <a:cs typeface="+mn-cs"/>
-                <a:hlinkClick r:id="rId63" tooltip="Sex Discrimination Act 1975"/>
-              </a:rPr>
-              <a:t>Sex Discrimination Act 1975</a:t>
-            </a:r>
-            <a:r>
-              <a:rPr lang="en-GB" sz="1200" b="0" i="0" kern="1200" dirty="0" smtClean="0">
-                <a:solidFill>
-                  <a:schemeClr val="tx1"/>
-                </a:solidFill>
-                <a:effectLst/>
-                <a:latin typeface="+mn-lt"/>
-                <a:ea typeface="+mn-ea"/>
-                <a:cs typeface="+mn-cs"/>
-              </a:rPr>
-              <a:t> made that practice illegal. She adopted the </a:t>
-            </a:r>
-            <a:r>
-              <a:rPr lang="en-GB" sz="1200" b="0" i="0" kern="1200" dirty="0" err="1" smtClean="0">
-                <a:solidFill>
-                  <a:schemeClr val="tx1"/>
-                </a:solidFill>
-                <a:effectLst/>
-                <a:latin typeface="+mn-lt"/>
-                <a:ea typeface="+mn-ea"/>
-                <a:cs typeface="+mn-cs"/>
-              </a:rPr>
-              <a:t>name,</a:t>
-            </a:r>
-            <a:r>
-              <a:rPr lang="en-GB" sz="1200" b="0" i="1" kern="1200" dirty="0" err="1" smtClean="0">
-                <a:solidFill>
-                  <a:schemeClr val="tx1"/>
-                </a:solidFill>
-                <a:effectLst/>
-                <a:latin typeface="+mn-lt"/>
-                <a:ea typeface="+mn-ea"/>
-                <a:cs typeface="+mn-cs"/>
-              </a:rPr>
-              <a:t>Steve</a:t>
-            </a:r>
-            <a:r>
-              <a:rPr lang="en-GB" sz="1200" b="0" i="0" kern="1200" dirty="0" smtClean="0">
-                <a:solidFill>
-                  <a:schemeClr val="tx1"/>
-                </a:solidFill>
-                <a:effectLst/>
-                <a:latin typeface="+mn-lt"/>
-                <a:ea typeface="+mn-ea"/>
-                <a:cs typeface="+mn-cs"/>
-              </a:rPr>
-              <a:t>, to help her in the male-dominated business world.</a:t>
-            </a:r>
-            <a:r>
-              <a:rPr lang="en-GB" sz="1200" b="0" i="0" u="none" strike="noStrike" kern="1200" baseline="30000" dirty="0" smtClean="0">
-                <a:solidFill>
-                  <a:schemeClr val="tx1"/>
-                </a:solidFill>
-                <a:effectLst/>
-                <a:latin typeface="+mn-lt"/>
-                <a:ea typeface="+mn-ea"/>
-                <a:cs typeface="+mn-cs"/>
-                <a:hlinkClick r:id="rId64"/>
-              </a:rPr>
-              <a:t>[9]</a:t>
-            </a:r>
-            <a:r>
-              <a:rPr lang="en-GB" sz="1200" b="0" i="0" kern="1200" dirty="0" smtClean="0">
-                <a:solidFill>
-                  <a:schemeClr val="tx1"/>
-                </a:solidFill>
-                <a:effectLst/>
-                <a:latin typeface="+mn-lt"/>
-                <a:ea typeface="+mn-ea"/>
-                <a:cs typeface="+mn-cs"/>
-              </a:rPr>
-              <a:t> Her team's projects included programming </a:t>
-            </a:r>
-            <a:r>
-              <a:rPr lang="en-GB" sz="1200" b="0" i="0" u="none" strike="noStrike" kern="1200" dirty="0" smtClean="0">
-                <a:solidFill>
-                  <a:schemeClr val="tx1"/>
-                </a:solidFill>
-                <a:effectLst/>
-                <a:latin typeface="+mn-lt"/>
-                <a:ea typeface="+mn-ea"/>
-                <a:cs typeface="+mn-cs"/>
-                <a:hlinkClick r:id="rId65" tooltip="Concorde"/>
-              </a:rPr>
-              <a:t>Concorde</a:t>
-            </a:r>
-            <a:r>
-              <a:rPr lang="en-GB" sz="1200" b="0" i="0" kern="1200" dirty="0" smtClean="0">
-                <a:solidFill>
-                  <a:schemeClr val="tx1"/>
-                </a:solidFill>
-                <a:effectLst/>
-                <a:latin typeface="+mn-lt"/>
-                <a:ea typeface="+mn-ea"/>
-                <a:cs typeface="+mn-cs"/>
-              </a:rPr>
-              <a:t>'s black box flight recorder.</a:t>
-            </a:r>
-            <a:r>
-              <a:rPr lang="en-GB" sz="1200" b="0" i="0" u="none" strike="noStrike" kern="1200" baseline="30000" dirty="0" smtClean="0">
-                <a:solidFill>
-                  <a:schemeClr val="tx1"/>
-                </a:solidFill>
-                <a:effectLst/>
-                <a:latin typeface="+mn-lt"/>
-                <a:ea typeface="+mn-ea"/>
-                <a:cs typeface="+mn-cs"/>
-                <a:hlinkClick r:id="rId66"/>
-              </a:rPr>
-              <a:t>[1]</a:t>
-            </a:r>
-            <a:r>
-              <a:rPr lang="en-GB" sz="1200" b="0" i="0" u="none" strike="noStrike" kern="1200" baseline="30000" dirty="0" smtClean="0">
-                <a:solidFill>
-                  <a:schemeClr val="tx1"/>
-                </a:solidFill>
-                <a:effectLst/>
-                <a:latin typeface="+mn-lt"/>
-                <a:ea typeface="+mn-ea"/>
-                <a:cs typeface="+mn-cs"/>
-                <a:hlinkClick r:id="rId67"/>
-              </a:rPr>
-              <a:t>[10]</a:t>
-            </a:r>
-            <a:endParaRPr lang="en-GB" sz="1200" b="0" i="0" kern="1200" dirty="0" smtClean="0">
+              <a:rPr lang="en-GB" sz="1200" b="0" i="0" u="none" strike="noStrike" kern="1200" baseline="30000" dirty="0">
+                <a:solidFill>
+                  <a:schemeClr val="tx1"/>
+                </a:solidFill>
+                <a:effectLst/>
+                <a:latin typeface="+mn-lt"/>
+                <a:ea typeface="+mn-ea"/>
+                <a:cs typeface="+mn-cs"/>
+                <a:hlinkClick r:id="rId13"/>
+              </a:rPr>
+              <a:t>[51]</a:t>
+            </a:r>
+            <a:r>
+              <a:rPr lang="en-GB" sz="1200" b="0" i="0" kern="1200" dirty="0">
+                <a:solidFill>
+                  <a:schemeClr val="tx1"/>
+                </a:solidFill>
+                <a:effectLst/>
+                <a:latin typeface="+mn-lt"/>
+                <a:ea typeface="+mn-ea"/>
+                <a:cs typeface="+mn-cs"/>
+              </a:rPr>
+              <a:t> She became fascinated with the machine and used her relationship with Somerville to visit Babbage as often as she could. Babbage was impressed by Lovelace's intellect and analytic skills. He called her </a:t>
+            </a:r>
+            <a:r>
+              <a:rPr lang="en-GB" sz="1200" b="0" i="1" kern="1200" dirty="0">
+                <a:solidFill>
+                  <a:schemeClr val="tx1"/>
+                </a:solidFill>
+                <a:effectLst/>
+                <a:latin typeface="+mn-lt"/>
+                <a:ea typeface="+mn-ea"/>
+                <a:cs typeface="+mn-cs"/>
+              </a:rPr>
+              <a:t>The Enchantress of Numbers</a:t>
+            </a:r>
+            <a:r>
+              <a:rPr lang="en-GB" sz="1200" b="0" i="0" kern="1200" dirty="0">
+                <a:solidFill>
+                  <a:schemeClr val="tx1"/>
+                </a:solidFill>
+                <a:effectLst/>
+                <a:latin typeface="+mn-lt"/>
+                <a:ea typeface="+mn-ea"/>
+                <a:cs typeface="+mn-cs"/>
+              </a:rPr>
+              <a:t>. In 1843 he wrote of her:</a:t>
+            </a:r>
+          </a:p>
+          <a:p>
+            <a:r>
+              <a:rPr lang="en-GB" dirty="0">
+                <a:effectLst/>
+              </a:rPr>
+              <a:t>Forget this world and all its troubles and if possible its multitudinous Charlatans—every thing in short but the Enchantress of Numbers.</a:t>
+            </a:r>
+            <a:r>
+              <a:rPr lang="en-GB" sz="1200" b="0" i="0" u="none" strike="noStrike" kern="1200" baseline="30000" dirty="0">
+                <a:solidFill>
+                  <a:schemeClr val="tx1"/>
+                </a:solidFill>
+                <a:effectLst/>
+                <a:latin typeface="+mn-lt"/>
+                <a:ea typeface="+mn-ea"/>
+                <a:cs typeface="+mn-cs"/>
+                <a:hlinkClick r:id="rId14"/>
+              </a:rPr>
+              <a:t>[52]</a:t>
+            </a:r>
+            <a:endParaRPr lang="en-GB" dirty="0">
+              <a:effectLst/>
+            </a:endParaRPr>
+          </a:p>
+          <a:p>
+            <a:r>
+              <a:rPr lang="en-GB" sz="1200" b="0" i="0" kern="1200" dirty="0">
+                <a:solidFill>
+                  <a:schemeClr val="tx1"/>
+                </a:solidFill>
+                <a:effectLst/>
+                <a:latin typeface="+mn-lt"/>
+                <a:ea typeface="+mn-ea"/>
+                <a:cs typeface="+mn-cs"/>
+              </a:rPr>
+              <a:t>During a nine-month period in 1842–43, Lovelace translated the Italian mathematician </a:t>
+            </a:r>
+            <a:r>
+              <a:rPr lang="en-GB" sz="1200" b="0" i="0" u="none" strike="noStrike" kern="1200" dirty="0">
+                <a:solidFill>
+                  <a:schemeClr val="tx1"/>
+                </a:solidFill>
+                <a:effectLst/>
+                <a:latin typeface="+mn-lt"/>
+                <a:ea typeface="+mn-ea"/>
+                <a:cs typeface="+mn-cs"/>
+                <a:hlinkClick r:id="rId15" tooltip="Luigi Menabrea"/>
+              </a:rPr>
+              <a:t>Luigi </a:t>
+            </a:r>
+            <a:r>
+              <a:rPr lang="en-GB" sz="1200" b="0" i="0" u="none" strike="noStrike" kern="1200" dirty="0" err="1">
+                <a:solidFill>
+                  <a:schemeClr val="tx1"/>
+                </a:solidFill>
+                <a:effectLst/>
+                <a:latin typeface="+mn-lt"/>
+                <a:ea typeface="+mn-ea"/>
+                <a:cs typeface="+mn-cs"/>
+                <a:hlinkClick r:id="rId15" tooltip="Luigi Menabrea"/>
+              </a:rPr>
+              <a:t>Menabrea</a:t>
+            </a:r>
+            <a:r>
+              <a:rPr lang="en-GB" sz="1200" b="0" i="0" kern="1200" dirty="0" err="1">
+                <a:solidFill>
+                  <a:schemeClr val="tx1"/>
+                </a:solidFill>
+                <a:effectLst/>
+                <a:latin typeface="+mn-lt"/>
+                <a:ea typeface="+mn-ea"/>
+                <a:cs typeface="+mn-cs"/>
+              </a:rPr>
+              <a:t>'s</a:t>
+            </a:r>
+            <a:r>
+              <a:rPr lang="en-GB" sz="1200" b="0" i="0" kern="1200" dirty="0">
+                <a:solidFill>
+                  <a:schemeClr val="tx1"/>
+                </a:solidFill>
+                <a:effectLst/>
+                <a:latin typeface="+mn-lt"/>
+                <a:ea typeface="+mn-ea"/>
+                <a:cs typeface="+mn-cs"/>
+              </a:rPr>
+              <a:t> article on Babbage's newest proposed machine, the </a:t>
+            </a:r>
+            <a:r>
+              <a:rPr lang="en-GB" sz="1200" b="0" i="0" u="none" strike="noStrike" kern="1200" dirty="0">
+                <a:solidFill>
+                  <a:schemeClr val="tx1"/>
+                </a:solidFill>
+                <a:effectLst/>
+                <a:latin typeface="+mn-lt"/>
+                <a:ea typeface="+mn-ea"/>
+                <a:cs typeface="+mn-cs"/>
+                <a:hlinkClick r:id="rId16" tooltip="Analytical Engine"/>
+              </a:rPr>
+              <a:t>Analytical Engine</a:t>
+            </a:r>
+            <a:r>
+              <a:rPr lang="en-GB" sz="1200" b="0" i="0" kern="1200" dirty="0">
+                <a:solidFill>
+                  <a:schemeClr val="tx1"/>
+                </a:solidFill>
+                <a:effectLst/>
+                <a:latin typeface="+mn-lt"/>
+                <a:ea typeface="+mn-ea"/>
+                <a:cs typeface="+mn-cs"/>
+              </a:rPr>
+              <a:t>. With the article, she appended a set of notes.</a:t>
+            </a:r>
+            <a:r>
+              <a:rPr lang="en-GB" sz="1200" b="0" i="0" u="none" strike="noStrike" kern="1200" baseline="30000" dirty="0">
+                <a:solidFill>
+                  <a:schemeClr val="tx1"/>
+                </a:solidFill>
+                <a:effectLst/>
+                <a:latin typeface="+mn-lt"/>
+                <a:ea typeface="+mn-ea"/>
+                <a:cs typeface="+mn-cs"/>
+                <a:hlinkClick r:id="rId17"/>
+              </a:rPr>
+              <a:t>[53]</a:t>
+            </a:r>
+            <a:r>
+              <a:rPr lang="en-GB" sz="1200" b="0" i="0" kern="1200" dirty="0">
+                <a:solidFill>
+                  <a:schemeClr val="tx1"/>
+                </a:solidFill>
+                <a:effectLst/>
+                <a:latin typeface="+mn-lt"/>
+                <a:ea typeface="+mn-ea"/>
+                <a:cs typeface="+mn-cs"/>
+              </a:rPr>
+              <a:t>Explaining the Analytical Engine's function was a difficult task, as even other scientists did not really grasp the concept and the British establishment was uninterested in it.</a:t>
+            </a:r>
+            <a:r>
+              <a:rPr lang="en-GB" sz="1200" b="0" i="0" u="none" strike="noStrike" kern="1200" baseline="30000" dirty="0">
+                <a:solidFill>
+                  <a:schemeClr val="tx1"/>
+                </a:solidFill>
+                <a:effectLst/>
+                <a:latin typeface="+mn-lt"/>
+                <a:ea typeface="+mn-ea"/>
+                <a:cs typeface="+mn-cs"/>
+                <a:hlinkClick r:id="rId18"/>
+              </a:rPr>
+              <a:t>[54]</a:t>
+            </a:r>
+            <a:r>
+              <a:rPr lang="en-GB" sz="1200" b="0" i="0" kern="1200" dirty="0">
+                <a:solidFill>
+                  <a:schemeClr val="tx1"/>
+                </a:solidFill>
+                <a:effectLst/>
+                <a:latin typeface="+mn-lt"/>
+                <a:ea typeface="+mn-ea"/>
+                <a:cs typeface="+mn-cs"/>
+              </a:rPr>
+              <a:t> Lovelace's notes even had to explain how the Engine differed from the original Difference Engine.</a:t>
+            </a:r>
+            <a:r>
+              <a:rPr lang="en-GB" sz="1200" b="0" i="0" u="none" strike="noStrike" kern="1200" baseline="30000" dirty="0">
+                <a:solidFill>
+                  <a:schemeClr val="tx1"/>
+                </a:solidFill>
+                <a:effectLst/>
+                <a:latin typeface="+mn-lt"/>
+                <a:ea typeface="+mn-ea"/>
+                <a:cs typeface="+mn-cs"/>
+                <a:hlinkClick r:id="rId19"/>
+              </a:rPr>
+              <a:t>[55]</a:t>
+            </a:r>
+            <a:r>
+              <a:rPr lang="en-GB" sz="1200" b="0" i="0" kern="1200" dirty="0">
+                <a:solidFill>
+                  <a:schemeClr val="tx1"/>
+                </a:solidFill>
+                <a:effectLst/>
+                <a:latin typeface="+mn-lt"/>
+                <a:ea typeface="+mn-ea"/>
+                <a:cs typeface="+mn-cs"/>
+              </a:rPr>
+              <a:t> Her work was well received at the time; the scientist </a:t>
+            </a:r>
+            <a:r>
+              <a:rPr lang="en-GB" sz="1200" b="0" i="0" u="none" strike="noStrike" kern="1200" dirty="0">
+                <a:solidFill>
+                  <a:schemeClr val="tx1"/>
+                </a:solidFill>
+                <a:effectLst/>
+                <a:latin typeface="+mn-lt"/>
+                <a:ea typeface="+mn-ea"/>
+                <a:cs typeface="+mn-cs"/>
+                <a:hlinkClick r:id="rId20" tooltip="Michael Faraday"/>
+              </a:rPr>
+              <a:t>Michael Faraday</a:t>
+            </a:r>
+            <a:r>
+              <a:rPr lang="en-GB" sz="1200" b="0" i="0" kern="1200" dirty="0">
+                <a:solidFill>
+                  <a:schemeClr val="tx1"/>
+                </a:solidFill>
+                <a:effectLst/>
+                <a:latin typeface="+mn-lt"/>
+                <a:ea typeface="+mn-ea"/>
+                <a:cs typeface="+mn-cs"/>
+              </a:rPr>
+              <a:t> described himself as a supporter of her writing.</a:t>
+            </a:r>
+            <a:r>
+              <a:rPr lang="en-GB" sz="1200" b="0" i="0" u="none" strike="noStrike" kern="1200" baseline="30000" dirty="0">
+                <a:solidFill>
+                  <a:schemeClr val="tx1"/>
+                </a:solidFill>
+                <a:effectLst/>
+                <a:latin typeface="+mn-lt"/>
+                <a:ea typeface="+mn-ea"/>
+                <a:cs typeface="+mn-cs"/>
+                <a:hlinkClick r:id="rId21"/>
+              </a:rPr>
+              <a:t>[56]</a:t>
+            </a:r>
+            <a:endParaRPr lang="en-GB" sz="1200" b="0" i="0" kern="1200" dirty="0">
               <a:solidFill>
                 <a:schemeClr val="tx1"/>
               </a:solidFill>
@@ -3223,7 +1734,1850 @@
           </a:p>
           <a:p>
             <a:r>
-              <a:rPr lang="en-GB" sz="1200" b="0" i="0" kern="1200" dirty="0" smtClean="0">
+              <a:rPr lang="en-GB" sz="1200" b="0" i="0" kern="1200" dirty="0">
+                <a:solidFill>
+                  <a:schemeClr val="tx1"/>
+                </a:solidFill>
+                <a:effectLst/>
+                <a:latin typeface="+mn-lt"/>
+                <a:ea typeface="+mn-ea"/>
+                <a:cs typeface="+mn-cs"/>
+              </a:rPr>
+              <a:t>The notes are around three times longer than the article itself and include (in Section G</a:t>
+            </a:r>
+            <a:r>
+              <a:rPr lang="en-GB" sz="1200" b="0" i="0" u="none" strike="noStrike" kern="1200" baseline="30000" dirty="0">
+                <a:solidFill>
+                  <a:schemeClr val="tx1"/>
+                </a:solidFill>
+                <a:effectLst/>
+                <a:latin typeface="+mn-lt"/>
+                <a:ea typeface="+mn-ea"/>
+                <a:cs typeface="+mn-cs"/>
+                <a:hlinkClick r:id="rId22"/>
+              </a:rPr>
+              <a:t>[57]</a:t>
+            </a:r>
+            <a:r>
+              <a:rPr lang="en-GB" sz="1200" b="0" i="0" kern="1200" dirty="0">
+                <a:solidFill>
+                  <a:schemeClr val="tx1"/>
+                </a:solidFill>
+                <a:effectLst/>
+                <a:latin typeface="+mn-lt"/>
+                <a:ea typeface="+mn-ea"/>
+                <a:cs typeface="+mn-cs"/>
+              </a:rPr>
+              <a:t>), in complete detail, a method for calculating a sequence of </a:t>
+            </a:r>
+            <a:r>
+              <a:rPr lang="en-GB" sz="1200" b="0" i="0" u="none" strike="noStrike" kern="1200" dirty="0">
+                <a:solidFill>
+                  <a:schemeClr val="tx1"/>
+                </a:solidFill>
+                <a:effectLst/>
+                <a:latin typeface="+mn-lt"/>
+                <a:ea typeface="+mn-ea"/>
+                <a:cs typeface="+mn-cs"/>
+                <a:hlinkClick r:id="rId23" tooltip="Bernoulli numbers"/>
+              </a:rPr>
+              <a:t>Bernoulli numbers</a:t>
+            </a:r>
+            <a:r>
+              <a:rPr lang="en-GB" sz="1200" b="0" i="0" kern="1200" dirty="0">
+                <a:solidFill>
+                  <a:schemeClr val="tx1"/>
+                </a:solidFill>
+                <a:effectLst/>
+                <a:latin typeface="+mn-lt"/>
+                <a:ea typeface="+mn-ea"/>
+                <a:cs typeface="+mn-cs"/>
+              </a:rPr>
+              <a:t> with the Engine, which would have run correctly had the Analytical Engine been built (only his Difference Engine has been built, completed in London in 2002).</a:t>
+            </a:r>
+            <a:r>
+              <a:rPr lang="en-GB" sz="1200" b="0" i="0" u="none" strike="noStrike" kern="1200" baseline="30000" dirty="0">
+                <a:solidFill>
+                  <a:schemeClr val="tx1"/>
+                </a:solidFill>
+                <a:effectLst/>
+                <a:latin typeface="+mn-lt"/>
+                <a:ea typeface="+mn-ea"/>
+                <a:cs typeface="+mn-cs"/>
+                <a:hlinkClick r:id="rId24"/>
+              </a:rPr>
+              <a:t>[58]</a:t>
+            </a:r>
+            <a:r>
+              <a:rPr lang="en-GB" sz="1200" b="0" i="0" kern="1200" dirty="0">
+                <a:solidFill>
+                  <a:schemeClr val="tx1"/>
+                </a:solidFill>
+                <a:effectLst/>
+                <a:latin typeface="+mn-lt"/>
+                <a:ea typeface="+mn-ea"/>
+                <a:cs typeface="+mn-cs"/>
+              </a:rPr>
+              <a:t> Based on this work Lovelace is now widely considered the first computer programmer</a:t>
+            </a:r>
+            <a:r>
+              <a:rPr lang="en-GB" sz="1200" b="0" i="0" u="none" strike="noStrike" kern="1200" baseline="30000" dirty="0">
+                <a:solidFill>
+                  <a:schemeClr val="tx1"/>
+                </a:solidFill>
+                <a:effectLst/>
+                <a:latin typeface="+mn-lt"/>
+                <a:ea typeface="+mn-ea"/>
+                <a:cs typeface="+mn-cs"/>
+                <a:hlinkClick r:id="rId25"/>
+              </a:rPr>
+              <a:t>[1]</a:t>
+            </a:r>
+            <a:r>
+              <a:rPr lang="en-GB" sz="1200" b="0" i="0" kern="1200" dirty="0">
+                <a:solidFill>
+                  <a:schemeClr val="tx1"/>
+                </a:solidFill>
+                <a:effectLst/>
+                <a:latin typeface="+mn-lt"/>
+                <a:ea typeface="+mn-ea"/>
+                <a:cs typeface="+mn-cs"/>
+              </a:rPr>
+              <a:t> and her method is recognised as the world's first computer program.</a:t>
+            </a:r>
+            <a:r>
+              <a:rPr lang="en-GB" sz="1200" b="0" i="0" u="none" strike="noStrike" kern="1200" baseline="30000" dirty="0">
+                <a:solidFill>
+                  <a:schemeClr val="tx1"/>
+                </a:solidFill>
+                <a:effectLst/>
+                <a:latin typeface="+mn-lt"/>
+                <a:ea typeface="+mn-ea"/>
+                <a:cs typeface="+mn-cs"/>
+                <a:hlinkClick r:id="rId26"/>
+              </a:rPr>
+              <a:t>[59]</a:t>
+            </a:r>
+            <a:endParaRPr lang="en-GB" sz="1200" b="0" i="0" kern="1200" dirty="0">
+              <a:solidFill>
+                <a:schemeClr val="tx1"/>
+              </a:solidFill>
+              <a:effectLst/>
+              <a:latin typeface="+mn-lt"/>
+              <a:ea typeface="+mn-ea"/>
+              <a:cs typeface="+mn-cs"/>
+            </a:endParaRPr>
+          </a:p>
+          <a:p>
+            <a:r>
+              <a:rPr lang="en-GB" sz="1200" b="0" i="0" kern="1200" dirty="0">
+                <a:solidFill>
+                  <a:schemeClr val="tx1"/>
+                </a:solidFill>
+                <a:effectLst/>
+                <a:latin typeface="+mn-lt"/>
+                <a:ea typeface="+mn-ea"/>
+                <a:cs typeface="+mn-cs"/>
+              </a:rPr>
+              <a:t>Section G also contains Lovelace's dismissal of </a:t>
+            </a:r>
+            <a:r>
+              <a:rPr lang="en-GB" sz="1200" b="0" i="0" u="none" strike="noStrike" kern="1200" dirty="0">
+                <a:solidFill>
+                  <a:schemeClr val="tx1"/>
+                </a:solidFill>
+                <a:effectLst/>
+                <a:latin typeface="+mn-lt"/>
+                <a:ea typeface="+mn-ea"/>
+                <a:cs typeface="+mn-cs"/>
+                <a:hlinkClick r:id="rId27" tooltip="Artificial intelligence"/>
+              </a:rPr>
+              <a:t>artificial intelligence</a:t>
+            </a:r>
+            <a:r>
+              <a:rPr lang="en-GB" sz="1200" b="0" i="0" kern="1200" dirty="0">
+                <a:solidFill>
+                  <a:schemeClr val="tx1"/>
+                </a:solidFill>
+                <a:effectLst/>
+                <a:latin typeface="+mn-lt"/>
+                <a:ea typeface="+mn-ea"/>
+                <a:cs typeface="+mn-cs"/>
+              </a:rPr>
+              <a:t>. She wrote that "The Analytical Engine has no pretensions whatever to originate anything. It can do whatever we know how to order it to perform. It can follow analysis; but it has no power of anticipating any analytical relations or truths." This objection has been the subject of much debate and rebuttal, for example by </a:t>
+            </a:r>
+            <a:r>
+              <a:rPr lang="en-GB" sz="1200" b="0" i="0" u="none" strike="noStrike" kern="1200" dirty="0">
+                <a:solidFill>
+                  <a:schemeClr val="tx1"/>
+                </a:solidFill>
+                <a:effectLst/>
+                <a:latin typeface="+mn-lt"/>
+                <a:ea typeface="+mn-ea"/>
+                <a:cs typeface="+mn-cs"/>
+                <a:hlinkClick r:id="rId28" tooltip="Alan Turing"/>
+              </a:rPr>
+              <a:t>Alan Turing</a:t>
+            </a:r>
+            <a:r>
+              <a:rPr lang="en-GB" sz="1200" b="0" i="0" kern="1200" dirty="0">
+                <a:solidFill>
+                  <a:schemeClr val="tx1"/>
+                </a:solidFill>
+                <a:effectLst/>
+                <a:latin typeface="+mn-lt"/>
+                <a:ea typeface="+mn-ea"/>
+                <a:cs typeface="+mn-cs"/>
+              </a:rPr>
+              <a:t> in his paper "</a:t>
+            </a:r>
+            <a:r>
+              <a:rPr lang="en-GB" sz="1200" b="0" i="0" u="none" strike="noStrike" kern="1200" dirty="0">
+                <a:solidFill>
+                  <a:schemeClr val="tx1"/>
+                </a:solidFill>
+                <a:effectLst/>
+                <a:latin typeface="+mn-lt"/>
+                <a:ea typeface="+mn-ea"/>
+                <a:cs typeface="+mn-cs"/>
+                <a:hlinkClick r:id="rId29" tooltip="Computing Machinery and Intelligence"/>
+              </a:rPr>
+              <a:t>Computing Machinery and Intelligence</a:t>
+            </a:r>
+            <a:r>
+              <a:rPr lang="en-GB" sz="1200" b="0" i="0" kern="1200" dirty="0">
+                <a:solidFill>
+                  <a:schemeClr val="tx1"/>
+                </a:solidFill>
+                <a:effectLst/>
+                <a:latin typeface="+mn-lt"/>
+                <a:ea typeface="+mn-ea"/>
+                <a:cs typeface="+mn-cs"/>
+              </a:rPr>
+              <a:t>".</a:t>
+            </a:r>
+          </a:p>
+          <a:p>
+            <a:r>
+              <a:rPr lang="en-GB" sz="1200" b="0" i="0" kern="1200" dirty="0">
+                <a:solidFill>
+                  <a:schemeClr val="tx1"/>
+                </a:solidFill>
+                <a:effectLst/>
+                <a:latin typeface="+mn-lt"/>
+                <a:ea typeface="+mn-ea"/>
+                <a:cs typeface="+mn-cs"/>
+              </a:rPr>
+              <a:t>Lovelace and Babbage had a minor falling out when the papers were published, when he tried to leave his own statement (a criticism of the government's treatment of his Engine) as an unsigned preface—which would imply that she had written that also. When </a:t>
+            </a:r>
+            <a:r>
+              <a:rPr lang="en-GB" sz="1200" b="0" i="0" u="none" strike="noStrike" kern="1200" dirty="0">
+                <a:solidFill>
+                  <a:schemeClr val="tx1"/>
+                </a:solidFill>
+                <a:effectLst/>
+                <a:latin typeface="+mn-lt"/>
+                <a:ea typeface="+mn-ea"/>
+                <a:cs typeface="+mn-cs"/>
+                <a:hlinkClick r:id="rId30" tooltip="Richard Taylor (editor)"/>
+              </a:rPr>
+              <a:t>Taylor</a:t>
+            </a:r>
+            <a:r>
+              <a:rPr lang="en-GB" sz="1200" b="0" i="0" kern="1200" dirty="0">
+                <a:solidFill>
+                  <a:schemeClr val="tx1"/>
+                </a:solidFill>
+                <a:effectLst/>
+                <a:latin typeface="+mn-lt"/>
+                <a:ea typeface="+mn-ea"/>
+                <a:cs typeface="+mn-cs"/>
+              </a:rPr>
+              <a:t>'s </a:t>
+            </a:r>
+            <a:r>
+              <a:rPr lang="en-GB" sz="1200" b="0" i="1" u="none" strike="noStrike" kern="1200" dirty="0">
+                <a:solidFill>
+                  <a:schemeClr val="tx1"/>
+                </a:solidFill>
+                <a:effectLst/>
+                <a:latin typeface="+mn-lt"/>
+                <a:ea typeface="+mn-ea"/>
+                <a:cs typeface="+mn-cs"/>
+                <a:hlinkClick r:id="rId31" tooltip="Scientific Memoirs"/>
+              </a:rPr>
+              <a:t>Scientific Memoirs</a:t>
+            </a:r>
+            <a:r>
+              <a:rPr lang="en-GB" sz="1200" b="0" i="0" kern="1200" dirty="0">
+                <a:solidFill>
+                  <a:schemeClr val="tx1"/>
+                </a:solidFill>
+                <a:effectLst/>
+                <a:latin typeface="+mn-lt"/>
+                <a:ea typeface="+mn-ea"/>
+                <a:cs typeface="+mn-cs"/>
+              </a:rPr>
+              <a:t> ruled that the statement should be signed, Babbage wrote to Lovelace asking her to withdraw the paper. This was the first that she knew he was leaving it unsigned, and she wrote back refusing to withdraw the paper. The historian </a:t>
+            </a:r>
+            <a:r>
+              <a:rPr lang="en-GB" sz="1200" b="0" i="0" u="none" strike="noStrike" kern="1200" dirty="0">
+                <a:solidFill>
+                  <a:schemeClr val="tx1"/>
+                </a:solidFill>
+                <a:effectLst/>
+                <a:latin typeface="+mn-lt"/>
+                <a:ea typeface="+mn-ea"/>
+                <a:cs typeface="+mn-cs"/>
+                <a:hlinkClick r:id="rId32" tooltip="Benjamin Woolley"/>
+              </a:rPr>
+              <a:t>Benjamin Woolley</a:t>
+            </a:r>
+            <a:r>
+              <a:rPr lang="en-GB" sz="1200" b="0" i="0" kern="1200" dirty="0">
+                <a:solidFill>
+                  <a:schemeClr val="tx1"/>
+                </a:solidFill>
+                <a:effectLst/>
+                <a:latin typeface="+mn-lt"/>
+                <a:ea typeface="+mn-ea"/>
+                <a:cs typeface="+mn-cs"/>
+              </a:rPr>
+              <a:t> theorised that, "His actions suggested he had so enthusiastically sought Ada's involvement, and so happily indulged her ... because of her 'celebrated name'."</a:t>
+            </a:r>
+            <a:r>
+              <a:rPr lang="en-GB" sz="1200" b="0" i="0" u="none" strike="noStrike" kern="1200" baseline="30000" dirty="0">
+                <a:solidFill>
+                  <a:schemeClr val="tx1"/>
+                </a:solidFill>
+                <a:effectLst/>
+                <a:latin typeface="+mn-lt"/>
+                <a:ea typeface="+mn-ea"/>
+                <a:cs typeface="+mn-cs"/>
+                <a:hlinkClick r:id="rId33"/>
+              </a:rPr>
+              <a:t>[60]</a:t>
+            </a:r>
+            <a:r>
+              <a:rPr lang="en-GB" sz="1200" b="0" i="0" kern="1200" dirty="0">
+                <a:solidFill>
+                  <a:schemeClr val="tx1"/>
+                </a:solidFill>
+                <a:effectLst/>
+                <a:latin typeface="+mn-lt"/>
+                <a:ea typeface="+mn-ea"/>
+                <a:cs typeface="+mn-cs"/>
+              </a:rPr>
+              <a:t> Their friendship recovered, and they continued to correspond. On 12 August 1851, when she was dying of cancer, Lovelace wrote to him asking him to be her executor, though this letter did not give him the necessary legal authority. Part of the terrace at Worthy Manor was known as </a:t>
+            </a:r>
+            <a:r>
+              <a:rPr lang="en-GB" sz="1200" b="0" i="1" kern="1200" dirty="0">
+                <a:solidFill>
+                  <a:schemeClr val="tx1"/>
+                </a:solidFill>
+                <a:effectLst/>
+                <a:latin typeface="+mn-lt"/>
+                <a:ea typeface="+mn-ea"/>
+                <a:cs typeface="+mn-cs"/>
+              </a:rPr>
+              <a:t>Philosopher's Walk</a:t>
+            </a:r>
+            <a:r>
+              <a:rPr lang="en-GB" sz="1200" b="0" i="0" kern="1200" dirty="0">
+                <a:solidFill>
+                  <a:schemeClr val="tx1"/>
+                </a:solidFill>
+                <a:effectLst/>
+                <a:latin typeface="+mn-lt"/>
+                <a:ea typeface="+mn-ea"/>
+                <a:cs typeface="+mn-cs"/>
+              </a:rPr>
+              <a:t>, as it was there that Lovelace and Babbage were reputed to have walked while discussing mathematical principles.</a:t>
+            </a:r>
+            <a:r>
+              <a:rPr lang="en-GB" sz="1200" b="0" i="0" u="none" strike="noStrike" kern="1200" baseline="30000" dirty="0">
+                <a:solidFill>
+                  <a:schemeClr val="tx1"/>
+                </a:solidFill>
+                <a:effectLst/>
+                <a:latin typeface="+mn-lt"/>
+                <a:ea typeface="+mn-ea"/>
+                <a:cs typeface="+mn-cs"/>
+                <a:hlinkClick r:id="rId21"/>
+              </a:rPr>
+              <a:t>[56]</a:t>
+            </a:r>
+            <a:endParaRPr lang="en-GB" sz="1200" b="0" i="0" kern="1200" dirty="0">
+              <a:solidFill>
+                <a:schemeClr val="tx1"/>
+              </a:solidFill>
+              <a:effectLst/>
+              <a:latin typeface="+mn-lt"/>
+              <a:ea typeface="+mn-ea"/>
+              <a:cs typeface="+mn-cs"/>
+            </a:endParaRPr>
+          </a:p>
+          <a:p>
+            <a:pPr marL="0" marR="0" indent="0" algn="l" defTabSz="914400" rtl="0" eaLnBrk="1" fontAlgn="auto" latinLnBrk="0" hangingPunct="1">
+              <a:lnSpc>
+                <a:spcPct val="100000"/>
+              </a:lnSpc>
+              <a:spcBef>
+                <a:spcPts val="0"/>
+              </a:spcBef>
+              <a:spcAft>
+                <a:spcPts val="0"/>
+              </a:spcAft>
+              <a:buClrTx/>
+              <a:buSzTx/>
+              <a:buFontTx/>
+              <a:buNone/>
+              <a:tabLst/>
+              <a:defRPr/>
+            </a:pPr>
+            <a:endParaRPr lang="en-GB" b="1" dirty="0"/>
+          </a:p>
+          <a:p>
+            <a:pPr marL="0" marR="0" indent="0" algn="l" defTabSz="914400" rtl="0" eaLnBrk="1" fontAlgn="auto" latinLnBrk="0" hangingPunct="1">
+              <a:lnSpc>
+                <a:spcPct val="100000"/>
+              </a:lnSpc>
+              <a:spcBef>
+                <a:spcPts val="0"/>
+              </a:spcBef>
+              <a:spcAft>
+                <a:spcPts val="0"/>
+              </a:spcAft>
+              <a:buClrTx/>
+              <a:buSzTx/>
+              <a:buFontTx/>
+              <a:buNone/>
+              <a:tabLst/>
+              <a:defRPr/>
+            </a:pPr>
+            <a:r>
+              <a:rPr lang="en-GB" b="1" dirty="0"/>
+              <a:t>Grace</a:t>
+            </a:r>
+            <a:r>
+              <a:rPr lang="en-GB" b="1" baseline="0" dirty="0"/>
+              <a:t> Hopper</a:t>
+            </a:r>
+          </a:p>
+          <a:p>
+            <a:r>
+              <a:rPr lang="en-GB" sz="1200" b="1" i="0" kern="1200" dirty="0">
+                <a:solidFill>
+                  <a:schemeClr val="tx1"/>
+                </a:solidFill>
+                <a:effectLst/>
+                <a:latin typeface="+mn-lt"/>
+                <a:ea typeface="+mn-ea"/>
+                <a:cs typeface="+mn-cs"/>
+              </a:rPr>
+              <a:t>UNIVAC</a:t>
+            </a:r>
+            <a:r>
+              <a:rPr lang="en-GB" sz="1200" b="0" i="0" kern="1200" dirty="0">
+                <a:solidFill>
+                  <a:schemeClr val="tx1"/>
+                </a:solidFill>
+                <a:effectLst/>
+                <a:latin typeface="+mn-lt"/>
+                <a:ea typeface="+mn-ea"/>
+                <a:cs typeface="+mn-cs"/>
+              </a:rPr>
+              <a:t>[</a:t>
+            </a:r>
+            <a:r>
+              <a:rPr lang="en-GB" sz="1200" b="0" i="0" u="none" strike="noStrike" kern="1200" dirty="0">
+                <a:solidFill>
+                  <a:schemeClr val="tx1"/>
+                </a:solidFill>
+                <a:effectLst/>
+                <a:latin typeface="+mn-lt"/>
+                <a:ea typeface="+mn-ea"/>
+                <a:cs typeface="+mn-cs"/>
+                <a:hlinkClick r:id="rId34" tooltip="Edit section: UNIVAC"/>
+              </a:rPr>
+              <a:t>edit</a:t>
+            </a:r>
+            <a:r>
+              <a:rPr lang="en-GB" sz="1200" b="0" i="0" kern="1200" dirty="0">
+                <a:solidFill>
+                  <a:schemeClr val="tx1"/>
+                </a:solidFill>
+                <a:effectLst/>
+                <a:latin typeface="+mn-lt"/>
+                <a:ea typeface="+mn-ea"/>
+                <a:cs typeface="+mn-cs"/>
+              </a:rPr>
+              <a:t>]</a:t>
+            </a:r>
+            <a:endParaRPr lang="en-GB" sz="1200" b="1" i="0" kern="1200" dirty="0">
+              <a:solidFill>
+                <a:schemeClr val="tx1"/>
+              </a:solidFill>
+              <a:effectLst/>
+              <a:latin typeface="+mn-lt"/>
+              <a:ea typeface="+mn-ea"/>
+              <a:cs typeface="+mn-cs"/>
+            </a:endParaRPr>
+          </a:p>
+          <a:p>
+            <a:r>
+              <a:rPr lang="en-GB" sz="1200" b="0" i="0" kern="1200" dirty="0">
+                <a:solidFill>
+                  <a:schemeClr val="tx1"/>
+                </a:solidFill>
+                <a:effectLst/>
+                <a:latin typeface="+mn-lt"/>
+                <a:ea typeface="+mn-ea"/>
+                <a:cs typeface="+mn-cs"/>
+              </a:rPr>
+              <a:t>In 1949, Hopper became an employee of the </a:t>
+            </a:r>
+            <a:r>
+              <a:rPr lang="en-GB" sz="1200" b="0" i="0" u="none" strike="noStrike" kern="1200" dirty="0">
+                <a:solidFill>
+                  <a:schemeClr val="tx1"/>
+                </a:solidFill>
+                <a:effectLst/>
+                <a:latin typeface="+mn-lt"/>
+                <a:ea typeface="+mn-ea"/>
+                <a:cs typeface="+mn-cs"/>
+                <a:hlinkClick r:id="rId35" tooltip="Eckert–Mauchly Computer Corporation"/>
+              </a:rPr>
+              <a:t>Eckert–</a:t>
+            </a:r>
+            <a:r>
+              <a:rPr lang="en-GB" sz="1200" b="0" i="0" u="none" strike="noStrike" kern="1200" dirty="0" err="1">
+                <a:solidFill>
+                  <a:schemeClr val="tx1"/>
+                </a:solidFill>
+                <a:effectLst/>
+                <a:latin typeface="+mn-lt"/>
+                <a:ea typeface="+mn-ea"/>
+                <a:cs typeface="+mn-cs"/>
+                <a:hlinkClick r:id="rId35" tooltip="Eckert–Mauchly Computer Corporation"/>
+              </a:rPr>
+              <a:t>Mauchly</a:t>
+            </a:r>
+            <a:r>
+              <a:rPr lang="en-GB" sz="1200" b="0" i="0" u="none" strike="noStrike" kern="1200" dirty="0">
+                <a:solidFill>
+                  <a:schemeClr val="tx1"/>
+                </a:solidFill>
+                <a:effectLst/>
+                <a:latin typeface="+mn-lt"/>
+                <a:ea typeface="+mn-ea"/>
+                <a:cs typeface="+mn-cs"/>
+                <a:hlinkClick r:id="rId35" tooltip="Eckert–Mauchly Computer Corporation"/>
+              </a:rPr>
+              <a:t> Computer Corporation</a:t>
+            </a:r>
+            <a:r>
+              <a:rPr lang="en-GB" sz="1200" b="0" i="0" kern="1200" dirty="0">
+                <a:solidFill>
+                  <a:schemeClr val="tx1"/>
+                </a:solidFill>
+                <a:effectLst/>
+                <a:latin typeface="+mn-lt"/>
+                <a:ea typeface="+mn-ea"/>
+                <a:cs typeface="+mn-cs"/>
+              </a:rPr>
+              <a:t> as a senior mathematician and joined the team developing the </a:t>
+            </a:r>
+            <a:r>
+              <a:rPr lang="en-GB" sz="1200" b="0" i="0" u="none" strike="noStrike" kern="1200" dirty="0">
+                <a:solidFill>
+                  <a:schemeClr val="tx1"/>
+                </a:solidFill>
+                <a:effectLst/>
+                <a:latin typeface="+mn-lt"/>
+                <a:ea typeface="+mn-ea"/>
+                <a:cs typeface="+mn-cs"/>
+                <a:hlinkClick r:id="rId36" tooltip="UNIVAC I"/>
+              </a:rPr>
+              <a:t>UNIVAC I</a:t>
+            </a:r>
+            <a:r>
+              <a:rPr lang="en-GB" sz="1200" b="0" i="0" kern="1200" dirty="0">
+                <a:solidFill>
+                  <a:schemeClr val="tx1"/>
+                </a:solidFill>
+                <a:effectLst/>
+                <a:latin typeface="+mn-lt"/>
+                <a:ea typeface="+mn-ea"/>
+                <a:cs typeface="+mn-cs"/>
+              </a:rPr>
+              <a:t>.</a:t>
+            </a:r>
+            <a:r>
+              <a:rPr lang="en-GB" sz="1200" b="0" i="0" u="none" strike="noStrike" kern="1200" baseline="30000" dirty="0">
+                <a:solidFill>
+                  <a:schemeClr val="tx1"/>
+                </a:solidFill>
+                <a:effectLst/>
+                <a:latin typeface="+mn-lt"/>
+                <a:ea typeface="+mn-ea"/>
+                <a:cs typeface="+mn-cs"/>
+                <a:hlinkClick r:id="rId37"/>
+              </a:rPr>
+              <a:t>[17]</a:t>
+            </a:r>
+            <a:r>
+              <a:rPr lang="en-GB" sz="1200" b="0" i="0" kern="1200" dirty="0">
+                <a:solidFill>
+                  <a:schemeClr val="tx1"/>
+                </a:solidFill>
+                <a:effectLst/>
+                <a:latin typeface="+mn-lt"/>
+                <a:ea typeface="+mn-ea"/>
+                <a:cs typeface="+mn-cs"/>
+              </a:rPr>
+              <a:t> In the early 1950s, the company was taken over by </a:t>
+            </a:r>
+            <a:r>
+              <a:rPr lang="en-GB" sz="1200" b="0" i="0" kern="1200" dirty="0" err="1">
+                <a:solidFill>
+                  <a:schemeClr val="tx1"/>
+                </a:solidFill>
+                <a:effectLst/>
+                <a:latin typeface="+mn-lt"/>
+                <a:ea typeface="+mn-ea"/>
+                <a:cs typeface="+mn-cs"/>
+              </a:rPr>
+              <a:t>the</a:t>
+            </a:r>
+            <a:r>
+              <a:rPr lang="en-GB" sz="1200" b="0" i="0" u="none" strike="noStrike" kern="1200" dirty="0" err="1">
+                <a:solidFill>
+                  <a:schemeClr val="tx1"/>
+                </a:solidFill>
+                <a:effectLst/>
+                <a:latin typeface="+mn-lt"/>
+                <a:ea typeface="+mn-ea"/>
+                <a:cs typeface="+mn-cs"/>
+                <a:hlinkClick r:id="rId38" tooltip="Remington Rand"/>
+              </a:rPr>
+              <a:t>Remington</a:t>
+            </a:r>
+            <a:r>
+              <a:rPr lang="en-GB" sz="1200" b="0" i="0" u="none" strike="noStrike" kern="1200" dirty="0">
+                <a:solidFill>
+                  <a:schemeClr val="tx1"/>
+                </a:solidFill>
+                <a:effectLst/>
+                <a:latin typeface="+mn-lt"/>
+                <a:ea typeface="+mn-ea"/>
+                <a:cs typeface="+mn-cs"/>
+                <a:hlinkClick r:id="rId38" tooltip="Remington Rand"/>
+              </a:rPr>
+              <a:t> Rand</a:t>
+            </a:r>
+            <a:r>
+              <a:rPr lang="en-GB" sz="1200" b="0" i="0" kern="1200" dirty="0">
+                <a:solidFill>
+                  <a:schemeClr val="tx1"/>
+                </a:solidFill>
+                <a:effectLst/>
+                <a:latin typeface="+mn-lt"/>
+                <a:ea typeface="+mn-ea"/>
+                <a:cs typeface="+mn-cs"/>
+              </a:rPr>
+              <a:t> corporation, and it was while she was working for them that her original </a:t>
+            </a:r>
+            <a:r>
+              <a:rPr lang="en-GB" sz="1200" b="0" i="0" u="none" strike="noStrike" kern="1200" dirty="0">
+                <a:solidFill>
+                  <a:schemeClr val="tx1"/>
+                </a:solidFill>
+                <a:effectLst/>
+                <a:latin typeface="+mn-lt"/>
+                <a:ea typeface="+mn-ea"/>
+                <a:cs typeface="+mn-cs"/>
+                <a:hlinkClick r:id="rId39" tooltip="Compiler"/>
+              </a:rPr>
+              <a:t>compiler</a:t>
+            </a:r>
+            <a:r>
+              <a:rPr lang="en-GB" sz="1200" b="0" i="0" kern="1200" dirty="0">
+                <a:solidFill>
+                  <a:schemeClr val="tx1"/>
+                </a:solidFill>
+                <a:effectLst/>
+                <a:latin typeface="+mn-lt"/>
+                <a:ea typeface="+mn-ea"/>
+                <a:cs typeface="+mn-cs"/>
+              </a:rPr>
+              <a:t> work was done. The compiler was known as the A compiler and its first version was </a:t>
+            </a:r>
+            <a:r>
+              <a:rPr lang="en-GB" sz="1200" b="0" i="0" u="none" strike="noStrike" kern="1200" dirty="0">
+                <a:solidFill>
+                  <a:schemeClr val="tx1"/>
+                </a:solidFill>
+                <a:effectLst/>
+                <a:latin typeface="+mn-lt"/>
+                <a:ea typeface="+mn-ea"/>
+                <a:cs typeface="+mn-cs"/>
+                <a:hlinkClick r:id="rId40" tooltip="A-0 programming language"/>
+              </a:rPr>
+              <a:t>A-0</a:t>
+            </a:r>
+            <a:r>
+              <a:rPr lang="en-GB" sz="1200" b="0" i="0" kern="1200" dirty="0">
+                <a:solidFill>
+                  <a:schemeClr val="tx1"/>
+                </a:solidFill>
+                <a:effectLst/>
+                <a:latin typeface="+mn-lt"/>
+                <a:ea typeface="+mn-ea"/>
+                <a:cs typeface="+mn-cs"/>
+              </a:rPr>
+              <a:t>.</a:t>
+            </a:r>
+            <a:r>
+              <a:rPr lang="en-GB" sz="1200" b="0" i="0" u="none" strike="noStrike" kern="1200" baseline="30000" dirty="0">
+                <a:solidFill>
+                  <a:schemeClr val="tx1"/>
+                </a:solidFill>
+                <a:effectLst/>
+                <a:latin typeface="+mn-lt"/>
+                <a:ea typeface="+mn-ea"/>
+                <a:cs typeface="+mn-cs"/>
+                <a:hlinkClick r:id="rId41"/>
+              </a:rPr>
+              <a:t>[20]</a:t>
+            </a:r>
+            <a:r>
+              <a:rPr lang="en-GB" sz="1200" b="0" i="0" kern="1200" baseline="30000" dirty="0">
+                <a:solidFill>
+                  <a:schemeClr val="tx1"/>
+                </a:solidFill>
+                <a:effectLst/>
+                <a:latin typeface="+mn-lt"/>
+                <a:ea typeface="+mn-ea"/>
+                <a:cs typeface="+mn-cs"/>
+              </a:rPr>
+              <a:t>:11</a:t>
+            </a:r>
+            <a:endParaRPr lang="en-GB" sz="1200" b="0" i="0" kern="1200" dirty="0">
+              <a:solidFill>
+                <a:schemeClr val="tx1"/>
+              </a:solidFill>
+              <a:effectLst/>
+              <a:latin typeface="+mn-lt"/>
+              <a:ea typeface="+mn-ea"/>
+              <a:cs typeface="+mn-cs"/>
+            </a:endParaRPr>
+          </a:p>
+          <a:p>
+            <a:r>
+              <a:rPr lang="en-GB" sz="1200" b="0" i="0" kern="1200" dirty="0">
+                <a:solidFill>
+                  <a:schemeClr val="tx1"/>
+                </a:solidFill>
+                <a:effectLst/>
+                <a:latin typeface="+mn-lt"/>
+                <a:ea typeface="+mn-ea"/>
+                <a:cs typeface="+mn-cs"/>
+              </a:rPr>
+              <a:t>In 1952 she had an operational compiler. "Nobody believed that," she said. "I had a running compiler and nobody would touch it. They told me computers could only do arithmetic."</a:t>
+            </a:r>
+            <a:r>
+              <a:rPr lang="en-GB" sz="1200" b="0" i="0" u="none" strike="noStrike" kern="1200" baseline="30000" dirty="0">
+                <a:solidFill>
+                  <a:schemeClr val="tx1"/>
+                </a:solidFill>
+                <a:effectLst/>
+                <a:latin typeface="+mn-lt"/>
+                <a:ea typeface="+mn-ea"/>
+                <a:cs typeface="+mn-cs"/>
+                <a:hlinkClick r:id="rId42"/>
+              </a:rPr>
+              <a:t>[21]</a:t>
+            </a:r>
+            <a:endParaRPr lang="en-GB" sz="1200" b="0" i="0" kern="1200" dirty="0">
+              <a:solidFill>
+                <a:schemeClr val="tx1"/>
+              </a:solidFill>
+              <a:effectLst/>
+              <a:latin typeface="+mn-lt"/>
+              <a:ea typeface="+mn-ea"/>
+              <a:cs typeface="+mn-cs"/>
+            </a:endParaRPr>
+          </a:p>
+          <a:p>
+            <a:r>
+              <a:rPr lang="en-GB" sz="1200" b="0" i="0" kern="1200" dirty="0">
+                <a:solidFill>
+                  <a:schemeClr val="tx1"/>
+                </a:solidFill>
+                <a:effectLst/>
+                <a:latin typeface="+mn-lt"/>
+                <a:ea typeface="+mn-ea"/>
+                <a:cs typeface="+mn-cs"/>
+              </a:rPr>
+              <a:t>In 1954 Hopper was named the company's first director of automatic programming, and her department released some of the first compiler-based programming languages, including </a:t>
+            </a:r>
+            <a:r>
+              <a:rPr lang="en-GB" sz="1200" b="0" i="0" u="none" strike="noStrike" kern="1200" dirty="0">
+                <a:solidFill>
+                  <a:schemeClr val="tx1"/>
+                </a:solidFill>
+                <a:effectLst/>
+                <a:latin typeface="+mn-lt"/>
+                <a:ea typeface="+mn-ea"/>
+                <a:cs typeface="+mn-cs"/>
+                <a:hlinkClick r:id="rId43" tooltip="MATH-MATIC"/>
+              </a:rPr>
+              <a:t>MATH-MATIC</a:t>
+            </a:r>
+            <a:r>
+              <a:rPr lang="en-GB" sz="1200" b="0" i="0" kern="1200" dirty="0">
+                <a:solidFill>
+                  <a:schemeClr val="tx1"/>
+                </a:solidFill>
+                <a:effectLst/>
+                <a:latin typeface="+mn-lt"/>
+                <a:ea typeface="+mn-ea"/>
+                <a:cs typeface="+mn-cs"/>
+              </a:rPr>
+              <a:t> and </a:t>
+            </a:r>
+            <a:r>
+              <a:rPr lang="en-GB" sz="1200" b="0" i="0" u="none" strike="noStrike" kern="1200" dirty="0">
+                <a:solidFill>
+                  <a:schemeClr val="tx1"/>
+                </a:solidFill>
+                <a:effectLst/>
+                <a:latin typeface="+mn-lt"/>
+                <a:ea typeface="+mn-ea"/>
+                <a:cs typeface="+mn-cs"/>
+                <a:hlinkClick r:id="rId44" tooltip="FLOW-MATIC"/>
+              </a:rPr>
+              <a:t>FLOW-MATIC</a:t>
+            </a:r>
+            <a:r>
+              <a:rPr lang="en-GB" sz="1200" b="0" i="0" kern="1200" dirty="0">
+                <a:solidFill>
+                  <a:schemeClr val="tx1"/>
+                </a:solidFill>
+                <a:effectLst/>
+                <a:latin typeface="+mn-lt"/>
+                <a:ea typeface="+mn-ea"/>
+                <a:cs typeface="+mn-cs"/>
+              </a:rPr>
+              <a:t>.</a:t>
+            </a:r>
+            <a:r>
+              <a:rPr lang="en-GB" sz="1200" b="0" i="0" u="none" strike="noStrike" kern="1200" baseline="30000" dirty="0">
+                <a:solidFill>
+                  <a:schemeClr val="tx1"/>
+                </a:solidFill>
+                <a:effectLst/>
+                <a:latin typeface="+mn-lt"/>
+                <a:ea typeface="+mn-ea"/>
+                <a:cs typeface="+mn-cs"/>
+                <a:hlinkClick r:id="rId37"/>
+              </a:rPr>
+              <a:t>[17]</a:t>
+            </a:r>
+            <a:endParaRPr lang="en-GB" sz="1200" b="0" i="0" kern="1200" dirty="0">
+              <a:solidFill>
+                <a:schemeClr val="tx1"/>
+              </a:solidFill>
+              <a:effectLst/>
+              <a:latin typeface="+mn-lt"/>
+              <a:ea typeface="+mn-ea"/>
+              <a:cs typeface="+mn-cs"/>
+            </a:endParaRPr>
+          </a:p>
+          <a:p>
+            <a:r>
+              <a:rPr lang="en-GB" sz="1200" b="1" i="0" kern="1200" dirty="0">
+                <a:solidFill>
+                  <a:schemeClr val="tx1"/>
+                </a:solidFill>
+                <a:effectLst/>
+                <a:latin typeface="+mn-lt"/>
+                <a:ea typeface="+mn-ea"/>
+                <a:cs typeface="+mn-cs"/>
+              </a:rPr>
+              <a:t>COBOL</a:t>
+            </a:r>
+            <a:r>
+              <a:rPr lang="en-GB" sz="1200" b="0" i="0" kern="1200" dirty="0">
+                <a:solidFill>
+                  <a:schemeClr val="tx1"/>
+                </a:solidFill>
+                <a:effectLst/>
+                <a:latin typeface="+mn-lt"/>
+                <a:ea typeface="+mn-ea"/>
+                <a:cs typeface="+mn-cs"/>
+              </a:rPr>
+              <a:t>[</a:t>
+            </a:r>
+            <a:r>
+              <a:rPr lang="en-GB" sz="1200" b="0" i="0" u="none" strike="noStrike" kern="1200" dirty="0">
+                <a:solidFill>
+                  <a:schemeClr val="tx1"/>
+                </a:solidFill>
+                <a:effectLst/>
+                <a:latin typeface="+mn-lt"/>
+                <a:ea typeface="+mn-ea"/>
+                <a:cs typeface="+mn-cs"/>
+                <a:hlinkClick r:id="rId45" tooltip="Edit section: COBOL"/>
+              </a:rPr>
+              <a:t>edit</a:t>
+            </a:r>
+            <a:r>
+              <a:rPr lang="en-GB" sz="1200" b="0" i="0" kern="1200" dirty="0">
+                <a:solidFill>
+                  <a:schemeClr val="tx1"/>
+                </a:solidFill>
+                <a:effectLst/>
+                <a:latin typeface="+mn-lt"/>
+                <a:ea typeface="+mn-ea"/>
+                <a:cs typeface="+mn-cs"/>
+              </a:rPr>
+              <a:t>]</a:t>
+            </a:r>
+            <a:endParaRPr lang="en-GB" sz="1200" b="1" i="0" kern="1200" dirty="0">
+              <a:solidFill>
+                <a:schemeClr val="tx1"/>
+              </a:solidFill>
+              <a:effectLst/>
+              <a:latin typeface="+mn-lt"/>
+              <a:ea typeface="+mn-ea"/>
+              <a:cs typeface="+mn-cs"/>
+            </a:endParaRPr>
+          </a:p>
+          <a:p>
+            <a:r>
+              <a:rPr lang="en-GB" sz="1200" b="0" i="0" kern="1200" dirty="0">
+                <a:solidFill>
+                  <a:schemeClr val="tx1"/>
+                </a:solidFill>
+                <a:effectLst/>
+                <a:latin typeface="+mn-lt"/>
+                <a:ea typeface="+mn-ea"/>
+                <a:cs typeface="+mn-cs"/>
+              </a:rPr>
+              <a:t>Grace Murray Hopper at the UNIVAC keyboard, c. 1960</a:t>
+            </a:r>
+          </a:p>
+          <a:p>
+            <a:r>
+              <a:rPr lang="en-GB" sz="1200" b="0" i="0" kern="1200" dirty="0">
+                <a:solidFill>
+                  <a:schemeClr val="tx1"/>
+                </a:solidFill>
+                <a:effectLst/>
+                <a:latin typeface="+mn-lt"/>
+                <a:ea typeface="+mn-ea"/>
+                <a:cs typeface="+mn-cs"/>
+              </a:rPr>
+              <a:t>In the spring of 1959, a two-day conference known as the Conference on Data Systems Languages (</a:t>
+            </a:r>
+            <a:r>
+              <a:rPr lang="en-GB" sz="1200" b="0" i="0" u="none" strike="noStrike" kern="1200" dirty="0">
+                <a:solidFill>
+                  <a:schemeClr val="tx1"/>
+                </a:solidFill>
+                <a:effectLst/>
+                <a:latin typeface="+mn-lt"/>
+                <a:ea typeface="+mn-ea"/>
+                <a:cs typeface="+mn-cs"/>
+                <a:hlinkClick r:id="rId46" tooltip="CODASYL"/>
+              </a:rPr>
+              <a:t>CODASYL</a:t>
+            </a:r>
+            <a:r>
+              <a:rPr lang="en-GB" sz="1200" b="0" i="0" kern="1200" dirty="0">
+                <a:solidFill>
+                  <a:schemeClr val="tx1"/>
+                </a:solidFill>
+                <a:effectLst/>
+                <a:latin typeface="+mn-lt"/>
+                <a:ea typeface="+mn-ea"/>
+                <a:cs typeface="+mn-cs"/>
+              </a:rPr>
+              <a:t>) brought together computer experts from industry and government. Hopper served as a technical consultant to the committee, and many of her former employees served on the short-term committee that defined the new language </a:t>
+            </a:r>
+            <a:r>
+              <a:rPr lang="en-GB" sz="1200" b="0" i="0" u="none" strike="noStrike" kern="1200" dirty="0">
+                <a:solidFill>
+                  <a:schemeClr val="tx1"/>
+                </a:solidFill>
+                <a:effectLst/>
+                <a:latin typeface="+mn-lt"/>
+                <a:ea typeface="+mn-ea"/>
+                <a:cs typeface="+mn-cs"/>
+                <a:hlinkClick r:id="rId47" tooltip="COBOL"/>
+              </a:rPr>
+              <a:t>COBOL</a:t>
+            </a:r>
+            <a:r>
+              <a:rPr lang="en-GB" sz="1200" b="0" i="0" kern="1200" dirty="0">
+                <a:solidFill>
+                  <a:schemeClr val="tx1"/>
+                </a:solidFill>
+                <a:effectLst/>
+                <a:latin typeface="+mn-lt"/>
+                <a:ea typeface="+mn-ea"/>
+                <a:cs typeface="+mn-cs"/>
+              </a:rPr>
+              <a:t> (an acronym for </a:t>
+            </a:r>
+            <a:r>
+              <a:rPr lang="en-GB" sz="1200" b="1" i="0" kern="1200" dirty="0" err="1">
+                <a:solidFill>
+                  <a:schemeClr val="tx1"/>
+                </a:solidFill>
+                <a:effectLst/>
+                <a:latin typeface="+mn-lt"/>
+                <a:ea typeface="+mn-ea"/>
+                <a:cs typeface="+mn-cs"/>
+              </a:rPr>
+              <a:t>CO</a:t>
+            </a:r>
+            <a:r>
+              <a:rPr lang="en-GB" sz="1200" b="0" i="0" kern="1200" dirty="0" err="1">
+                <a:solidFill>
+                  <a:schemeClr val="tx1"/>
+                </a:solidFill>
+                <a:effectLst/>
+                <a:latin typeface="+mn-lt"/>
+                <a:ea typeface="+mn-ea"/>
+                <a:cs typeface="+mn-cs"/>
+              </a:rPr>
+              <a:t>mmon</a:t>
+            </a:r>
+            <a:r>
+              <a:rPr lang="en-GB" sz="1200" b="0" i="0" kern="1200" dirty="0">
+                <a:solidFill>
+                  <a:schemeClr val="tx1"/>
+                </a:solidFill>
+                <a:effectLst/>
+                <a:latin typeface="+mn-lt"/>
+                <a:ea typeface="+mn-ea"/>
+                <a:cs typeface="+mn-cs"/>
+              </a:rPr>
+              <a:t> </a:t>
+            </a:r>
+            <a:r>
+              <a:rPr lang="en-GB" sz="1200" b="1" i="0" kern="1200" dirty="0">
+                <a:solidFill>
+                  <a:schemeClr val="tx1"/>
+                </a:solidFill>
+                <a:effectLst/>
+                <a:latin typeface="+mn-lt"/>
+                <a:ea typeface="+mn-ea"/>
+                <a:cs typeface="+mn-cs"/>
+              </a:rPr>
+              <a:t>B</a:t>
+            </a:r>
+            <a:r>
+              <a:rPr lang="en-GB" sz="1200" b="0" i="0" kern="1200" dirty="0">
+                <a:solidFill>
+                  <a:schemeClr val="tx1"/>
+                </a:solidFill>
+                <a:effectLst/>
+                <a:latin typeface="+mn-lt"/>
+                <a:ea typeface="+mn-ea"/>
+                <a:cs typeface="+mn-cs"/>
+              </a:rPr>
+              <a:t>usiness-</a:t>
+            </a:r>
+            <a:r>
+              <a:rPr lang="en-GB" sz="1200" b="1" i="0" kern="1200" dirty="0">
+                <a:solidFill>
+                  <a:schemeClr val="tx1"/>
+                </a:solidFill>
+                <a:effectLst/>
+                <a:latin typeface="+mn-lt"/>
+                <a:ea typeface="+mn-ea"/>
+                <a:cs typeface="+mn-cs"/>
+              </a:rPr>
+              <a:t>O</a:t>
+            </a:r>
+            <a:r>
+              <a:rPr lang="en-GB" sz="1200" b="0" i="0" kern="1200" dirty="0">
+                <a:solidFill>
+                  <a:schemeClr val="tx1"/>
+                </a:solidFill>
+                <a:effectLst/>
+                <a:latin typeface="+mn-lt"/>
+                <a:ea typeface="+mn-ea"/>
+                <a:cs typeface="+mn-cs"/>
+              </a:rPr>
+              <a:t>riented </a:t>
+            </a:r>
+            <a:r>
+              <a:rPr lang="en-GB" sz="1200" b="1" i="0" kern="1200" dirty="0">
+                <a:solidFill>
+                  <a:schemeClr val="tx1"/>
+                </a:solidFill>
+                <a:effectLst/>
+                <a:latin typeface="+mn-lt"/>
+                <a:ea typeface="+mn-ea"/>
+                <a:cs typeface="+mn-cs"/>
+              </a:rPr>
+              <a:t>L</a:t>
+            </a:r>
+            <a:r>
+              <a:rPr lang="en-GB" sz="1200" b="0" i="0" kern="1200" dirty="0">
+                <a:solidFill>
+                  <a:schemeClr val="tx1"/>
+                </a:solidFill>
+                <a:effectLst/>
+                <a:latin typeface="+mn-lt"/>
+                <a:ea typeface="+mn-ea"/>
+                <a:cs typeface="+mn-cs"/>
+              </a:rPr>
+              <a:t>anguage). The new language extended Hopper's FLOW-MATIC language with some ideas from the </a:t>
+            </a:r>
+            <a:r>
+              <a:rPr lang="en-GB" sz="1200" b="0" i="0" u="none" strike="noStrike" kern="1200" dirty="0">
+                <a:solidFill>
+                  <a:schemeClr val="tx1"/>
+                </a:solidFill>
+                <a:effectLst/>
+                <a:latin typeface="+mn-lt"/>
+                <a:ea typeface="+mn-ea"/>
+                <a:cs typeface="+mn-cs"/>
+                <a:hlinkClick r:id="rId48" tooltip="IBM"/>
+              </a:rPr>
+              <a:t>IBM</a:t>
+            </a:r>
+            <a:r>
+              <a:rPr lang="en-GB" sz="1200" b="0" i="0" kern="1200" dirty="0">
+                <a:solidFill>
+                  <a:schemeClr val="tx1"/>
+                </a:solidFill>
+                <a:effectLst/>
+                <a:latin typeface="+mn-lt"/>
+                <a:ea typeface="+mn-ea"/>
+                <a:cs typeface="+mn-cs"/>
+              </a:rPr>
+              <a:t> equivalent, </a:t>
+            </a:r>
+            <a:r>
+              <a:rPr lang="en-GB" sz="1200" b="0" i="0" u="none" strike="noStrike" kern="1200" dirty="0">
+                <a:solidFill>
+                  <a:schemeClr val="tx1"/>
+                </a:solidFill>
+                <a:effectLst/>
+                <a:latin typeface="+mn-lt"/>
+                <a:ea typeface="+mn-ea"/>
+                <a:cs typeface="+mn-cs"/>
+                <a:hlinkClick r:id="rId49" tooltip="COMTRAN"/>
+              </a:rPr>
+              <a:t>COMTRAN</a:t>
+            </a:r>
+            <a:r>
+              <a:rPr lang="en-GB" sz="1200" b="0" i="0" kern="1200" dirty="0">
+                <a:solidFill>
+                  <a:schemeClr val="tx1"/>
+                </a:solidFill>
+                <a:effectLst/>
+                <a:latin typeface="+mn-lt"/>
+                <a:ea typeface="+mn-ea"/>
+                <a:cs typeface="+mn-cs"/>
+              </a:rPr>
+              <a:t>. Hopper's belief that programs should be written in a language that was close to English (rather than in </a:t>
+            </a:r>
+            <a:r>
+              <a:rPr lang="en-GB" sz="1200" b="0" i="0" u="none" strike="noStrike" kern="1200" dirty="0">
+                <a:solidFill>
+                  <a:schemeClr val="tx1"/>
+                </a:solidFill>
+                <a:effectLst/>
+                <a:latin typeface="+mn-lt"/>
+                <a:ea typeface="+mn-ea"/>
+                <a:cs typeface="+mn-cs"/>
+                <a:hlinkClick r:id="rId50" tooltip="Machine code"/>
+              </a:rPr>
+              <a:t>machine code</a:t>
+            </a:r>
+            <a:r>
+              <a:rPr lang="en-GB" sz="1200" b="0" i="0" kern="1200" dirty="0">
+                <a:solidFill>
+                  <a:schemeClr val="tx1"/>
+                </a:solidFill>
+                <a:effectLst/>
+                <a:latin typeface="+mn-lt"/>
+                <a:ea typeface="+mn-ea"/>
+                <a:cs typeface="+mn-cs"/>
+              </a:rPr>
+              <a:t> or in languages close to machine code, such as </a:t>
+            </a:r>
+            <a:r>
+              <a:rPr lang="en-GB" sz="1200" b="0" i="0" u="none" strike="noStrike" kern="1200" dirty="0">
+                <a:solidFill>
+                  <a:schemeClr val="tx1"/>
+                </a:solidFill>
+                <a:effectLst/>
+                <a:latin typeface="+mn-lt"/>
+                <a:ea typeface="+mn-ea"/>
+                <a:cs typeface="+mn-cs"/>
+                <a:hlinkClick r:id="rId51" tooltip="Assembly language"/>
+              </a:rPr>
+              <a:t>assembly languages</a:t>
+            </a:r>
+            <a:r>
+              <a:rPr lang="en-GB" sz="1200" b="0" i="0" kern="1200" dirty="0">
+                <a:solidFill>
+                  <a:schemeClr val="tx1"/>
+                </a:solidFill>
+                <a:effectLst/>
+                <a:latin typeface="+mn-lt"/>
+                <a:ea typeface="+mn-ea"/>
+                <a:cs typeface="+mn-cs"/>
+              </a:rPr>
+              <a:t>) was captured in the new business language, and COBOL went on to be the most ubiquitous business language to date.</a:t>
+            </a:r>
+            <a:r>
+              <a:rPr lang="en-GB" sz="1200" b="0" i="0" u="none" strike="noStrike" kern="1200" baseline="30000" dirty="0">
+                <a:solidFill>
+                  <a:schemeClr val="tx1"/>
+                </a:solidFill>
+                <a:effectLst/>
+                <a:latin typeface="+mn-lt"/>
+                <a:ea typeface="+mn-ea"/>
+                <a:cs typeface="+mn-cs"/>
+                <a:hlinkClick r:id="rId52"/>
+              </a:rPr>
+              <a:t>[22]</a:t>
+            </a:r>
+            <a:endParaRPr lang="en-GB" sz="1200" b="0" i="0" kern="1200" dirty="0">
+              <a:solidFill>
+                <a:schemeClr val="tx1"/>
+              </a:solidFill>
+              <a:effectLst/>
+              <a:latin typeface="+mn-lt"/>
+              <a:ea typeface="+mn-ea"/>
+              <a:cs typeface="+mn-cs"/>
+            </a:endParaRPr>
+          </a:p>
+          <a:p>
+            <a:r>
+              <a:rPr lang="en-GB" sz="1200" b="0" i="0" kern="1200" dirty="0">
+                <a:solidFill>
+                  <a:schemeClr val="tx1"/>
+                </a:solidFill>
+                <a:effectLst/>
+                <a:latin typeface="+mn-lt"/>
+                <a:ea typeface="+mn-ea"/>
+                <a:cs typeface="+mn-cs"/>
+              </a:rPr>
+              <a:t>From 1967 to 1977, Hopper served as the director of the Navy Programming Languages Group in the Navy's Office of Information Systems Planning and was promoted to the rank of Captain in 1973.</a:t>
+            </a:r>
+            <a:r>
+              <a:rPr lang="en-GB" sz="1200" b="0" i="0" u="none" strike="noStrike" kern="1200" baseline="30000" dirty="0">
+                <a:solidFill>
+                  <a:schemeClr val="tx1"/>
+                </a:solidFill>
+                <a:effectLst/>
+                <a:latin typeface="+mn-lt"/>
+                <a:ea typeface="+mn-ea"/>
+                <a:cs typeface="+mn-cs"/>
+                <a:hlinkClick r:id="rId53"/>
+              </a:rPr>
+              <a:t>[19]</a:t>
+            </a:r>
+            <a:r>
+              <a:rPr lang="en-GB" sz="1200" b="0" i="0" kern="1200" dirty="0">
+                <a:solidFill>
+                  <a:schemeClr val="tx1"/>
+                </a:solidFill>
+                <a:effectLst/>
+                <a:latin typeface="+mn-lt"/>
+                <a:ea typeface="+mn-ea"/>
+                <a:cs typeface="+mn-cs"/>
+              </a:rPr>
+              <a:t> She developed validation software for COBOL and its compiler as part of a COBOL standardization program for the entire Navy.</a:t>
+            </a:r>
+            <a:r>
+              <a:rPr lang="en-GB" sz="1200" b="0" i="0" u="none" strike="noStrike" kern="1200" baseline="30000" dirty="0">
+                <a:solidFill>
+                  <a:schemeClr val="tx1"/>
+                </a:solidFill>
+                <a:effectLst/>
+                <a:latin typeface="+mn-lt"/>
+                <a:ea typeface="+mn-ea"/>
+                <a:cs typeface="+mn-cs"/>
+                <a:hlinkClick r:id="rId53"/>
+              </a:rPr>
+              <a:t>[19]</a:t>
+            </a:r>
+            <a:endParaRPr lang="en-GB" sz="1200" b="0" i="0" kern="1200" dirty="0">
+              <a:solidFill>
+                <a:schemeClr val="tx1"/>
+              </a:solidFill>
+              <a:effectLst/>
+              <a:latin typeface="+mn-lt"/>
+              <a:ea typeface="+mn-ea"/>
+              <a:cs typeface="+mn-cs"/>
+            </a:endParaRPr>
+          </a:p>
+          <a:p>
+            <a:pPr marL="0" marR="0" indent="0" algn="l" defTabSz="914400" rtl="0" eaLnBrk="1" fontAlgn="auto" latinLnBrk="0" hangingPunct="1">
+              <a:lnSpc>
+                <a:spcPct val="100000"/>
+              </a:lnSpc>
+              <a:spcBef>
+                <a:spcPts val="0"/>
+              </a:spcBef>
+              <a:spcAft>
+                <a:spcPts val="0"/>
+              </a:spcAft>
+              <a:buClrTx/>
+              <a:buSzTx/>
+              <a:buFontTx/>
+              <a:buNone/>
+              <a:tabLst/>
+              <a:defRPr/>
+            </a:pPr>
+            <a:endParaRPr lang="en-GB" b="1" dirty="0"/>
+          </a:p>
+          <a:p>
+            <a:pPr marL="0" marR="0" indent="0" algn="l" defTabSz="914400" rtl="0" eaLnBrk="1" fontAlgn="auto" latinLnBrk="0" hangingPunct="1">
+              <a:lnSpc>
+                <a:spcPct val="100000"/>
+              </a:lnSpc>
+              <a:spcBef>
+                <a:spcPts val="0"/>
+              </a:spcBef>
+              <a:spcAft>
+                <a:spcPts val="0"/>
+              </a:spcAft>
+              <a:buClrTx/>
+              <a:buSzTx/>
+              <a:buFontTx/>
+              <a:buNone/>
+              <a:tabLst/>
+              <a:defRPr/>
+            </a:pPr>
+            <a:r>
+              <a:rPr lang="en-GB" b="1" dirty="0"/>
+              <a:t>Dame Stephanie Shirley</a:t>
+            </a:r>
+          </a:p>
+          <a:p>
+            <a:r>
+              <a:rPr lang="en-GB" sz="1200" b="0" i="0" kern="1200" dirty="0">
+                <a:solidFill>
+                  <a:schemeClr val="tx1"/>
+                </a:solidFill>
+                <a:effectLst/>
+                <a:latin typeface="+mn-lt"/>
+                <a:ea typeface="+mn-ea"/>
+                <a:cs typeface="+mn-cs"/>
+              </a:rPr>
+              <a:t>After leaving school Vera decided not to go to university to study biology (the "only science then available to my gender") but instead to seek employment in a mathematics/technical environment.</a:t>
+            </a:r>
+            <a:r>
+              <a:rPr lang="en-GB" sz="1200" b="0" i="0" u="none" strike="noStrike" kern="1200" baseline="30000" dirty="0">
+                <a:solidFill>
+                  <a:schemeClr val="tx1"/>
+                </a:solidFill>
+                <a:effectLst/>
+                <a:latin typeface="+mn-lt"/>
+                <a:ea typeface="+mn-ea"/>
+                <a:cs typeface="+mn-cs"/>
+                <a:hlinkClick r:id="rId54"/>
+              </a:rPr>
+              <a:t>[6]</a:t>
+            </a:r>
+            <a:r>
+              <a:rPr lang="en-GB" sz="1200" b="0" i="0" kern="1200" dirty="0">
+                <a:solidFill>
+                  <a:schemeClr val="tx1"/>
+                </a:solidFill>
+                <a:effectLst/>
+                <a:latin typeface="+mn-lt"/>
+                <a:ea typeface="+mn-ea"/>
+                <a:cs typeface="+mn-cs"/>
+              </a:rPr>
+              <a:t> At the age of 18, she became a British citizen and changed her name to Stephanie Brook.</a:t>
+            </a:r>
+            <a:r>
+              <a:rPr lang="en-GB" sz="1200" b="0" i="0" u="none" strike="noStrike" kern="1200" baseline="30000" dirty="0">
+                <a:solidFill>
+                  <a:schemeClr val="tx1"/>
+                </a:solidFill>
+                <a:effectLst/>
+                <a:latin typeface="+mn-lt"/>
+                <a:ea typeface="+mn-ea"/>
+                <a:cs typeface="+mn-cs"/>
+                <a:hlinkClick r:id="rId54"/>
+              </a:rPr>
+              <a:t>[6]</a:t>
+            </a:r>
+            <a:endParaRPr lang="en-GB" sz="1200" b="0" i="0" kern="1200" dirty="0">
+              <a:solidFill>
+                <a:schemeClr val="tx1"/>
+              </a:solidFill>
+              <a:effectLst/>
+              <a:latin typeface="+mn-lt"/>
+              <a:ea typeface="+mn-ea"/>
+              <a:cs typeface="+mn-cs"/>
+            </a:endParaRPr>
+          </a:p>
+          <a:p>
+            <a:r>
+              <a:rPr lang="en-GB" sz="1200" b="0" i="0" kern="1200" dirty="0">
+                <a:solidFill>
+                  <a:schemeClr val="tx1"/>
+                </a:solidFill>
+                <a:effectLst/>
+                <a:latin typeface="+mn-lt"/>
+                <a:ea typeface="+mn-ea"/>
+                <a:cs typeface="+mn-cs"/>
+              </a:rPr>
+              <a:t>In the 1950s, Shirley worked at the </a:t>
+            </a:r>
+            <a:r>
+              <a:rPr lang="en-GB" sz="1200" b="0" i="0" u="none" strike="noStrike" kern="1200" dirty="0">
+                <a:solidFill>
+                  <a:schemeClr val="tx1"/>
+                </a:solidFill>
+                <a:effectLst/>
+                <a:latin typeface="+mn-lt"/>
+                <a:ea typeface="+mn-ea"/>
+                <a:cs typeface="+mn-cs"/>
+                <a:hlinkClick r:id="rId55" tooltip="Post Office Research Station"/>
+              </a:rPr>
+              <a:t>Post Office Research Station</a:t>
+            </a:r>
+            <a:r>
+              <a:rPr lang="en-GB" sz="1200" b="0" i="0" kern="1200" dirty="0">
+                <a:solidFill>
+                  <a:schemeClr val="tx1"/>
+                </a:solidFill>
+                <a:effectLst/>
+                <a:latin typeface="+mn-lt"/>
+                <a:ea typeface="+mn-ea"/>
+                <a:cs typeface="+mn-cs"/>
+              </a:rPr>
+              <a:t> at Dollis Hill, building computers from scratch and writing code in </a:t>
+            </a:r>
+            <a:r>
+              <a:rPr lang="en-GB" sz="1200" b="0" i="0" u="none" strike="noStrike" kern="1200" dirty="0">
+                <a:solidFill>
+                  <a:schemeClr val="tx1"/>
+                </a:solidFill>
+                <a:effectLst/>
+                <a:latin typeface="+mn-lt"/>
+                <a:ea typeface="+mn-ea"/>
+                <a:cs typeface="+mn-cs"/>
+                <a:hlinkClick r:id="rId56" tooltip="Machine language"/>
+              </a:rPr>
+              <a:t>machine language</a:t>
+            </a:r>
+            <a:r>
+              <a:rPr lang="en-GB" sz="1200" b="0" i="0" kern="1200" dirty="0">
+                <a:solidFill>
+                  <a:schemeClr val="tx1"/>
+                </a:solidFill>
+                <a:effectLst/>
+                <a:latin typeface="+mn-lt"/>
+                <a:ea typeface="+mn-ea"/>
+                <a:cs typeface="+mn-cs"/>
+              </a:rPr>
+              <a:t>.</a:t>
+            </a:r>
+            <a:r>
+              <a:rPr lang="en-GB" sz="1200" b="0" i="0" u="none" strike="noStrike" kern="1200" baseline="30000" dirty="0">
+                <a:solidFill>
+                  <a:schemeClr val="tx1"/>
+                </a:solidFill>
+                <a:effectLst/>
+                <a:latin typeface="+mn-lt"/>
+                <a:ea typeface="+mn-ea"/>
+                <a:cs typeface="+mn-cs"/>
+                <a:hlinkClick r:id="rId57"/>
+              </a:rPr>
+              <a:t>[7]</a:t>
+            </a:r>
+            <a:r>
+              <a:rPr lang="en-GB" sz="1200" b="0" i="0" kern="1200" dirty="0">
+                <a:solidFill>
+                  <a:schemeClr val="tx1"/>
+                </a:solidFill>
+                <a:effectLst/>
+                <a:latin typeface="+mn-lt"/>
+                <a:ea typeface="+mn-ea"/>
+                <a:cs typeface="+mn-cs"/>
+              </a:rPr>
+              <a:t> She took evening classes for six years to obtain a degree in mathematics. In 1959, she moved to CDL Ltd, manufacturers of the </a:t>
+            </a:r>
+            <a:r>
+              <a:rPr lang="en-GB" sz="1200" b="0" i="0" u="none" strike="noStrike" kern="1200" dirty="0">
+                <a:solidFill>
+                  <a:schemeClr val="tx1"/>
+                </a:solidFill>
+                <a:effectLst/>
+                <a:latin typeface="+mn-lt"/>
+                <a:ea typeface="+mn-ea"/>
+                <a:cs typeface="+mn-cs"/>
+                <a:hlinkClick r:id="rId58" tooltip="ICT 1301"/>
+              </a:rPr>
+              <a:t>ICT 1301</a:t>
+            </a:r>
+            <a:r>
+              <a:rPr lang="en-GB" sz="1200" b="0" i="0" kern="1200" dirty="0">
+                <a:solidFill>
+                  <a:schemeClr val="tx1"/>
+                </a:solidFill>
+                <a:effectLst/>
+                <a:latin typeface="+mn-lt"/>
+                <a:ea typeface="+mn-ea"/>
+                <a:cs typeface="+mn-cs"/>
+              </a:rPr>
+              <a:t> computer.</a:t>
+            </a:r>
+          </a:p>
+          <a:p>
+            <a:r>
+              <a:rPr lang="en-GB" sz="1200" b="0" i="0" kern="1200" dirty="0">
+                <a:solidFill>
+                  <a:schemeClr val="tx1"/>
+                </a:solidFill>
+                <a:effectLst/>
+                <a:latin typeface="+mn-lt"/>
+                <a:ea typeface="+mn-ea"/>
+                <a:cs typeface="+mn-cs"/>
+              </a:rPr>
+              <a:t>In 1962, Shirley founded, with a capital of £6, the software company </a:t>
+            </a:r>
+            <a:r>
+              <a:rPr lang="en-GB" sz="1200" b="0" i="0" u="none" strike="noStrike" kern="1200" dirty="0">
+                <a:solidFill>
+                  <a:schemeClr val="tx1"/>
+                </a:solidFill>
+                <a:effectLst/>
+                <a:latin typeface="+mn-lt"/>
+                <a:ea typeface="+mn-ea"/>
+                <a:cs typeface="+mn-cs"/>
+                <a:hlinkClick r:id="rId59" tooltip="Xansa"/>
+              </a:rPr>
+              <a:t>Freelance Programmers</a:t>
+            </a:r>
+            <a:r>
+              <a:rPr lang="en-GB" sz="1200" b="0" i="0" kern="1200" dirty="0">
+                <a:solidFill>
+                  <a:schemeClr val="tx1"/>
+                </a:solidFill>
+                <a:effectLst/>
+                <a:latin typeface="+mn-lt"/>
+                <a:ea typeface="+mn-ea"/>
+                <a:cs typeface="+mn-cs"/>
+              </a:rPr>
+              <a:t>,</a:t>
+            </a:r>
+            <a:r>
+              <a:rPr lang="en-GB" sz="1200" b="0" i="0" u="none" strike="noStrike" kern="1200" baseline="30000" dirty="0">
+                <a:solidFill>
+                  <a:schemeClr val="tx1"/>
+                </a:solidFill>
+                <a:effectLst/>
+                <a:latin typeface="+mn-lt"/>
+                <a:ea typeface="+mn-ea"/>
+                <a:cs typeface="+mn-cs"/>
+                <a:hlinkClick r:id="rId60"/>
+              </a:rPr>
+              <a:t>[3]</a:t>
+            </a:r>
+            <a:r>
+              <a:rPr lang="en-GB" sz="1200" b="0" i="0" kern="1200" dirty="0">
+                <a:solidFill>
+                  <a:schemeClr val="tx1"/>
+                </a:solidFill>
+                <a:effectLst/>
+                <a:latin typeface="+mn-lt"/>
+                <a:ea typeface="+mn-ea"/>
+                <a:cs typeface="+mn-cs"/>
+              </a:rPr>
+              <a:t> (later </a:t>
+            </a:r>
+            <a:r>
+              <a:rPr lang="en-GB" sz="1200" b="0" i="0" u="none" strike="noStrike" kern="1200" dirty="0">
+                <a:solidFill>
+                  <a:schemeClr val="tx1"/>
+                </a:solidFill>
+                <a:effectLst/>
+                <a:latin typeface="+mn-lt"/>
+                <a:ea typeface="+mn-ea"/>
+                <a:cs typeface="+mn-cs"/>
+                <a:hlinkClick r:id="rId59" tooltip="Xansa"/>
+              </a:rPr>
+              <a:t>Xansa</a:t>
+            </a:r>
+            <a:r>
+              <a:rPr lang="en-GB" sz="1200" b="0" i="0" kern="1200" dirty="0">
+                <a:solidFill>
+                  <a:schemeClr val="tx1"/>
+                </a:solidFill>
+                <a:effectLst/>
+                <a:latin typeface="+mn-lt"/>
+                <a:ea typeface="+mn-ea"/>
+                <a:cs typeface="+mn-cs"/>
+              </a:rPr>
+              <a:t> since acquired by </a:t>
+            </a:r>
+            <a:r>
+              <a:rPr lang="en-GB" sz="1200" b="0" i="0" u="none" strike="noStrike" kern="1200" dirty="0" err="1">
+                <a:solidFill>
+                  <a:schemeClr val="tx1"/>
+                </a:solidFill>
+                <a:effectLst/>
+                <a:latin typeface="+mn-lt"/>
+                <a:ea typeface="+mn-ea"/>
+                <a:cs typeface="+mn-cs"/>
+                <a:hlinkClick r:id="rId61" tooltip="Steria"/>
+              </a:rPr>
+              <a:t>Steria</a:t>
+            </a:r>
+            <a:r>
+              <a:rPr lang="en-GB" sz="1200" b="0" i="0" kern="1200" dirty="0">
+                <a:solidFill>
+                  <a:schemeClr val="tx1"/>
+                </a:solidFill>
+                <a:effectLst/>
+                <a:latin typeface="+mn-lt"/>
+                <a:ea typeface="+mn-ea"/>
+                <a:cs typeface="+mn-cs"/>
+              </a:rPr>
+              <a:t> and now part of the </a:t>
+            </a:r>
+            <a:r>
+              <a:rPr lang="en-GB" sz="1200" b="0" i="0" kern="1200" dirty="0" err="1">
+                <a:solidFill>
+                  <a:schemeClr val="tx1"/>
+                </a:solidFill>
+                <a:effectLst/>
+                <a:latin typeface="+mn-lt"/>
+                <a:ea typeface="+mn-ea"/>
+                <a:cs typeface="+mn-cs"/>
+              </a:rPr>
+              <a:t>Sopra</a:t>
+            </a:r>
+            <a:r>
+              <a:rPr lang="en-GB" sz="1200" b="0" i="0" kern="1200" dirty="0">
+                <a:solidFill>
+                  <a:schemeClr val="tx1"/>
+                </a:solidFill>
+                <a:effectLst/>
+                <a:latin typeface="+mn-lt"/>
+                <a:ea typeface="+mn-ea"/>
+                <a:cs typeface="+mn-cs"/>
+              </a:rPr>
+              <a:t> </a:t>
+            </a:r>
+            <a:r>
+              <a:rPr lang="en-GB" sz="1200" b="0" i="0" kern="1200" dirty="0" err="1">
+                <a:solidFill>
+                  <a:schemeClr val="tx1"/>
+                </a:solidFill>
+                <a:effectLst/>
+                <a:latin typeface="+mn-lt"/>
+                <a:ea typeface="+mn-ea"/>
+                <a:cs typeface="+mn-cs"/>
+              </a:rPr>
+              <a:t>Steria</a:t>
+            </a:r>
+            <a:r>
+              <a:rPr lang="en-GB" sz="1200" b="0" i="0" kern="1200" dirty="0">
+                <a:solidFill>
+                  <a:schemeClr val="tx1"/>
+                </a:solidFill>
+                <a:effectLst/>
+                <a:latin typeface="+mn-lt"/>
+                <a:ea typeface="+mn-ea"/>
+                <a:cs typeface="+mn-cs"/>
+              </a:rPr>
+              <a:t> Group). She wanted to create job opportunities for women with dependents, and predominantly employed women, with only 3 male programmers of a total of over 300,</a:t>
+            </a:r>
+            <a:r>
+              <a:rPr lang="en-GB" sz="1200" b="0" i="0" u="none" strike="noStrike" kern="1200" baseline="30000" dirty="0">
+                <a:solidFill>
+                  <a:schemeClr val="tx1"/>
+                </a:solidFill>
+                <a:effectLst/>
+                <a:latin typeface="+mn-lt"/>
+                <a:ea typeface="+mn-ea"/>
+                <a:cs typeface="+mn-cs"/>
+                <a:hlinkClick r:id="rId62"/>
+              </a:rPr>
+              <a:t>[8]</a:t>
+            </a:r>
+            <a:r>
+              <a:rPr lang="en-GB" sz="1200" b="0" i="0" kern="1200" dirty="0">
+                <a:solidFill>
+                  <a:schemeClr val="tx1"/>
+                </a:solidFill>
+                <a:effectLst/>
+                <a:latin typeface="+mn-lt"/>
+                <a:ea typeface="+mn-ea"/>
+                <a:cs typeface="+mn-cs"/>
+              </a:rPr>
+              <a:t> until the </a:t>
+            </a:r>
+            <a:r>
+              <a:rPr lang="en-GB" sz="1200" b="0" i="0" u="none" strike="noStrike" kern="1200" dirty="0">
+                <a:solidFill>
+                  <a:schemeClr val="tx1"/>
+                </a:solidFill>
+                <a:effectLst/>
+                <a:latin typeface="+mn-lt"/>
+                <a:ea typeface="+mn-ea"/>
+                <a:cs typeface="+mn-cs"/>
+                <a:hlinkClick r:id="rId63" tooltip="Sex Discrimination Act 1975"/>
+              </a:rPr>
+              <a:t>Sex Discrimination Act 1975</a:t>
+            </a:r>
+            <a:r>
+              <a:rPr lang="en-GB" sz="1200" b="0" i="0" kern="1200" dirty="0">
+                <a:solidFill>
+                  <a:schemeClr val="tx1"/>
+                </a:solidFill>
+                <a:effectLst/>
+                <a:latin typeface="+mn-lt"/>
+                <a:ea typeface="+mn-ea"/>
+                <a:cs typeface="+mn-cs"/>
+              </a:rPr>
+              <a:t> made that practice illegal. She adopted the </a:t>
+            </a:r>
+            <a:r>
+              <a:rPr lang="en-GB" sz="1200" b="0" i="0" kern="1200" dirty="0" err="1">
+                <a:solidFill>
+                  <a:schemeClr val="tx1"/>
+                </a:solidFill>
+                <a:effectLst/>
+                <a:latin typeface="+mn-lt"/>
+                <a:ea typeface="+mn-ea"/>
+                <a:cs typeface="+mn-cs"/>
+              </a:rPr>
+              <a:t>name,</a:t>
+            </a:r>
+            <a:r>
+              <a:rPr lang="en-GB" sz="1200" b="0" i="1" kern="1200" dirty="0" err="1">
+                <a:solidFill>
+                  <a:schemeClr val="tx1"/>
+                </a:solidFill>
+                <a:effectLst/>
+                <a:latin typeface="+mn-lt"/>
+                <a:ea typeface="+mn-ea"/>
+                <a:cs typeface="+mn-cs"/>
+              </a:rPr>
+              <a:t>Steve</a:t>
+            </a:r>
+            <a:r>
+              <a:rPr lang="en-GB" sz="1200" b="0" i="0" kern="1200" dirty="0">
+                <a:solidFill>
+                  <a:schemeClr val="tx1"/>
+                </a:solidFill>
+                <a:effectLst/>
+                <a:latin typeface="+mn-lt"/>
+                <a:ea typeface="+mn-ea"/>
+                <a:cs typeface="+mn-cs"/>
+              </a:rPr>
+              <a:t>, to help her in the male-dominated business world.</a:t>
+            </a:r>
+            <a:r>
+              <a:rPr lang="en-GB" sz="1200" b="0" i="0" u="none" strike="noStrike" kern="1200" baseline="30000" dirty="0">
+                <a:solidFill>
+                  <a:schemeClr val="tx1"/>
+                </a:solidFill>
+                <a:effectLst/>
+                <a:latin typeface="+mn-lt"/>
+                <a:ea typeface="+mn-ea"/>
+                <a:cs typeface="+mn-cs"/>
+                <a:hlinkClick r:id="rId64"/>
+              </a:rPr>
+              <a:t>[9]</a:t>
+            </a:r>
+            <a:r>
+              <a:rPr lang="en-GB" sz="1200" b="0" i="0" kern="1200" dirty="0">
+                <a:solidFill>
+                  <a:schemeClr val="tx1"/>
+                </a:solidFill>
+                <a:effectLst/>
+                <a:latin typeface="+mn-lt"/>
+                <a:ea typeface="+mn-ea"/>
+                <a:cs typeface="+mn-cs"/>
+              </a:rPr>
+              <a:t> Her team's projects included programming </a:t>
+            </a:r>
+            <a:r>
+              <a:rPr lang="en-GB" sz="1200" b="0" i="0" u="none" strike="noStrike" kern="1200" dirty="0">
+                <a:solidFill>
+                  <a:schemeClr val="tx1"/>
+                </a:solidFill>
+                <a:effectLst/>
+                <a:latin typeface="+mn-lt"/>
+                <a:ea typeface="+mn-ea"/>
+                <a:cs typeface="+mn-cs"/>
+                <a:hlinkClick r:id="rId65" tooltip="Concorde"/>
+              </a:rPr>
+              <a:t>Concorde</a:t>
+            </a:r>
+            <a:r>
+              <a:rPr lang="en-GB" sz="1200" b="0" i="0" kern="1200" dirty="0">
+                <a:solidFill>
+                  <a:schemeClr val="tx1"/>
+                </a:solidFill>
+                <a:effectLst/>
+                <a:latin typeface="+mn-lt"/>
+                <a:ea typeface="+mn-ea"/>
+                <a:cs typeface="+mn-cs"/>
+              </a:rPr>
+              <a:t>'s black box flight recorder.</a:t>
+            </a:r>
+            <a:r>
+              <a:rPr lang="en-GB" sz="1200" b="0" i="0" u="none" strike="noStrike" kern="1200" baseline="30000" dirty="0">
+                <a:solidFill>
+                  <a:schemeClr val="tx1"/>
+                </a:solidFill>
+                <a:effectLst/>
+                <a:latin typeface="+mn-lt"/>
+                <a:ea typeface="+mn-ea"/>
+                <a:cs typeface="+mn-cs"/>
+                <a:hlinkClick r:id="rId66"/>
+              </a:rPr>
+              <a:t>[1]</a:t>
+            </a:r>
+            <a:r>
+              <a:rPr lang="en-GB" sz="1200" b="0" i="0" u="none" strike="noStrike" kern="1200" baseline="30000" dirty="0">
+                <a:solidFill>
+                  <a:schemeClr val="tx1"/>
+                </a:solidFill>
+                <a:effectLst/>
+                <a:latin typeface="+mn-lt"/>
+                <a:ea typeface="+mn-ea"/>
+                <a:cs typeface="+mn-cs"/>
+                <a:hlinkClick r:id="rId67"/>
+              </a:rPr>
+              <a:t>[10]</a:t>
+            </a:r>
+            <a:endParaRPr lang="en-GB" sz="1200" b="0" i="0" kern="1200" dirty="0">
+              <a:solidFill>
+                <a:schemeClr val="tx1"/>
+              </a:solidFill>
+              <a:effectLst/>
+              <a:latin typeface="+mn-lt"/>
+              <a:ea typeface="+mn-ea"/>
+              <a:cs typeface="+mn-cs"/>
+            </a:endParaRPr>
+          </a:p>
+          <a:p>
+            <a:r>
+              <a:rPr lang="en-GB" sz="1200" b="0" i="0" kern="1200" dirty="0">
                 <a:solidFill>
                   <a:schemeClr val="tx1"/>
                 </a:solidFill>
@@ -3233,6 +3587,115 @@
                 <a:cs typeface="+mn-cs"/>
               </a:rPr>
               <a:t>Shirley retired in 1993 at the age of 60 and has since focused on her philanthropy.</a:t>
+            </a:r>
+          </a:p>
+          <a:p>
+            <a:endParaRPr lang="en-GB" sz="1200" b="0" i="0" kern="1200" dirty="0">
+              <a:solidFill>
+                <a:schemeClr val="tx1"/>
+              </a:solidFill>
+              <a:effectLst/>
+              <a:latin typeface="+mn-lt"/>
+              <a:ea typeface="+mn-ea"/>
+              <a:cs typeface="+mn-cs"/>
+            </a:endParaRPr>
+          </a:p>
+          <a:p>
+            <a:r>
+              <a:rPr lang="en-GB" sz="1200" b="1" i="0" kern="1200" dirty="0">
+                <a:solidFill>
+                  <a:schemeClr val="tx1"/>
+                </a:solidFill>
+                <a:effectLst/>
+                <a:latin typeface="+mn-lt"/>
+                <a:ea typeface="+mn-ea"/>
+                <a:cs typeface="+mn-cs"/>
+              </a:rPr>
+              <a:t>Margaret</a:t>
+            </a:r>
+            <a:r>
+              <a:rPr lang="en-GB" sz="1200" b="1" i="0" kern="1200" baseline="0" dirty="0">
+                <a:solidFill>
+                  <a:schemeClr val="tx1"/>
+                </a:solidFill>
+                <a:effectLst/>
+                <a:latin typeface="+mn-lt"/>
+                <a:ea typeface="+mn-ea"/>
+                <a:cs typeface="+mn-cs"/>
+              </a:rPr>
+              <a:t> Hamilton</a:t>
+            </a:r>
+          </a:p>
+          <a:p>
+            <a:r>
+              <a:rPr lang="en-GB" dirty="0"/>
+              <a:t>Margaret H. Hamilton led the team that created the on-board flight software for NASA's Apollo command modules and lunar modules. A mathematician and computer scientist who started her own software company, Hamilton contributed to concepts of asynchronous software, priority scheduling and priority displays, and human-in-the-loop decision capability, which set the foundation for modern, ultra-reliable software design and engineering.</a:t>
+            </a:r>
+          </a:p>
+          <a:p>
+            <a:r>
+              <a:rPr lang="en-GB" sz="1200" b="0" i="0" kern="1200" dirty="0">
+                <a:solidFill>
+                  <a:schemeClr val="tx1"/>
+                </a:solidFill>
+                <a:effectLst/>
+                <a:latin typeface="+mn-lt"/>
+                <a:ea typeface="+mn-ea"/>
+                <a:cs typeface="+mn-cs"/>
+              </a:rPr>
+              <a:t>http://arstechnica.com/tech-policy/2016/11/top-apollo-era-navy-computer-scientists-receive-presidential-medal-of-freedom/</a:t>
+            </a:r>
+          </a:p>
+          <a:p>
+            <a:endParaRPr lang="en-GB" sz="1200" b="0" i="0" kern="1200" dirty="0">
+              <a:solidFill>
+                <a:schemeClr val="tx1"/>
+              </a:solidFill>
+              <a:effectLst/>
+              <a:latin typeface="+mn-lt"/>
+              <a:ea typeface="+mn-ea"/>
+              <a:cs typeface="+mn-cs"/>
+            </a:endParaRPr>
+          </a:p>
+          <a:p>
+            <a:r>
+              <a:rPr lang="en-GB" sz="1200" b="1" i="0" kern="1200" dirty="0">
+                <a:solidFill>
+                  <a:schemeClr val="tx1"/>
+                </a:solidFill>
+                <a:effectLst/>
+                <a:latin typeface="+mn-lt"/>
+                <a:ea typeface="+mn-ea"/>
+                <a:cs typeface="+mn-cs"/>
+              </a:rPr>
+              <a:t>Martha Lane Fox</a:t>
+            </a:r>
+          </a:p>
+          <a:p>
+            <a:r>
+              <a:rPr lang="en-US" sz="1200" b="0" i="0" kern="1200" dirty="0">
+                <a:solidFill>
+                  <a:schemeClr val="tx1"/>
+                </a:solidFill>
+                <a:effectLst/>
+                <a:latin typeface="+mn-lt"/>
+                <a:ea typeface="+mn-ea"/>
+                <a:cs typeface="+mn-cs"/>
+              </a:rPr>
+              <a:t>Martha Lane Fox, Baroness Lane-Fox of Soho, CBE is a British businesswoman, philanthropist, and public servant. Lane Fox co-founded Lastminute.com in the dotcom boom of the early 2000s and has subsequently served on public service digital projects. </a:t>
+            </a:r>
+            <a:r>
+              <a:rPr lang="en-US" sz="1200" b="0" i="0" u="none" strike="noStrike" kern="1200" dirty="0">
+                <a:solidFill>
+                  <a:schemeClr val="tx1"/>
+                </a:solidFill>
+                <a:effectLst/>
+                <a:latin typeface="+mn-lt"/>
+                <a:ea typeface="+mn-ea"/>
+                <a:cs typeface="+mn-cs"/>
+                <a:hlinkClick r:id="rId68"/>
+              </a:rPr>
+              <a:t>Wikipedia</a:t>
             </a:r>
             <a:endParaRPr lang="en-GB" sz="1200" b="0" i="0" kern="1200" dirty="0">
               <a:solidFill>
@@ -3327,23 +3790,23 @@
           <a:lstStyle/>
           <a:p>
             <a:r>
-              <a:rPr lang="en-GB" dirty="0" smtClean="0"/>
+              <a:rPr lang="en-GB" dirty="0"/>
               <a:t>You are going to need IT skills</a:t>
             </a:r>
           </a:p>
           <a:p>
             <a:r>
-              <a:rPr lang="en-GB" dirty="0" smtClean="0"/>
+              <a:rPr lang="en-GB" dirty="0"/>
               <a:t>But don’t just be a</a:t>
             </a:r>
             <a:r>
-              <a:rPr lang="en-GB" baseline="0" dirty="0" smtClean="0"/>
+              <a:rPr lang="en-GB" baseline="0" dirty="0"/>
               <a:t> consumer</a:t>
             </a:r>
           </a:p>
           <a:p>
             <a:r>
-              <a:rPr lang="en-GB" baseline="0" dirty="0" smtClean="0"/>
+              <a:rPr lang="en-GB" baseline="0" dirty="0"/>
               <a:t>Learn the basics of coding so you can contribute</a:t>
             </a:r>
             <a:endParaRPr lang="en-GB" dirty="0"/>
@@ -3486,7 +3949,7 @@
           </a:lstStyle>
           <a:p>
             <a:r>
-              <a:rPr lang="en-US" smtClean="0"/>
+              <a:rPr lang="en-US"/>
               <a:t>Click to edit Master title style</a:t>
             </a:r>
             <a:endParaRPr lang="en-GB"/>
@@ -3604,7 +4067,7 @@
           <a:p>
             <a:pPr lvl="0"/>
             <a:r>
-              <a:rPr lang="en-US" smtClean="0"/>
+              <a:rPr lang="en-US"/>
               <a:t>Edit Master text styles</a:t>
             </a:r>
           </a:p>
@@ -3648,13 +4111,6 @@
   <p:clrMapOvr>
     <a:masterClrMapping/>
   </p:clrMapOvr>
-  <p:timing>
-    <p:tnLst>
-      <p:par>
-        <p:cTn id="1" dur="indefinite" restart="never" nodeType="tmRoot"/>
-      </p:par>
-    </p:tnLst>
-  </p:timing>
 </p:sldLayout>
 </file>
 
@@ -3696,7 +4152,7 @@
           <a:lstStyle/>
           <a:p>
             <a:r>
-              <a:rPr lang="en-US" smtClean="0"/>
+              <a:rPr lang="en-US"/>
               <a:t>Click to edit Master title style</a:t>
             </a:r>
             <a:endParaRPr lang="en-GB"/>
@@ -3762,7 +4218,7 @@
           <a:p>
             <a:pPr lvl="0"/>
             <a:r>
-              <a:rPr lang="en-US" smtClean="0"/>
+              <a:rPr lang="en-US"/>
               <a:t>Edit Master text styles</a:t>
             </a:r>
           </a:p>
@@ -3790,35 +4246,35 @@
           <a:p>
             <a:pPr lvl="0"/>
             <a:r>
-              <a:rPr lang="en-US" smtClean="0"/>
+              <a:rPr lang="en-US"/>
               <a:t>Edit Master text styles</a:t>
             </a:r>
           </a:p>
           <a:p>
             <a:pPr lvl="1"/>
             <a:r>
-              <a:rPr lang="en-US" smtClean="0"/>
+              <a:rPr lang="en-US"/>
               <a:t>Second level</a:t>
             </a:r>
           </a:p>
           <a:p>
             <a:pPr lvl="2"/>
             <a:r>
-              <a:rPr lang="en-US" smtClean="0"/>
+              <a:rPr lang="en-US"/>
               <a:t>Third level</a:t>
             </a:r>
           </a:p>
           <a:p>
             <a:pPr lvl="3"/>
             <a:r>
-              <a:rPr lang="en-US" smtClean="0"/>
+              <a:rPr lang="en-US"/>
               <a:t>Fourth level</a:t>
             </a:r>
           </a:p>
           <a:p>
             <a:pPr lvl="4"/>
             <a:r>
-              <a:rPr lang="en-US" smtClean="0"/>
+              <a:rPr lang="en-US"/>
               <a:t>Fifth level</a:t>
             </a:r>
             <a:endParaRPr lang="en-GB"/>
@@ -3884,7 +4340,7 @@
           <a:p>
             <a:pPr lvl="0"/>
             <a:r>
-              <a:rPr lang="en-US" smtClean="0"/>
+              <a:rPr lang="en-US"/>
               <a:t>Edit Master text styles</a:t>
             </a:r>
           </a:p>
@@ -3912,35 +4368,35 @@
           <a:p>
             <a:pPr lvl="0"/>
             <a:r>
-              <a:rPr lang="en-US" smtClean="0"/>
+              <a:rPr lang="en-US"/>
               <a:t>Edit Master text styles</a:t>
             </a:r>
           </a:p>
           <a:p>
             <a:pPr lvl="1"/>
             <a:r>
-              <a:rPr lang="en-US" smtClean="0"/>
+              <a:rPr lang="en-US"/>
               <a:t>Second level</a:t>
             </a:r>
           </a:p>
           <a:p>
             <a:pPr lvl="2"/>
             <a:r>
-              <a:rPr lang="en-US" smtClean="0"/>
+              <a:rPr lang="en-US"/>
               <a:t>Third level</a:t>
             </a:r>
           </a:p>
           <a:p>
             <a:pPr lvl="3"/>
             <a:r>
-              <a:rPr lang="en-US" smtClean="0"/>
+              <a:rPr lang="en-US"/>
               <a:t>Fourth level</a:t>
             </a:r>
           </a:p>
           <a:p>
             <a:pPr lvl="4"/>
             <a:r>
-              <a:rPr lang="en-US" smtClean="0"/>
+              <a:rPr lang="en-US"/>
               <a:t>Fifth level</a:t>
             </a:r>
             <a:endParaRPr lang="en-GB"/>
@@ -3993,7 +4449,7 @@
           <a:lstStyle/>
           <a:p>
             <a:r>
-              <a:rPr lang="en-US" smtClean="0"/>
+              <a:rPr lang="en-US"/>
               <a:t>Click to edit Master title style</a:t>
             </a:r>
             <a:endParaRPr lang="en-GB"/>
@@ -4010,13 +4466,6 @@
   <p:clrMapOvr>
     <a:masterClrMapping/>
   </p:clrMapOvr>
-  <p:timing>
-    <p:tnLst>
-      <p:par>
-        <p:cTn id="1" dur="indefinite" restart="never" nodeType="tmRoot"/>
-      </p:par>
-    </p:tnLst>
-  </p:timing>
 </p:sldLayout>
 </file>
 
@@ -4047,13 +4496,6 @@
   <p:clrMapOvr>
     <a:masterClrMapping/>
   </p:clrMapOvr>
-  <p:timing>
-    <p:tnLst>
-      <p:par>
-        <p:cTn id="1" dur="indefinite" restart="never" nodeType="tmRoot"/>
-      </p:par>
-    </p:tnLst>
-  </p:timing>
 </p:sldLayout>
 </file>
 
@@ -4363,13 +4805,6 @@
   <p:clrMapOvr>
     <a:masterClrMapping/>
   </p:clrMapOvr>
-  <p:timing>
-    <p:tnLst>
-      <p:par>
-        <p:cTn id="1" dur="indefinite" restart="never" nodeType="tmRoot"/>
-      </p:par>
-    </p:tnLst>
-  </p:timing>
 </p:sldLayout>
 </file>
 
@@ -4441,14 +4876,11 @@
           <a:lstStyle/>
           <a:p>
             <a:r>
-              <a:rPr lang="en-GB" sz="1800" dirty="0" smtClean="0">
+              <a:rPr lang="en-GB" sz="1800" dirty="0">
                 <a:latin typeface="Segoe UI Light" pitchFamily="34" charset="0"/>
               </a:rPr>
               <a:t>blogs.blackmarble.co.uk</a:t>
             </a:r>
-            <a:endParaRPr lang="en-GB" sz="1800" dirty="0">
-              <a:latin typeface="Segoe UI Light" pitchFamily="34" charset="0"/>
-            </a:endParaRPr>
           </a:p>
         </p:txBody>
       </p:sp>
@@ -4475,14 +4907,11 @@
           <a:lstStyle/>
           <a:p>
             <a:r>
-              <a:rPr lang="en-GB" sz="1800" dirty="0" smtClean="0">
+              <a:rPr lang="en-GB" sz="1800" dirty="0">
                 <a:latin typeface="Segoe UI Light" pitchFamily="34" charset="0"/>
               </a:rPr>
               <a:t>+44 (0)1274 300175</a:t>
             </a:r>
-            <a:endParaRPr lang="en-GB" sz="1800" dirty="0">
-              <a:latin typeface="Segoe UI Light" pitchFamily="34" charset="0"/>
-            </a:endParaRPr>
           </a:p>
         </p:txBody>
       </p:sp>
@@ -4509,13 +4938,13 @@
           <a:lstStyle/>
           <a:p>
             <a:r>
-              <a:rPr lang="en-GB" sz="1800" dirty="0" smtClean="0">
+              <a:rPr lang="en-GB" sz="1800" dirty="0">
                 <a:latin typeface="Segoe UI Light" pitchFamily="34" charset="0"/>
               </a:rPr>
               <a:t>@</a:t>
             </a:r>
             <a:r>
-              <a:rPr lang="en-GB" sz="1800" dirty="0" err="1" smtClean="0">
+              <a:rPr lang="en-GB" sz="1800" dirty="0" err="1">
                 <a:latin typeface="Segoe UI Light" pitchFamily="34" charset="0"/>
               </a:rPr>
               <a:t>blackmarble</a:t>
@@ -4549,14 +4978,11 @@
           <a:lstStyle/>
           <a:p>
             <a:r>
-              <a:rPr lang="en-GB" sz="1800" dirty="0" smtClean="0">
+              <a:rPr lang="en-GB" sz="1800" dirty="0">
                 <a:latin typeface="Segoe UI Light" pitchFamily="34" charset="0"/>
               </a:rPr>
               <a:t>Black Marble Ltd.</a:t>
             </a:r>
-            <a:endParaRPr lang="en-GB" sz="1800" dirty="0">
-              <a:latin typeface="Segoe UI Light" pitchFamily="34" charset="0"/>
-            </a:endParaRPr>
           </a:p>
         </p:txBody>
       </p:sp>
@@ -4583,14 +5009,11 @@
           <a:lstStyle/>
           <a:p>
             <a:r>
-              <a:rPr lang="en-GB" sz="1800" dirty="0" smtClean="0">
+              <a:rPr lang="en-GB" sz="1800" dirty="0">
                 <a:latin typeface="Segoe UI Light" pitchFamily="34" charset="0"/>
               </a:rPr>
               <a:t>Black Marble</a:t>
             </a:r>
-            <a:endParaRPr lang="en-GB" sz="1800" dirty="0">
-              <a:latin typeface="Segoe UI Light" pitchFamily="34" charset="0"/>
-            </a:endParaRPr>
           </a:p>
         </p:txBody>
       </p:sp>
@@ -4784,13 +5207,6 @@
   <p:clrMapOvr>
     <a:masterClrMapping/>
   </p:clrMapOvr>
-  <p:timing>
-    <p:tnLst>
-      <p:par>
-        <p:cTn id="1" dur="indefinite" restart="never" nodeType="tmRoot"/>
-      </p:par>
-    </p:tnLst>
-  </p:timing>
 </p:sldLayout>
 </file>
 
@@ -4836,7 +5252,7 @@
           </a:lstStyle>
           <a:p>
             <a:r>
-              <a:rPr lang="en-US" smtClean="0"/>
+              <a:rPr lang="en-US"/>
               <a:t>Click to edit Master title style</a:t>
             </a:r>
             <a:endParaRPr lang="en-GB"/>
@@ -4893,35 +5309,35 @@
           <a:p>
             <a:pPr lvl="0"/>
             <a:r>
-              <a:rPr lang="en-US" smtClean="0"/>
+              <a:rPr lang="en-US"/>
               <a:t>Edit Master text styles</a:t>
             </a:r>
           </a:p>
           <a:p>
             <a:pPr lvl="1"/>
             <a:r>
-              <a:rPr lang="en-US" smtClean="0"/>
+              <a:rPr lang="en-US"/>
               <a:t>Second level</a:t>
             </a:r>
           </a:p>
           <a:p>
             <a:pPr lvl="2"/>
             <a:r>
-              <a:rPr lang="en-US" smtClean="0"/>
+              <a:rPr lang="en-US"/>
               <a:t>Third level</a:t>
             </a:r>
           </a:p>
           <a:p>
             <a:pPr lvl="3"/>
             <a:r>
-              <a:rPr lang="en-US" smtClean="0"/>
+              <a:rPr lang="en-US"/>
               <a:t>Fourth level</a:t>
             </a:r>
           </a:p>
           <a:p>
             <a:pPr lvl="4"/>
             <a:r>
-              <a:rPr lang="en-US" smtClean="0"/>
+              <a:rPr lang="en-US"/>
               <a:t>Fifth level</a:t>
             </a:r>
             <a:endParaRPr lang="en-GB"/>
@@ -4987,7 +5403,7 @@
           <a:p>
             <a:pPr lvl="0"/>
             <a:r>
-              <a:rPr lang="en-US" smtClean="0"/>
+              <a:rPr lang="en-US"/>
               <a:t>Edit Master text styles</a:t>
             </a:r>
           </a:p>
@@ -5003,13 +5419,6 @@
   <p:clrMapOvr>
     <a:masterClrMapping/>
   </p:clrMapOvr>
-  <p:timing>
-    <p:tnLst>
-      <p:par>
-        <p:cTn id="1" dur="indefinite" restart="never" nodeType="tmRoot"/>
-      </p:par>
-    </p:tnLst>
-  </p:timing>
 </p:sldLayout>
 </file>
 
@@ -5055,7 +5464,7 @@
           </a:lstStyle>
           <a:p>
             <a:r>
-              <a:rPr lang="en-US" smtClean="0"/>
+              <a:rPr lang="en-US"/>
               <a:t>Click to edit Master title style</a:t>
             </a:r>
             <a:endParaRPr lang="en-GB"/>
@@ -5120,7 +5529,7 @@
           </a:lstStyle>
           <a:p>
             <a:r>
-              <a:rPr lang="en-US" smtClean="0"/>
+              <a:rPr lang="en-US"/>
               <a:t>Click icon to add picture</a:t>
             </a:r>
             <a:endParaRPr lang="en-GB"/>
@@ -5186,7 +5595,7 @@
           <a:p>
             <a:pPr lvl="0"/>
             <a:r>
-              <a:rPr lang="en-US" smtClean="0"/>
+              <a:rPr lang="en-US"/>
               <a:t>Edit Master text styles</a:t>
             </a:r>
           </a:p>
@@ -5202,13 +5611,6 @@
   <p:clrMapOvr>
     <a:masterClrMapping/>
   </p:clrMapOvr>
-  <p:timing>
-    <p:tnLst>
-      <p:par>
-        <p:cTn id="1" dur="indefinite" restart="never" nodeType="tmRoot"/>
-      </p:par>
-    </p:tnLst>
-  </p:timing>
 </p:sldLayout>
 </file>
 
@@ -5245,7 +5647,7 @@
           <a:lstStyle/>
           <a:p>
             <a:r>
-              <a:rPr lang="en-US" smtClean="0"/>
+              <a:rPr lang="en-US"/>
               <a:t>Click to edit Master title style</a:t>
             </a:r>
             <a:endParaRPr lang="en-GB"/>
@@ -5269,35 +5671,35 @@
           <a:p>
             <a:pPr lvl="0"/>
             <a:r>
-              <a:rPr lang="en-US" smtClean="0"/>
+              <a:rPr lang="en-US"/>
               <a:t>Edit Master text styles</a:t>
             </a:r>
           </a:p>
           <a:p>
             <a:pPr lvl="1"/>
             <a:r>
-              <a:rPr lang="en-US" smtClean="0"/>
+              <a:rPr lang="en-US"/>
               <a:t>Second level</a:t>
             </a:r>
           </a:p>
           <a:p>
             <a:pPr lvl="2"/>
             <a:r>
-              <a:rPr lang="en-US" smtClean="0"/>
+              <a:rPr lang="en-US"/>
               <a:t>Third level</a:t>
             </a:r>
           </a:p>
           <a:p>
             <a:pPr lvl="3"/>
             <a:r>
-              <a:rPr lang="en-US" smtClean="0"/>
+              <a:rPr lang="en-US"/>
               <a:t>Fourth level</a:t>
             </a:r>
           </a:p>
           <a:p>
             <a:pPr lvl="4"/>
             <a:r>
-              <a:rPr lang="en-US" smtClean="0"/>
+              <a:rPr lang="en-US"/>
               <a:t>Fifth level</a:t>
             </a:r>
             <a:endParaRPr lang="en-GB"/>
@@ -5314,13 +5716,6 @@
   <p:clrMapOvr>
     <a:masterClrMapping/>
   </p:clrMapOvr>
-  <p:timing>
-    <p:tnLst>
-      <p:par>
-        <p:cTn id="1" dur="indefinite" restart="never" nodeType="tmRoot"/>
-      </p:par>
-    </p:tnLst>
-  </p:timing>
 </p:sldLayout>
 </file>
 
@@ -5362,7 +5757,7 @@
           <a:lstStyle/>
           <a:p>
             <a:r>
-              <a:rPr lang="en-US" smtClean="0"/>
+              <a:rPr lang="en-US"/>
               <a:t>Click to edit Master title style</a:t>
             </a:r>
             <a:endParaRPr lang="en-GB"/>
@@ -5391,35 +5786,35 @@
           <a:p>
             <a:pPr lvl="0"/>
             <a:r>
-              <a:rPr lang="en-US" smtClean="0"/>
+              <a:rPr lang="en-US"/>
               <a:t>Edit Master text styles</a:t>
             </a:r>
           </a:p>
           <a:p>
             <a:pPr lvl="1"/>
             <a:r>
-              <a:rPr lang="en-US" smtClean="0"/>
+              <a:rPr lang="en-US"/>
               <a:t>Second level</a:t>
             </a:r>
           </a:p>
           <a:p>
             <a:pPr lvl="2"/>
             <a:r>
-              <a:rPr lang="en-US" smtClean="0"/>
+              <a:rPr lang="en-US"/>
               <a:t>Third level</a:t>
             </a:r>
           </a:p>
           <a:p>
             <a:pPr lvl="3"/>
             <a:r>
-              <a:rPr lang="en-US" smtClean="0"/>
+              <a:rPr lang="en-US"/>
               <a:t>Fourth level</a:t>
             </a:r>
           </a:p>
           <a:p>
             <a:pPr lvl="4"/>
             <a:r>
-              <a:rPr lang="en-US" smtClean="0"/>
+              <a:rPr lang="en-US"/>
               <a:t>Fifth level</a:t>
             </a:r>
             <a:endParaRPr lang="en-GB"/>
@@ -5436,13 +5831,6 @@
   <p:clrMapOvr>
     <a:masterClrMapping/>
   </p:clrMapOvr>
-  <p:timing>
-    <p:tnLst>
-      <p:par>
-        <p:cTn id="1" dur="indefinite" restart="never" nodeType="tmRoot"/>
-      </p:par>
-    </p:tnLst>
-  </p:timing>
 </p:sldLayout>
 </file>
 
@@ -5479,7 +5867,7 @@
           <a:lstStyle/>
           <a:p>
             <a:r>
-              <a:rPr lang="en-US" smtClean="0"/>
+              <a:rPr lang="en-US"/>
               <a:t>Click to edit Master title style</a:t>
             </a:r>
             <a:endParaRPr lang="en-GB"/>
@@ -5503,35 +5891,35 @@
           <a:p>
             <a:pPr lvl="0"/>
             <a:r>
-              <a:rPr lang="en-US" smtClean="0"/>
+              <a:rPr lang="en-US"/>
               <a:t>Edit Master text styles</a:t>
             </a:r>
           </a:p>
           <a:p>
             <a:pPr lvl="1"/>
             <a:r>
-              <a:rPr lang="en-US" smtClean="0"/>
+              <a:rPr lang="en-US"/>
               <a:t>Second level</a:t>
             </a:r>
           </a:p>
           <a:p>
             <a:pPr lvl="2"/>
             <a:r>
-              <a:rPr lang="en-US" smtClean="0"/>
+              <a:rPr lang="en-US"/>
               <a:t>Third level</a:t>
             </a:r>
           </a:p>
           <a:p>
             <a:pPr lvl="3"/>
             <a:r>
-              <a:rPr lang="en-US" smtClean="0"/>
+              <a:rPr lang="en-US"/>
               <a:t>Fourth level</a:t>
             </a:r>
           </a:p>
           <a:p>
             <a:pPr lvl="4"/>
             <a:r>
-              <a:rPr lang="en-US" smtClean="0"/>
+              <a:rPr lang="en-US"/>
               <a:t>Fifth level</a:t>
             </a:r>
             <a:endParaRPr lang="en-GB"/>
@@ -5548,13 +5936,6 @@
   <p:clrMapOvr>
     <a:masterClrMapping/>
   </p:clrMapOvr>
-  <p:timing>
-    <p:tnLst>
-      <p:par>
-        <p:cTn id="1" dur="indefinite" restart="never" nodeType="tmRoot"/>
-      </p:par>
-    </p:tnLst>
-  </p:timing>
 </p:sldLayout>
 </file>
 
@@ -5658,7 +6039,7 @@
           </a:lstStyle>
           <a:p>
             <a:r>
-              <a:rPr lang="en-US" smtClean="0"/>
+              <a:rPr lang="en-US"/>
               <a:t>Click to edit Master title style</a:t>
             </a:r>
             <a:endParaRPr lang="en-GB"/>
@@ -5776,7 +6157,7 @@
           <a:p>
             <a:pPr lvl="0"/>
             <a:r>
-              <a:rPr lang="en-US" smtClean="0"/>
+              <a:rPr lang="en-US"/>
               <a:t>Edit Master text styles</a:t>
             </a:r>
           </a:p>
@@ -5840,10 +6221,9 @@
           </a:lstStyle>
           <a:p>
             <a:r>
-              <a:rPr lang="en-GB" dirty="0" smtClean="0"/>
+              <a:rPr lang="en-GB" dirty="0"/>
               <a:t>Click to add mini-me</a:t>
             </a:r>
-            <a:endParaRPr lang="en-GB" dirty="0"/>
           </a:p>
         </p:txBody>
       </p:sp>
@@ -5857,13 +6237,6 @@
   <p:clrMapOvr>
     <a:masterClrMapping/>
   </p:clrMapOvr>
-  <p:timing>
-    <p:tnLst>
-      <p:par>
-        <p:cTn id="1" dur="indefinite" restart="never" nodeType="tmRoot"/>
-      </p:par>
-    </p:tnLst>
-  </p:timing>
 </p:sldLayout>
 </file>
 
@@ -5968,10 +6341,9 @@
           </a:lstStyle>
           <a:p>
             <a:r>
-              <a:rPr lang="en-GB" dirty="0" smtClean="0"/>
+              <a:rPr lang="en-GB" dirty="0"/>
               <a:t>Click to add mini-me</a:t>
             </a:r>
-            <a:endParaRPr lang="en-GB" dirty="0"/>
           </a:p>
         </p:txBody>
       </p:sp>
@@ -6004,7 +6376,7 @@
           </a:lstStyle>
           <a:p>
             <a:r>
-              <a:rPr lang="en-US" dirty="0" smtClean="0"/>
+              <a:rPr lang="en-US" dirty="0"/>
               <a:t>Speaker Name</a:t>
             </a:r>
             <a:endParaRPr lang="en-GB" dirty="0"/>
@@ -6122,7 +6494,7 @@
           <a:p>
             <a:pPr lvl="0"/>
             <a:r>
-              <a:rPr lang="en-US" smtClean="0"/>
+              <a:rPr lang="en-US"/>
               <a:t>Edit Master text styles</a:t>
             </a:r>
           </a:p>
@@ -6192,7 +6564,7 @@
           <a:p>
             <a:pPr lvl="0"/>
             <a:r>
-              <a:rPr lang="en-US" dirty="0" smtClean="0"/>
+              <a:rPr lang="en-US" dirty="0"/>
               <a:t>Click to add Twitter</a:t>
             </a:r>
           </a:p>
@@ -6262,7 +6634,7 @@
           <a:p>
             <a:pPr lvl="0"/>
             <a:r>
-              <a:rPr lang="en-US" dirty="0" smtClean="0"/>
+              <a:rPr lang="en-US" dirty="0"/>
               <a:t>Click to add Blog</a:t>
             </a:r>
           </a:p>
@@ -6332,7 +6704,7 @@
           <a:p>
             <a:pPr lvl="0"/>
             <a:r>
-              <a:rPr lang="en-US" dirty="0" smtClean="0"/>
+              <a:rPr lang="en-US" dirty="0"/>
               <a:t>Click to add LinkedIn</a:t>
             </a:r>
           </a:p>
@@ -6348,13 +6720,6 @@
   <p:clrMapOvr>
     <a:masterClrMapping/>
   </p:clrMapOvr>
-  <p:timing>
-    <p:tnLst>
-      <p:par>
-        <p:cTn id="1" dur="indefinite" restart="never" nodeType="tmRoot"/>
-      </p:par>
-    </p:tnLst>
-  </p:timing>
 </p:sldLayout>
 </file>
 
@@ -6459,10 +6824,9 @@
           </a:lstStyle>
           <a:p>
             <a:r>
-              <a:rPr lang="en-GB" dirty="0" smtClean="0"/>
+              <a:rPr lang="en-GB" dirty="0"/>
               <a:t>Click to add mini-me</a:t>
             </a:r>
-            <a:endParaRPr lang="en-GB" dirty="0"/>
           </a:p>
         </p:txBody>
       </p:sp>
@@ -6495,7 +6859,7 @@
           </a:lstStyle>
           <a:p>
             <a:r>
-              <a:rPr lang="en-US" dirty="0" smtClean="0"/>
+              <a:rPr lang="en-US" dirty="0"/>
               <a:t>Speaker Name</a:t>
             </a:r>
             <a:endParaRPr lang="en-GB" dirty="0"/>
@@ -6613,7 +6977,7 @@
           <a:p>
             <a:pPr lvl="0"/>
             <a:r>
-              <a:rPr lang="en-US" smtClean="0"/>
+              <a:rPr lang="en-US"/>
               <a:t>Edit Master text styles</a:t>
             </a:r>
           </a:p>
@@ -6683,7 +7047,7 @@
           <a:p>
             <a:pPr lvl="0"/>
             <a:r>
-              <a:rPr lang="en-US" dirty="0" smtClean="0"/>
+              <a:rPr lang="en-US" dirty="0"/>
               <a:t>Click to add Twitter</a:t>
             </a:r>
           </a:p>
@@ -6753,7 +7117,7 @@
           <a:p>
             <a:pPr lvl="0"/>
             <a:r>
-              <a:rPr lang="en-US" dirty="0" smtClean="0"/>
+              <a:rPr lang="en-US" dirty="0"/>
               <a:t>Click to add Blog</a:t>
             </a:r>
           </a:p>
@@ -6823,7 +7187,7 @@
           <a:p>
             <a:pPr lvl="0"/>
             <a:r>
-              <a:rPr lang="en-US" dirty="0" smtClean="0"/>
+              <a:rPr lang="en-US" dirty="0"/>
               <a:t>Click to add LinkedIn</a:t>
             </a:r>
           </a:p>
@@ -6869,13 +7233,6 @@
   <p:clrMapOvr>
     <a:masterClrMapping/>
   </p:clrMapOvr>
-  <p:timing>
-    <p:tnLst>
-      <p:par>
-        <p:cTn id="1" dur="indefinite" restart="never" nodeType="tmRoot"/>
-      </p:par>
-    </p:tnLst>
-  </p:timing>
 </p:sldLayout>
 </file>
 
@@ -6980,10 +7337,9 @@
           </a:lstStyle>
           <a:p>
             <a:r>
-              <a:rPr lang="en-GB" dirty="0" smtClean="0"/>
+              <a:rPr lang="en-GB" dirty="0"/>
               <a:t>Click to add mini-me</a:t>
             </a:r>
-            <a:endParaRPr lang="en-GB" dirty="0"/>
           </a:p>
         </p:txBody>
       </p:sp>
@@ -7017,10 +7373,9 @@
           </a:lstStyle>
           <a:p>
             <a:r>
-              <a:rPr lang="en-GB" dirty="0" smtClean="0"/>
+              <a:rPr lang="en-GB" dirty="0"/>
               <a:t>Click to add mini-me</a:t>
             </a:r>
-            <a:endParaRPr lang="en-GB" dirty="0"/>
           </a:p>
         </p:txBody>
       </p:sp>
@@ -7066,7 +7421,7 @@
           </a:lstStyle>
           <a:p>
             <a:r>
-              <a:rPr lang="en-US" dirty="0" smtClean="0"/>
+              <a:rPr lang="en-US" dirty="0"/>
               <a:t>Speaker Name</a:t>
             </a:r>
             <a:endParaRPr lang="en-GB" dirty="0"/>
@@ -7184,7 +7539,7 @@
           <a:p>
             <a:pPr lvl="0"/>
             <a:r>
-              <a:rPr lang="en-US" smtClean="0"/>
+              <a:rPr lang="en-US"/>
               <a:t>Edit Master text styles</a:t>
             </a:r>
           </a:p>
@@ -7232,7 +7587,7 @@
           </a:lstStyle>
           <a:p>
             <a:r>
-              <a:rPr lang="en-US" dirty="0" smtClean="0"/>
+              <a:rPr lang="en-US" dirty="0"/>
               <a:t>Speaker Name</a:t>
             </a:r>
             <a:endParaRPr lang="en-GB" dirty="0"/>
@@ -7350,7 +7705,7 @@
           <a:p>
             <a:pPr lvl="0"/>
             <a:r>
-              <a:rPr lang="en-US" smtClean="0"/>
+              <a:rPr lang="en-US"/>
               <a:t>Edit Master text styles</a:t>
             </a:r>
           </a:p>
@@ -7366,13 +7721,6 @@
   <p:clrMapOvr>
     <a:masterClrMapping/>
   </p:clrMapOvr>
-  <p:timing>
-    <p:tnLst>
-      <p:par>
-        <p:cTn id="1" dur="indefinite" restart="never" nodeType="tmRoot"/>
-      </p:par>
-    </p:tnLst>
-  </p:timing>
 </p:sldLayout>
 </file>
 
@@ -7423,7 +7771,7 @@
           </a:lstStyle>
           <a:p>
             <a:r>
-              <a:rPr lang="en-US" dirty="0" smtClean="0"/>
+              <a:rPr lang="en-US" dirty="0"/>
               <a:t>Click to edit Agenda</a:t>
             </a:r>
             <a:endParaRPr lang="en-GB" dirty="0"/>
@@ -7440,13 +7788,6 @@
   <p:clrMapOvr>
     <a:masterClrMapping/>
   </p:clrMapOvr>
-  <p:timing>
-    <p:tnLst>
-      <p:par>
-        <p:cTn id="1" dur="indefinite" restart="never" nodeType="tmRoot"/>
-      </p:par>
-    </p:tnLst>
-  </p:timing>
 </p:sldLayout>
 </file>
 
@@ -7506,7 +7847,7 @@
           </a:lstStyle>
           <a:p>
             <a:r>
-              <a:rPr lang="en-US" dirty="0" smtClean="0"/>
+              <a:rPr lang="en-US" dirty="0"/>
               <a:t>Click to edit Citation</a:t>
             </a:r>
             <a:endParaRPr lang="en-GB" dirty="0"/>
@@ -7626,7 +7967,7 @@
           <a:p>
             <a:pPr lvl="0"/>
             <a:r>
-              <a:rPr lang="en-US" dirty="0" smtClean="0"/>
+              <a:rPr lang="en-US" dirty="0"/>
               <a:t>Click to edit Quote</a:t>
             </a:r>
           </a:p>
@@ -7642,13 +7983,6 @@
   <p:clrMapOvr>
     <a:masterClrMapping/>
   </p:clrMapOvr>
-  <p:timing>
-    <p:tnLst>
-      <p:par>
-        <p:cTn id="1" dur="indefinite" restart="never" nodeType="tmRoot"/>
-      </p:par>
-    </p:tnLst>
-  </p:timing>
 </p:sldLayout>
 </file>
 
@@ -7685,7 +8019,7 @@
           <a:lstStyle/>
           <a:p>
             <a:r>
-              <a:rPr lang="en-US" smtClean="0"/>
+              <a:rPr lang="en-US"/>
               <a:t>Click to edit Master title style</a:t>
             </a:r>
             <a:endParaRPr lang="en-GB"/>
@@ -7714,35 +8048,35 @@
           <a:p>
             <a:pPr lvl="0"/>
             <a:r>
-              <a:rPr lang="en-US" smtClean="0"/>
+              <a:rPr lang="en-US"/>
               <a:t>Edit Master text styles</a:t>
             </a:r>
           </a:p>
           <a:p>
             <a:pPr lvl="1"/>
             <a:r>
-              <a:rPr lang="en-US" smtClean="0"/>
+              <a:rPr lang="en-US"/>
               <a:t>Second level</a:t>
             </a:r>
           </a:p>
           <a:p>
             <a:pPr lvl="2"/>
             <a:r>
-              <a:rPr lang="en-US" smtClean="0"/>
+              <a:rPr lang="en-US"/>
               <a:t>Third level</a:t>
             </a:r>
           </a:p>
           <a:p>
             <a:pPr lvl="3"/>
             <a:r>
-              <a:rPr lang="en-US" smtClean="0"/>
+              <a:rPr lang="en-US"/>
               <a:t>Fourth level</a:t>
             </a:r>
           </a:p>
           <a:p>
             <a:pPr lvl="4"/>
             <a:r>
-              <a:rPr lang="en-US" smtClean="0"/>
+              <a:rPr lang="en-US"/>
               <a:t>Fifth level</a:t>
             </a:r>
             <a:endParaRPr lang="en-GB"/>
@@ -7771,35 +8105,35 @@
           <a:p>
             <a:pPr lvl="0"/>
             <a:r>
-              <a:rPr lang="en-US" smtClean="0"/>
+              <a:rPr lang="en-US"/>
               <a:t>Edit Master text styles</a:t>
             </a:r>
           </a:p>
           <a:p>
             <a:pPr lvl="1"/>
             <a:r>
-              <a:rPr lang="en-US" smtClean="0"/>
+              <a:rPr lang="en-US"/>
               <a:t>Second level</a:t>
             </a:r>
           </a:p>
           <a:p>
             <a:pPr lvl="2"/>
             <a:r>
-              <a:rPr lang="en-US" smtClean="0"/>
+              <a:rPr lang="en-US"/>
               <a:t>Third level</a:t>
             </a:r>
           </a:p>
           <a:p>
             <a:pPr lvl="3"/>
             <a:r>
-              <a:rPr lang="en-US" smtClean="0"/>
+              <a:rPr lang="en-US"/>
               <a:t>Fourth level</a:t>
             </a:r>
           </a:p>
           <a:p>
             <a:pPr lvl="4"/>
             <a:r>
-              <a:rPr lang="en-US" smtClean="0"/>
+              <a:rPr lang="en-US"/>
               <a:t>Fifth level</a:t>
             </a:r>
             <a:endParaRPr lang="en-GB"/>
@@ -7867,7 +8201,7 @@
           <a:lstStyle/>
           <a:p>
             <a:r>
-              <a:rPr lang="en-US" smtClean="0"/>
+              <a:rPr lang="en-US"/>
               <a:t>Click to edit Master title style</a:t>
             </a:r>
             <a:endParaRPr lang="en-GB"/>
@@ -7901,35 +8235,35 @@
           <a:p>
             <a:pPr lvl="0"/>
             <a:r>
-              <a:rPr lang="en-US" smtClean="0"/>
+              <a:rPr lang="en-US"/>
               <a:t>Edit Master text styles</a:t>
             </a:r>
           </a:p>
           <a:p>
             <a:pPr lvl="1"/>
             <a:r>
-              <a:rPr lang="en-US" smtClean="0"/>
+              <a:rPr lang="en-US"/>
               <a:t>Second level</a:t>
             </a:r>
           </a:p>
           <a:p>
             <a:pPr lvl="2"/>
             <a:r>
-              <a:rPr lang="en-US" smtClean="0"/>
+              <a:rPr lang="en-US"/>
               <a:t>Third level</a:t>
             </a:r>
           </a:p>
           <a:p>
             <a:pPr lvl="3"/>
             <a:r>
-              <a:rPr lang="en-US" smtClean="0"/>
+              <a:rPr lang="en-US"/>
               <a:t>Fourth level</a:t>
             </a:r>
           </a:p>
           <a:p>
             <a:pPr lvl="4"/>
             <a:r>
-              <a:rPr lang="en-US" smtClean="0"/>
+              <a:rPr lang="en-US"/>
               <a:t>Fifth level</a:t>
             </a:r>
             <a:endParaRPr lang="en-GB"/>
@@ -8036,7 +8370,7 @@
                 <a:defRPr/>
               </a:pPr>
               <a:r>
-                <a:rPr lang="en-GB" sz="1800" kern="1200" dirty="0" smtClean="0">
+                <a:rPr lang="en-GB" sz="1800" kern="1200" dirty="0">
                   <a:solidFill>
                     <a:schemeClr val="bg1"/>
                   </a:solidFill>
@@ -8090,7 +8424,7 @@
                 <a:defRPr/>
               </a:pPr>
               <a:r>
-                <a:rPr lang="en-GB" sz="1800" kern="1200" dirty="0" smtClean="0">
+                <a:rPr lang="en-GB" sz="1800" kern="1200" dirty="0">
                   <a:solidFill>
                     <a:schemeClr val="bg1"/>
                   </a:solidFill>
@@ -8179,13 +8513,6 @@
     <p:sldLayoutId id="2147483658" r:id="rId17"/>
     <p:sldLayoutId id="2147483659" r:id="rId18"/>
   </p:sldLayoutIdLst>
-  <p:timing>
-    <p:tnLst>
-      <p:par>
-        <p:cTn id="1" dur="indefinite" restart="never" nodeType="tmRoot"/>
-      </p:par>
-    </p:tnLst>
-  </p:timing>
   <p:txStyles>
     <p:titleStyle>
       <a:lvl1pPr algn="l" defTabSz="914400" rtl="0" eaLnBrk="1" latinLnBrk="0" hangingPunct="1">
@@ -8504,10 +8831,9 @@
           <a:lstStyle/>
           <a:p>
             <a:r>
-              <a:rPr lang="en-GB" dirty="0" smtClean="0"/>
+              <a:rPr lang="en-GB" dirty="0"/>
               <a:t>Careers you did not think of in IT</a:t>
             </a:r>
-            <a:endParaRPr lang="en-GB" dirty="0"/>
           </a:p>
         </p:txBody>
       </p:sp>
@@ -8527,16 +8853,15 @@
           <a:lstStyle/>
           <a:p>
             <a:r>
-              <a:rPr lang="en-GB" dirty="0" smtClean="0"/>
+              <a:rPr lang="en-GB" dirty="0"/>
               <a:t>Richard Fennell</a:t>
             </a:r>
           </a:p>
           <a:p>
             <a:r>
-              <a:rPr lang="en-GB" sz="2000" dirty="0" smtClean="0"/>
+              <a:rPr lang="en-GB" sz="2000" dirty="0"/>
               <a:t>Engineering Director, Black Marble</a:t>
             </a:r>
-            <a:endParaRPr lang="en-GB" sz="2000" dirty="0"/>
           </a:p>
         </p:txBody>
       </p:sp>
@@ -8550,13 +8875,18 @@
   <p:clrMapOvr>
     <a:masterClrMapping/>
   </p:clrMapOvr>
-  <p:timing>
-    <p:tnLst>
-      <p:par>
-        <p:cTn id="1" dur="indefinite" restart="never" nodeType="tmRoot"/>
-      </p:par>
-    </p:tnLst>
-  </p:timing>
+  <mc:AlternateContent xmlns:mc="http://schemas.openxmlformats.org/markup-compatibility/2006" xmlns:p14="http://schemas.microsoft.com/office/powerpoint/2010/main">
+    <mc:Choice Requires="p14">
+      <p:transition spd="med" p14:dur="700">
+        <p:fade/>
+      </p:transition>
+    </mc:Choice>
+    <mc:Fallback xmlns="">
+      <p:transition spd="med">
+        <p:fade/>
+      </p:transition>
+    </mc:Fallback>
+  </mc:AlternateContent>
 </p:sld>
 </file>
 
@@ -8639,7 +8969,7 @@
           <a:lstStyle/>
           <a:p>
             <a:r>
-              <a:rPr lang="en-GB" sz="3200" dirty="0" smtClean="0">
+              <a:rPr lang="en-GB" sz="3200" dirty="0">
                 <a:solidFill>
                   <a:schemeClr val="bg1"/>
                 </a:solidFill>
@@ -8649,14 +8979,6 @@
               </a:rPr>
               <a:t>Is this your image of a career in IT?</a:t>
             </a:r>
-            <a:endParaRPr lang="en-GB" sz="3200" dirty="0">
-              <a:solidFill>
-                <a:schemeClr val="bg1"/>
-              </a:solidFill>
-              <a:latin typeface="Segoe UI Black" panose="020B0A02040204020203" pitchFamily="34" charset="0"/>
-              <a:ea typeface="Segoe UI Black" panose="020B0A02040204020203" pitchFamily="34" charset="0"/>
-              <a:cs typeface="Segoe UI Black" panose="020B0A02040204020203" pitchFamily="34" charset="0"/>
-            </a:endParaRPr>
           </a:p>
         </p:txBody>
       </p:sp>
@@ -8670,13 +8992,18 @@
   <p:clrMapOvr>
     <a:masterClrMapping/>
   </p:clrMapOvr>
-  <p:timing>
-    <p:tnLst>
-      <p:par>
-        <p:cTn id="1" dur="indefinite" restart="never" nodeType="tmRoot"/>
-      </p:par>
-    </p:tnLst>
-  </p:timing>
+  <mc:AlternateContent xmlns:mc="http://schemas.openxmlformats.org/markup-compatibility/2006" xmlns:p14="http://schemas.microsoft.com/office/powerpoint/2010/main">
+    <mc:Choice Requires="p14">
+      <p:transition spd="med" p14:dur="700">
+        <p:fade/>
+      </p:transition>
+    </mc:Choice>
+    <mc:Fallback xmlns="">
+      <p:transition spd="med">
+        <p:fade/>
+      </p:transition>
+    </mc:Fallback>
+  </mc:AlternateContent>
 </p:sld>
 </file>
 
@@ -8916,10 +9243,9 @@
           <a:lstStyle/>
           <a:p>
             <a:r>
-              <a:rPr lang="en-GB" dirty="0" smtClean="0"/>
+              <a:rPr lang="en-GB" dirty="0"/>
               <a:t>Most people are consumers</a:t>
             </a:r>
-            <a:endParaRPr lang="en-GB" dirty="0"/>
           </a:p>
         </p:txBody>
       </p:sp>
@@ -9324,13 +9650,18 @@
   <p:clrMapOvr>
     <a:masterClrMapping/>
   </p:clrMapOvr>
-  <p:timing>
-    <p:tnLst>
-      <p:par>
-        <p:cTn id="1" dur="indefinite" restart="never" nodeType="tmRoot"/>
-      </p:par>
-    </p:tnLst>
-  </p:timing>
+  <mc:AlternateContent xmlns:mc="http://schemas.openxmlformats.org/markup-compatibility/2006" xmlns:p14="http://schemas.microsoft.com/office/powerpoint/2010/main">
+    <mc:Choice Requires="p14">
+      <p:transition spd="med" p14:dur="700">
+        <p:fade/>
+      </p:transition>
+    </mc:Choice>
+    <mc:Fallback xmlns="">
+      <p:transition spd="med">
+        <p:fade/>
+      </p:transition>
+    </mc:Fallback>
+  </mc:AlternateContent>
 </p:sld>
 </file>
 
@@ -9367,10 +9698,9 @@
           <a:lstStyle/>
           <a:p>
             <a:r>
-              <a:rPr lang="en-GB" dirty="0" smtClean="0"/>
+              <a:rPr lang="en-GB" dirty="0"/>
               <a:t>Why not be a creator?</a:t>
             </a:r>
-            <a:endParaRPr lang="en-GB" dirty="0"/>
           </a:p>
         </p:txBody>
       </p:sp>
@@ -9411,10 +9741,10 @@
           <a:p>
             <a:pPr algn="ctr"/>
             <a:r>
-              <a:rPr lang="en-GB" sz="3600" dirty="0" smtClean="0"/>
+              <a:rPr lang="en-GB" sz="3600" dirty="0"/>
               <a:t>All Businesses</a:t>
             </a:r>
-            <a:endParaRPr lang="en-GB" dirty="0" smtClean="0"/>
+            <a:endParaRPr lang="en-GB" dirty="0"/>
           </a:p>
           <a:p>
             <a:pPr algn="ctr"/>
@@ -9422,7 +9752,7 @@
           </a:p>
           <a:p>
             <a:pPr algn="ctr"/>
-            <a:endParaRPr lang="en-GB" dirty="0" smtClean="0"/>
+            <a:endParaRPr lang="en-GB" dirty="0"/>
           </a:p>
           <a:p>
             <a:pPr algn="ctr"/>
@@ -9430,7 +9760,7 @@
           </a:p>
           <a:p>
             <a:pPr algn="ctr"/>
-            <a:endParaRPr lang="en-GB" dirty="0" smtClean="0"/>
+            <a:endParaRPr lang="en-GB" dirty="0"/>
           </a:p>
           <a:p>
             <a:pPr algn="ctr"/>
@@ -9438,7 +9768,7 @@
           </a:p>
           <a:p>
             <a:pPr algn="ctr"/>
-            <a:endParaRPr lang="en-GB" dirty="0" smtClean="0"/>
+            <a:endParaRPr lang="en-GB" dirty="0"/>
           </a:p>
           <a:p>
             <a:pPr algn="ctr"/>
@@ -9446,7 +9776,7 @@
           </a:p>
           <a:p>
             <a:pPr algn="ctr"/>
-            <a:endParaRPr lang="en-GB" dirty="0" smtClean="0"/>
+            <a:endParaRPr lang="en-GB" dirty="0"/>
           </a:p>
           <a:p>
             <a:pPr algn="ctr"/>
@@ -9495,10 +9825,9 @@
           <a:p>
             <a:pPr algn="ctr"/>
             <a:r>
-              <a:rPr lang="en-GB" sz="3600" dirty="0" smtClean="0"/>
+              <a:rPr lang="en-GB" sz="3600" dirty="0"/>
               <a:t>IT Companies</a:t>
             </a:r>
-            <a:endParaRPr lang="en-GB" sz="3600" dirty="0"/>
           </a:p>
         </p:txBody>
       </p:sp>
@@ -9512,6 +9841,18 @@
   <p:clrMapOvr>
     <a:masterClrMapping/>
   </p:clrMapOvr>
+  <mc:AlternateContent xmlns:mc="http://schemas.openxmlformats.org/markup-compatibility/2006" xmlns:p14="http://schemas.microsoft.com/office/powerpoint/2010/main">
+    <mc:Choice Requires="p14">
+      <p:transition spd="med" p14:dur="700">
+        <p:fade/>
+      </p:transition>
+    </mc:Choice>
+    <mc:Fallback xmlns="">
+      <p:transition spd="med">
+        <p:fade/>
+      </p:transition>
+    </mc:Fallback>
+  </mc:AlternateContent>
   <p:timing>
     <p:tnLst>
       <p:par>
@@ -9687,18 +10028,13 @@
           <a:lstStyle/>
           <a:p>
             <a:r>
-              <a:rPr lang="en-GB" sz="3200" b="1" dirty="0" smtClean="0">
+              <a:rPr lang="en-GB" sz="3200" b="1" dirty="0">
                 <a:solidFill>
                   <a:schemeClr val="accent1"/>
                 </a:solidFill>
               </a:rPr>
               <a:t>Developer</a:t>
             </a:r>
-            <a:endParaRPr lang="en-GB" sz="3200" b="1" dirty="0">
-              <a:solidFill>
-                <a:schemeClr val="accent1"/>
-              </a:solidFill>
-            </a:endParaRPr>
           </a:p>
         </p:txBody>
       </p:sp>
@@ -9725,18 +10061,13 @@
           <a:lstStyle/>
           <a:p>
             <a:r>
-              <a:rPr lang="en-GB" sz="3200" b="1" dirty="0" smtClean="0">
+              <a:rPr lang="en-GB" sz="3200" b="1" dirty="0">
                 <a:solidFill>
                   <a:srgbClr val="00B050"/>
                 </a:solidFill>
               </a:rPr>
               <a:t>Tester</a:t>
             </a:r>
-            <a:endParaRPr lang="en-GB" sz="3200" b="1" dirty="0">
-              <a:solidFill>
-                <a:srgbClr val="00B050"/>
-              </a:solidFill>
-            </a:endParaRPr>
           </a:p>
         </p:txBody>
       </p:sp>
@@ -9763,18 +10094,13 @@
           <a:lstStyle/>
           <a:p>
             <a:r>
-              <a:rPr lang="en-GB" sz="3200" b="1" dirty="0" smtClean="0">
+              <a:rPr lang="en-GB" sz="3200" b="1" dirty="0">
                 <a:solidFill>
                   <a:srgbClr val="FFC000"/>
                 </a:solidFill>
               </a:rPr>
               <a:t>Project Manager</a:t>
             </a:r>
-            <a:endParaRPr lang="en-GB" sz="3200" b="1" dirty="0">
-              <a:solidFill>
-                <a:srgbClr val="FFC000"/>
-              </a:solidFill>
-            </a:endParaRPr>
           </a:p>
         </p:txBody>
       </p:sp>
@@ -9801,10 +10127,9 @@
           <a:lstStyle/>
           <a:p>
             <a:r>
-              <a:rPr lang="en-GB" sz="3200" b="1" dirty="0" smtClean="0"/>
+              <a:rPr lang="en-GB" sz="3200" b="1" dirty="0"/>
               <a:t>Business Analyst</a:t>
             </a:r>
-            <a:endParaRPr lang="en-GB" sz="3200" b="1" dirty="0"/>
           </a:p>
         </p:txBody>
       </p:sp>
@@ -9831,18 +10156,13 @@
           <a:lstStyle/>
           <a:p>
             <a:r>
-              <a:rPr lang="en-GB" sz="3200" b="1" dirty="0" smtClean="0">
+              <a:rPr lang="en-GB" sz="3200" b="1" dirty="0">
                 <a:solidFill>
                   <a:srgbClr val="7030A0"/>
                 </a:solidFill>
               </a:rPr>
               <a:t>Database Administrator</a:t>
             </a:r>
-            <a:endParaRPr lang="en-GB" sz="3200" b="1" dirty="0">
-              <a:solidFill>
-                <a:srgbClr val="7030A0"/>
-              </a:solidFill>
-            </a:endParaRPr>
           </a:p>
         </p:txBody>
       </p:sp>
@@ -9869,10 +10189,9 @@
           <a:lstStyle/>
           <a:p>
             <a:r>
-              <a:rPr lang="en-GB" sz="3200" b="1" dirty="0" smtClean="0"/>
+              <a:rPr lang="en-GB" sz="3200" b="1" dirty="0"/>
               <a:t>Quants</a:t>
             </a:r>
-            <a:endParaRPr lang="en-GB" sz="3200" b="1" dirty="0"/>
           </a:p>
         </p:txBody>
       </p:sp>
@@ -9899,7 +10218,7 @@
           <a:lstStyle/>
           <a:p>
             <a:r>
-              <a:rPr lang="en-GB" sz="3200" b="1" dirty="0" smtClean="0">
+              <a:rPr lang="en-GB" sz="3200" b="1" dirty="0">
                 <a:solidFill>
                   <a:schemeClr val="accent2">
                     <a:lumMod val="75000"/>
@@ -9908,13 +10227,6 @@
               </a:rPr>
               <a:t>Technical Writer</a:t>
             </a:r>
-            <a:endParaRPr lang="en-GB" sz="3200" b="1" dirty="0">
-              <a:solidFill>
-                <a:schemeClr val="accent2">
-                  <a:lumMod val="75000"/>
-                </a:schemeClr>
-              </a:solidFill>
-            </a:endParaRPr>
           </a:p>
         </p:txBody>
       </p:sp>
@@ -9941,18 +10253,13 @@
           <a:lstStyle/>
           <a:p>
             <a:r>
-              <a:rPr lang="en-GB" sz="3200" b="1" dirty="0" smtClean="0">
+              <a:rPr lang="en-GB" sz="3200" b="1" dirty="0">
                 <a:solidFill>
                   <a:schemeClr val="accent2"/>
                 </a:solidFill>
               </a:rPr>
               <a:t>Graphic Designer</a:t>
             </a:r>
-            <a:endParaRPr lang="en-GB" sz="3200" b="1" dirty="0">
-              <a:solidFill>
-                <a:schemeClr val="accent2"/>
-              </a:solidFill>
-            </a:endParaRPr>
           </a:p>
         </p:txBody>
       </p:sp>
@@ -9979,18 +10286,13 @@
           <a:lstStyle/>
           <a:p>
             <a:r>
-              <a:rPr lang="en-GB" sz="3200" b="1" dirty="0" smtClean="0">
+              <a:rPr lang="en-GB" sz="3200" b="1" dirty="0">
                 <a:solidFill>
                   <a:schemeClr val="accent2"/>
                 </a:solidFill>
               </a:rPr>
               <a:t>3D Artist</a:t>
             </a:r>
-            <a:endParaRPr lang="en-GB" sz="3200" b="1" dirty="0">
-              <a:solidFill>
-                <a:schemeClr val="accent2"/>
-              </a:solidFill>
-            </a:endParaRPr>
           </a:p>
         </p:txBody>
       </p:sp>
@@ -10017,18 +10319,13 @@
           <a:lstStyle/>
           <a:p>
             <a:r>
-              <a:rPr lang="en-GB" sz="3200" b="1" dirty="0" smtClean="0">
+              <a:rPr lang="en-GB" sz="3200" b="1" dirty="0">
                 <a:solidFill>
                   <a:schemeClr val="accent2"/>
                 </a:solidFill>
               </a:rPr>
               <a:t>Animator</a:t>
             </a:r>
-            <a:endParaRPr lang="en-GB" sz="3200" b="1" dirty="0">
-              <a:solidFill>
-                <a:schemeClr val="accent2"/>
-              </a:solidFill>
-            </a:endParaRPr>
           </a:p>
         </p:txBody>
       </p:sp>
@@ -10055,18 +10352,13 @@
           <a:lstStyle/>
           <a:p>
             <a:r>
-              <a:rPr lang="en-GB" sz="3200" b="1" dirty="0" smtClean="0">
+              <a:rPr lang="en-GB" sz="3200" b="1" dirty="0">
                 <a:solidFill>
                   <a:srgbClr val="7030A0"/>
                 </a:solidFill>
               </a:rPr>
               <a:t>Network Security </a:t>
             </a:r>
-            <a:endParaRPr lang="en-GB" sz="3200" b="1" dirty="0">
-              <a:solidFill>
-                <a:srgbClr val="7030A0"/>
-              </a:solidFill>
-            </a:endParaRPr>
           </a:p>
         </p:txBody>
       </p:sp>
@@ -10093,18 +10385,13 @@
           <a:lstStyle/>
           <a:p>
             <a:r>
-              <a:rPr lang="en-GB" sz="3200" b="1" dirty="0" smtClean="0">
+              <a:rPr lang="en-GB" sz="3200" b="1" dirty="0">
                 <a:solidFill>
                   <a:srgbClr val="7030A0"/>
                 </a:solidFill>
               </a:rPr>
               <a:t>Installation Engineer</a:t>
             </a:r>
-            <a:endParaRPr lang="en-GB" sz="3200" b="1" dirty="0">
-              <a:solidFill>
-                <a:srgbClr val="7030A0"/>
-              </a:solidFill>
-            </a:endParaRPr>
           </a:p>
         </p:txBody>
       </p:sp>
@@ -10131,18 +10418,13 @@
           <a:lstStyle/>
           <a:p>
             <a:r>
-              <a:rPr lang="en-GB" sz="3200" b="1" dirty="0" smtClean="0">
+              <a:rPr lang="en-GB" sz="3200" b="1" dirty="0">
                 <a:solidFill>
                   <a:schemeClr val="accent1"/>
                 </a:solidFill>
               </a:rPr>
               <a:t>Trainer</a:t>
             </a:r>
-            <a:endParaRPr lang="en-GB" sz="3200" b="1" dirty="0">
-              <a:solidFill>
-                <a:schemeClr val="accent1"/>
-              </a:solidFill>
-            </a:endParaRPr>
           </a:p>
         </p:txBody>
       </p:sp>
@@ -10169,18 +10451,13 @@
           <a:lstStyle/>
           <a:p>
             <a:r>
-              <a:rPr lang="en-GB" sz="3200" b="1" dirty="0" smtClean="0">
+              <a:rPr lang="en-GB" sz="3200" b="1" dirty="0">
                 <a:solidFill>
                   <a:schemeClr val="accent1"/>
                 </a:solidFill>
               </a:rPr>
               <a:t>Teacher</a:t>
             </a:r>
-            <a:endParaRPr lang="en-GB" sz="3200" b="1" dirty="0">
-              <a:solidFill>
-                <a:schemeClr val="accent1"/>
-              </a:solidFill>
-            </a:endParaRPr>
           </a:p>
         </p:txBody>
       </p:sp>
@@ -10207,7 +10484,7 @@
           <a:lstStyle/>
           <a:p>
             <a:r>
-              <a:rPr lang="en-GB" sz="3200" b="1" dirty="0" smtClean="0">
+              <a:rPr lang="en-GB" sz="3200" b="1" dirty="0">
                 <a:solidFill>
                   <a:schemeClr val="accent3">
                     <a:lumMod val="50000"/>
@@ -10216,13 +10493,6 @@
               </a:rPr>
               <a:t>Hardware Designer</a:t>
             </a:r>
-            <a:endParaRPr lang="en-GB" sz="3200" b="1" dirty="0">
-              <a:solidFill>
-                <a:schemeClr val="accent3">
-                  <a:lumMod val="50000"/>
-                </a:schemeClr>
-              </a:solidFill>
-            </a:endParaRPr>
           </a:p>
         </p:txBody>
       </p:sp>
@@ -10249,18 +10519,13 @@
           <a:lstStyle/>
           <a:p>
             <a:r>
-              <a:rPr lang="en-GB" sz="3200" b="1" dirty="0" smtClean="0">
+              <a:rPr lang="en-GB" sz="3200" b="1" dirty="0">
                 <a:solidFill>
                   <a:srgbClr val="0070C0"/>
                 </a:solidFill>
               </a:rPr>
               <a:t>Sales</a:t>
             </a:r>
-            <a:endParaRPr lang="en-GB" sz="3200" b="1" dirty="0">
-              <a:solidFill>
-                <a:srgbClr val="0070C0"/>
-              </a:solidFill>
-            </a:endParaRPr>
           </a:p>
         </p:txBody>
       </p:sp>
@@ -10287,18 +10552,13 @@
           <a:lstStyle/>
           <a:p>
             <a:r>
-              <a:rPr lang="en-GB" sz="3200" b="1" dirty="0" smtClean="0">
+              <a:rPr lang="en-GB" sz="3200" b="1" dirty="0">
                 <a:solidFill>
                   <a:srgbClr val="0070C0"/>
                 </a:solidFill>
               </a:rPr>
               <a:t>Marketing</a:t>
             </a:r>
-            <a:endParaRPr lang="en-GB" sz="3200" b="1" dirty="0">
-              <a:solidFill>
-                <a:srgbClr val="0070C0"/>
-              </a:solidFill>
-            </a:endParaRPr>
           </a:p>
         </p:txBody>
       </p:sp>
@@ -10325,7 +10585,7 @@
           <a:lstStyle/>
           <a:p>
             <a:r>
-              <a:rPr lang="en-GB" sz="3200" b="1" dirty="0" smtClean="0">
+              <a:rPr lang="en-GB" sz="3200" b="1" dirty="0">
                 <a:solidFill>
                   <a:schemeClr val="accent4">
                     <a:lumMod val="75000"/>
@@ -10334,13 +10594,6 @@
               </a:rPr>
               <a:t>Technical Sales</a:t>
             </a:r>
-            <a:endParaRPr lang="en-GB" sz="3200" b="1" dirty="0">
-              <a:solidFill>
-                <a:schemeClr val="accent4">
-                  <a:lumMod val="75000"/>
-                </a:schemeClr>
-              </a:solidFill>
-            </a:endParaRPr>
           </a:p>
         </p:txBody>
       </p:sp>
@@ -10367,7 +10620,7 @@
           <a:lstStyle/>
           <a:p>
             <a:r>
-              <a:rPr lang="en-GB" sz="3200" b="1" dirty="0" smtClean="0">
+              <a:rPr lang="en-GB" sz="3200" b="1" dirty="0">
                 <a:solidFill>
                   <a:schemeClr val="accent4">
                     <a:lumMod val="75000"/>
@@ -10376,13 +10629,6 @@
               </a:rPr>
               <a:t>Evangelist</a:t>
             </a:r>
-            <a:endParaRPr lang="en-GB" sz="3200" b="1" dirty="0">
-              <a:solidFill>
-                <a:schemeClr val="accent4">
-                  <a:lumMod val="75000"/>
-                </a:schemeClr>
-              </a:solidFill>
-            </a:endParaRPr>
           </a:p>
         </p:txBody>
       </p:sp>
@@ -10409,18 +10655,13 @@
           <a:lstStyle/>
           <a:p>
             <a:r>
-              <a:rPr lang="en-GB" sz="3200" b="1" dirty="0" smtClean="0">
+              <a:rPr lang="en-GB" sz="3200" b="1" dirty="0">
                 <a:solidFill>
                   <a:srgbClr val="FFC000"/>
                 </a:solidFill>
               </a:rPr>
               <a:t>IT Management</a:t>
             </a:r>
-            <a:endParaRPr lang="en-GB" sz="3200" b="1" dirty="0">
-              <a:solidFill>
-                <a:srgbClr val="FFC000"/>
-              </a:solidFill>
-            </a:endParaRPr>
           </a:p>
         </p:txBody>
       </p:sp>
@@ -10447,18 +10688,13 @@
           <a:lstStyle/>
           <a:p>
             <a:r>
-              <a:rPr lang="en-GB" sz="3200" b="1" dirty="0" smtClean="0">
+              <a:rPr lang="en-GB" sz="3200" b="1" dirty="0">
                 <a:solidFill>
                   <a:srgbClr val="7030A0"/>
                 </a:solidFill>
               </a:rPr>
               <a:t>Technical Support</a:t>
             </a:r>
-            <a:endParaRPr lang="en-GB" sz="3200" b="1" dirty="0">
-              <a:solidFill>
-                <a:srgbClr val="7030A0"/>
-              </a:solidFill>
-            </a:endParaRPr>
           </a:p>
         </p:txBody>
       </p:sp>
@@ -10485,10 +10721,9 @@
           <a:lstStyle/>
           <a:p>
             <a:r>
-              <a:rPr lang="en-GB" sz="3200" b="1" dirty="0" smtClean="0"/>
+              <a:rPr lang="en-GB" sz="3200" b="1" dirty="0"/>
               <a:t>Data Scientists</a:t>
             </a:r>
-            <a:endParaRPr lang="en-GB" sz="3200" b="1" dirty="0"/>
           </a:p>
         </p:txBody>
       </p:sp>
@@ -10515,7 +10750,7 @@
           <a:lstStyle/>
           <a:p>
             <a:r>
-              <a:rPr lang="en-GB" sz="3200" b="1" dirty="0" smtClean="0">
+              <a:rPr lang="en-GB" sz="3200" b="1" dirty="0">
                 <a:solidFill>
                   <a:schemeClr val="accent2">
                     <a:lumMod val="75000"/>
@@ -10524,13 +10759,6 @@
               </a:rPr>
               <a:t>Translators</a:t>
             </a:r>
-            <a:endParaRPr lang="en-GB" sz="3200" b="1" dirty="0">
-              <a:solidFill>
-                <a:schemeClr val="accent2">
-                  <a:lumMod val="75000"/>
-                </a:schemeClr>
-              </a:solidFill>
-            </a:endParaRPr>
           </a:p>
         </p:txBody>
       </p:sp>
@@ -10557,10 +10785,9 @@
           <a:lstStyle/>
           <a:p>
             <a:r>
-              <a:rPr lang="en-GB" sz="3200" b="1" dirty="0" smtClean="0"/>
+              <a:rPr lang="en-GB" sz="3200" b="1" dirty="0"/>
               <a:t>Architects</a:t>
             </a:r>
-            <a:endParaRPr lang="en-GB" sz="3200" b="1" dirty="0"/>
           </a:p>
         </p:txBody>
       </p:sp>
@@ -10574,6 +10801,18 @@
   <p:clrMapOvr>
     <a:masterClrMapping/>
   </p:clrMapOvr>
+  <mc:AlternateContent xmlns:mc="http://schemas.openxmlformats.org/markup-compatibility/2006" xmlns:p14="http://schemas.microsoft.com/office/powerpoint/2010/main">
+    <mc:Choice Requires="p14">
+      <p:transition spd="med" p14:dur="700">
+        <p:fade/>
+      </p:transition>
+    </mc:Choice>
+    <mc:Fallback xmlns="">
+      <p:transition spd="med">
+        <p:fade/>
+      </p:transition>
+    </mc:Fallback>
+  </mc:AlternateContent>
   <p:timing>
     <p:tnLst>
       <p:par>
@@ -11618,6 +11857,64 @@
       </p:grpSpPr>
       <p:pic>
         <p:nvPicPr>
+          <p:cNvPr id="11" name="Picture 10"/>
+          <p:cNvPicPr>
+            <a:picLocks noChangeAspect="1"/>
+          </p:cNvPicPr>
+          <p:nvPr/>
+        </p:nvPicPr>
+        <p:blipFill rotWithShape="1">
+          <a:blip r:embed="rId3">
+            <a:extLst>
+              <a:ext uri="{28A0092B-C50C-407E-A947-70E740481C1C}">
+                <a14:useLocalDpi xmlns:a14="http://schemas.microsoft.com/office/drawing/2010/main" val="0"/>
+              </a:ext>
+            </a:extLst>
+          </a:blip>
+          <a:srcRect l="13238" r="19684"/>
+          <a:stretch/>
+        </p:blipFill>
+        <p:spPr>
+          <a:xfrm>
+            <a:off x="8931835" y="1166406"/>
+            <a:ext cx="2487974" cy="2472732"/>
+          </a:xfrm>
+          <a:prstGeom prst="rect">
+            <a:avLst/>
+          </a:prstGeom>
+          <a:solidFill>
+            <a:srgbClr val="FFFFFF">
+              <a:shade val="85000"/>
+            </a:srgbClr>
+          </a:solidFill>
+          <a:ln w="190500" cap="rnd">
+            <a:solidFill>
+              <a:srgbClr val="FFFFFF"/>
+            </a:solidFill>
+          </a:ln>
+          <a:effectLst>
+            <a:outerShdw blurRad="50000" algn="tl" rotWithShape="0">
+              <a:srgbClr val="000000">
+                <a:alpha val="41000"/>
+              </a:srgbClr>
+            </a:outerShdw>
+          </a:effectLst>
+          <a:scene3d>
+            <a:camera prst="orthographicFront"/>
+            <a:lightRig rig="twoPt" dir="t">
+              <a:rot lat="0" lon="0" rev="7800000"/>
+            </a:lightRig>
+          </a:scene3d>
+          <a:sp3d contourW="6350">
+            <a:bevelT w="50800" h="16510"/>
+            <a:contourClr>
+              <a:srgbClr val="C0C0C0"/>
+            </a:contourClr>
+          </a:sp3d>
+        </p:spPr>
+      </p:pic>
+      <p:pic>
+        <p:nvPicPr>
           <p:cNvPr id="2052" name="Picture 4" descr="http://a3.files.biography.com/image/upload/c_fit,cs_srgb,dpr_1.0,h_1200,q_80,w_1200/MTE4MDAzNDEwODQwOTQ2MTkw.jpg"/>
           <p:cNvPicPr>
             <a:picLocks noChangeAspect="1" noChangeArrowheads="1"/>
@@ -11625,7 +11922,7 @@
           <p:nvPr/>
         </p:nvPicPr>
         <p:blipFill>
-          <a:blip r:embed="rId3" cstate="print">
+          <a:blip r:embed="rId4" cstate="print">
             <a:extLst>
               <a:ext uri="{28A0092B-C50C-407E-A947-70E740481C1C}">
                 <a14:useLocalDpi xmlns:a14="http://schemas.microsoft.com/office/drawing/2010/main" val="0"/>
@@ -11639,7 +11936,7 @@
         </p:blipFill>
         <p:spPr bwMode="auto">
           <a:xfrm>
-            <a:off x="895004" y="623453"/>
+            <a:off x="328484" y="1166406"/>
             <a:ext cx="2369531" cy="2369531"/>
           </a:xfrm>
           <a:prstGeom prst="rect">
@@ -11685,8 +11982,8 @@
         </p:nvSpPr>
         <p:spPr>
           <a:xfrm>
-            <a:off x="3713273" y="1438886"/>
-            <a:ext cx="1582484" cy="369332"/>
+            <a:off x="898048" y="3366572"/>
+            <a:ext cx="1230401" cy="307777"/>
           </a:xfrm>
           <a:prstGeom prst="rect">
             <a:avLst/>
@@ -11698,8 +11995,9 @@
           </a:bodyPr>
           <a:lstStyle/>
           <a:p>
-            <a:r>
-              <a:rPr lang="en-GB" dirty="0"/>
+            <a:pPr algn="ctr"/>
+            <a:r>
+              <a:rPr lang="en-GB" sz="1400" dirty="0"/>
               <a:t>Ada Lovelace</a:t>
             </a:r>
           </a:p>
@@ -11714,7 +12012,7 @@
           <p:nvPr/>
         </p:nvPicPr>
         <p:blipFill>
-          <a:blip r:embed="rId4">
+          <a:blip r:embed="rId5">
             <a:extLst>
               <a:ext uri="{28A0092B-C50C-407E-A947-70E740481C1C}">
                 <a14:useLocalDpi xmlns:a14="http://schemas.microsoft.com/office/drawing/2010/main" val="0"/>
@@ -11728,7 +12026,7 @@
         </p:blipFill>
         <p:spPr bwMode="auto">
           <a:xfrm>
-            <a:off x="7127179" y="1126375"/>
+            <a:off x="2011626" y="3900117"/>
             <a:ext cx="2394774" cy="2394774"/>
           </a:xfrm>
           <a:prstGeom prst="rect">
@@ -11774,8 +12072,8 @@
         </p:nvSpPr>
         <p:spPr>
           <a:xfrm>
-            <a:off x="9662971" y="2138624"/>
-            <a:ext cx="1633781" cy="369332"/>
+            <a:off x="1943678" y="6141002"/>
+            <a:ext cx="2358146" cy="307777"/>
           </a:xfrm>
           <a:prstGeom prst="rect">
             <a:avLst/>
@@ -11787,9 +12085,10 @@
           </a:bodyPr>
           <a:lstStyle/>
           <a:p>
-            <a:r>
-              <a:rPr lang="en-GB" dirty="0"/>
-              <a:t>Grace Hopper</a:t>
+            <a:pPr algn="ctr"/>
+            <a:r>
+              <a:rPr lang="en-GB" sz="1400" dirty="0"/>
+              <a:t>Rear Admiral Grace Hopper</a:t>
             </a:r>
           </a:p>
         </p:txBody>
@@ -11803,7 +12102,7 @@
           <p:nvPr/>
         </p:nvPicPr>
         <p:blipFill>
-          <a:blip r:embed="rId5" cstate="print">
+          <a:blip r:embed="rId6" cstate="print">
             <a:extLst>
               <a:ext uri="{28A0092B-C50C-407E-A947-70E740481C1C}">
                 <a14:useLocalDpi xmlns:a14="http://schemas.microsoft.com/office/drawing/2010/main" val="0"/>
@@ -11817,7 +12116,7 @@
         </p:blipFill>
         <p:spPr bwMode="auto">
           <a:xfrm>
-            <a:off x="895005" y="3552219"/>
+            <a:off x="4666466" y="1234288"/>
             <a:ext cx="2369531" cy="2369531"/>
           </a:xfrm>
           <a:prstGeom prst="rect">
@@ -11863,8 +12162,8 @@
         </p:nvSpPr>
         <p:spPr>
           <a:xfrm>
-            <a:off x="3548305" y="5181199"/>
-            <a:ext cx="2587953" cy="369332"/>
+            <a:off x="4748442" y="3452408"/>
+            <a:ext cx="2059410" cy="307777"/>
           </a:xfrm>
           <a:prstGeom prst="rect">
             <a:avLst/>
@@ -11876,11 +12175,11 @@
           </a:bodyPr>
           <a:lstStyle/>
           <a:p>
-            <a:r>
-              <a:rPr lang="en-GB" dirty="0" smtClean="0"/>
+            <a:pPr algn="ctr"/>
+            <a:r>
+              <a:rPr lang="en-GB" sz="1400" dirty="0"/>
               <a:t>Dame Stephanie Shirley</a:t>
             </a:r>
-            <a:endParaRPr lang="en-GB" dirty="0"/>
           </a:p>
         </p:txBody>
       </p:sp>
@@ -11894,15 +12193,10 @@
             <p:ph type="title"/>
           </p:nvPr>
         </p:nvSpPr>
-        <p:spPr>
-          <a:xfrm>
-            <a:off x="3713273" y="4074203"/>
-            <a:ext cx="8369312" cy="872936"/>
-          </a:xfrm>
-        </p:spPr>
+        <p:spPr/>
         <p:txBody>
           <a:bodyPr>
-            <a:normAutofit fontScale="90000"/>
+            <a:normAutofit/>
           </a:bodyPr>
           <a:lstStyle/>
           <a:p>
@@ -11914,6 +12208,122 @@
               <a:rPr lang="en-US" dirty="0"/>
             </a:br>
             <a:endParaRPr lang="en-GB" dirty="0"/>
+          </a:p>
+        </p:txBody>
+      </p:sp>
+      <p:pic>
+        <p:nvPicPr>
+          <p:cNvPr id="5" name="Picture 4"/>
+          <p:cNvPicPr>
+            <a:picLocks noChangeAspect="1"/>
+          </p:cNvPicPr>
+          <p:nvPr/>
+        </p:nvPicPr>
+        <p:blipFill rotWithShape="1">
+          <a:blip r:embed="rId7" cstate="print">
+            <a:extLst>
+              <a:ext uri="{28A0092B-C50C-407E-A947-70E740481C1C}">
+                <a14:useLocalDpi xmlns:a14="http://schemas.microsoft.com/office/drawing/2010/main" val="0"/>
+              </a:ext>
+            </a:extLst>
+          </a:blip>
+          <a:srcRect l="8722" r="11715" b="3091"/>
+          <a:stretch/>
+        </p:blipFill>
+        <p:spPr>
+          <a:xfrm>
+            <a:off x="6952782" y="3930256"/>
+            <a:ext cx="2471168" cy="2369531"/>
+          </a:xfrm>
+          <a:prstGeom prst="rect">
+            <a:avLst/>
+          </a:prstGeom>
+          <a:solidFill>
+            <a:srgbClr val="FFFFFF">
+              <a:shade val="85000"/>
+            </a:srgbClr>
+          </a:solidFill>
+          <a:ln w="190500" cap="rnd">
+            <a:solidFill>
+              <a:srgbClr val="FFFFFF"/>
+            </a:solidFill>
+          </a:ln>
+          <a:effectLst>
+            <a:outerShdw blurRad="50000" algn="tl" rotWithShape="0">
+              <a:srgbClr val="000000">
+                <a:alpha val="41000"/>
+              </a:srgbClr>
+            </a:outerShdw>
+          </a:effectLst>
+          <a:scene3d>
+            <a:camera prst="orthographicFront"/>
+            <a:lightRig rig="twoPt" dir="t">
+              <a:rot lat="0" lon="0" rev="7800000"/>
+            </a:lightRig>
+          </a:scene3d>
+          <a:sp3d contourW="6350">
+            <a:bevelT w="50800" h="16510"/>
+            <a:contourClr>
+              <a:srgbClr val="C0C0C0"/>
+            </a:contourClr>
+          </a:sp3d>
+        </p:spPr>
+      </p:pic>
+      <p:sp>
+        <p:nvSpPr>
+          <p:cNvPr id="10" name="Rectangle 9"/>
+          <p:cNvSpPr/>
+          <p:nvPr/>
+        </p:nvSpPr>
+        <p:spPr>
+          <a:xfrm>
+            <a:off x="7415533" y="6141001"/>
+            <a:ext cx="1686936" cy="307777"/>
+          </a:xfrm>
+          <a:prstGeom prst="rect">
+            <a:avLst/>
+          </a:prstGeom>
+        </p:spPr>
+        <p:txBody>
+          <a:bodyPr wrap="none">
+            <a:spAutoFit/>
+          </a:bodyPr>
+          <a:lstStyle/>
+          <a:p>
+            <a:pPr algn="ctr"/>
+            <a:r>
+              <a:rPr lang="en-GB" sz="1400" dirty="0"/>
+              <a:t>Margaret Hamilton</a:t>
+            </a:r>
+          </a:p>
+        </p:txBody>
+      </p:sp>
+      <p:sp>
+        <p:nvSpPr>
+          <p:cNvPr id="13" name="Rectangle 12"/>
+          <p:cNvSpPr/>
+          <p:nvPr/>
+        </p:nvSpPr>
+        <p:spPr>
+          <a:xfrm>
+            <a:off x="9423950" y="3452408"/>
+            <a:ext cx="1503745" cy="307777"/>
+          </a:xfrm>
+          <a:prstGeom prst="rect">
+            <a:avLst/>
+          </a:prstGeom>
+        </p:spPr>
+        <p:txBody>
+          <a:bodyPr wrap="none">
+            <a:spAutoFit/>
+          </a:bodyPr>
+          <a:lstStyle/>
+          <a:p>
+            <a:pPr algn="ctr"/>
+            <a:r>
+              <a:rPr lang="en-GB" sz="1400" dirty="0"/>
+              <a:t>Martha Lane Fox</a:t>
+            </a:r>
           </a:p>
         </p:txBody>
       </p:sp>
@@ -11927,6 +12337,18 @@
   <p:clrMapOvr>
     <a:masterClrMapping/>
   </p:clrMapOvr>
+  <mc:AlternateContent xmlns:mc="http://schemas.openxmlformats.org/markup-compatibility/2006" xmlns:p14="http://schemas.microsoft.com/office/powerpoint/2010/main">
+    <mc:Choice Requires="p14">
+      <p:transition spd="med" p14:dur="700">
+        <p:fade/>
+      </p:transition>
+    </mc:Choice>
+    <mc:Fallback xmlns="">
+      <p:transition spd="med">
+        <p:fade/>
+      </p:transition>
+    </mc:Fallback>
+  </mc:AlternateContent>
   <p:timing>
     <p:tnLst>
       <p:par>
@@ -11948,7 +12370,7 @@
                             </p:stCondLst>
                             <p:childTnLst>
                               <p:par>
-                                <p:cTn id="5" presetID="1" presetClass="entr" presetSubtype="0" fill="hold" nodeType="clickEffect">
+                                <p:cTn id="5" presetID="10" presetClass="entr" presetSubtype="0" fill="hold" nodeType="clickEffect">
                                   <p:stCondLst>
                                     <p:cond delay="0"/>
                                   </p:stCondLst>
@@ -11971,18 +12393,44 @@
                                         <p:strVal val="visible"/>
                                       </p:to>
                                     </p:set>
+                                    <p:animEffect transition="in" filter="fade">
+                                      <p:cBhvr>
+                                        <p:cTn id="7" dur="500"/>
+                                        <p:tgtEl>
+                                          <p:spTgt spid="2052"/>
+                                        </p:tgtEl>
+                                      </p:cBhvr>
+                                    </p:animEffect>
                                   </p:childTnLst>
                                 </p:cTn>
                               </p:par>
+                            </p:childTnLst>
+                          </p:cTn>
+                        </p:par>
+                      </p:childTnLst>
+                    </p:cTn>
+                  </p:par>
+                  <p:par>
+                    <p:cTn id="8" fill="hold">
+                      <p:stCondLst>
+                        <p:cond delay="indefinite"/>
+                      </p:stCondLst>
+                      <p:childTnLst>
+                        <p:par>
+                          <p:cTn id="9" fill="hold">
+                            <p:stCondLst>
+                              <p:cond delay="0"/>
+                            </p:stCondLst>
+                            <p:childTnLst>
                               <p:par>
-                                <p:cTn id="7" presetID="1" presetClass="entr" presetSubtype="0" fill="hold" grpId="0" nodeType="withEffect">
+                                <p:cTn id="10" presetID="10" presetClass="entr" presetSubtype="0" fill="hold" grpId="0" nodeType="clickEffect">
                                   <p:stCondLst>
                                     <p:cond delay="0"/>
                                   </p:stCondLst>
                                   <p:childTnLst>
                                     <p:set>
                                       <p:cBhvr>
-                                        <p:cTn id="8" dur="1" fill="hold">
+                                        <p:cTn id="11" dur="1" fill="hold">
                                           <p:stCondLst>
                                             <p:cond delay="0"/>
                                           </p:stCondLst>
@@ -11998,6 +12446,14 @@
                                         <p:strVal val="visible"/>
                                       </p:to>
                                     </p:set>
+                                    <p:animEffect transition="in" filter="fade">
+                                      <p:cBhvr>
+                                        <p:cTn id="12" dur="500"/>
+                                        <p:tgtEl>
+                                          <p:spTgt spid="3"/>
+                                        </p:tgtEl>
+                                      </p:cBhvr>
+                                    </p:animEffect>
                                   </p:childTnLst>
                                 </p:cTn>
                               </p:par>
@@ -12008,26 +12464,26 @@
                     </p:cTn>
                   </p:par>
                   <p:par>
-                    <p:cTn id="9" fill="hold">
+                    <p:cTn id="13" fill="hold">
                       <p:stCondLst>
                         <p:cond delay="indefinite"/>
                       </p:stCondLst>
                       <p:childTnLst>
                         <p:par>
-                          <p:cTn id="10" fill="hold">
+                          <p:cTn id="14" fill="hold">
                             <p:stCondLst>
                               <p:cond delay="0"/>
                             </p:stCondLst>
                             <p:childTnLst>
                               <p:par>
-                                <p:cTn id="11" presetID="1" presetClass="entr" presetSubtype="0" fill="hold" nodeType="clickEffect">
+                                <p:cTn id="15" presetID="10" presetClass="entr" presetSubtype="0" fill="hold" nodeType="clickEffect">
                                   <p:stCondLst>
                                     <p:cond delay="0"/>
                                   </p:stCondLst>
                                   <p:childTnLst>
                                     <p:set>
                                       <p:cBhvr>
-                                        <p:cTn id="12" dur="1" fill="hold">
+                                        <p:cTn id="16" dur="1" fill="hold">
                                           <p:stCondLst>
                                             <p:cond delay="0"/>
                                           </p:stCondLst>
@@ -12043,18 +12499,44 @@
                                         <p:strVal val="visible"/>
                                       </p:to>
                                     </p:set>
+                                    <p:animEffect transition="in" filter="fade">
+                                      <p:cBhvr>
+                                        <p:cTn id="17" dur="500"/>
+                                        <p:tgtEl>
+                                          <p:spTgt spid="2054"/>
+                                        </p:tgtEl>
+                                      </p:cBhvr>
+                                    </p:animEffect>
                                   </p:childTnLst>
                                 </p:cTn>
                               </p:par>
+                            </p:childTnLst>
+                          </p:cTn>
+                        </p:par>
+                      </p:childTnLst>
+                    </p:cTn>
+                  </p:par>
+                  <p:par>
+                    <p:cTn id="18" fill="hold">
+                      <p:stCondLst>
+                        <p:cond delay="indefinite"/>
+                      </p:stCondLst>
+                      <p:childTnLst>
+                        <p:par>
+                          <p:cTn id="19" fill="hold">
+                            <p:stCondLst>
+                              <p:cond delay="0"/>
+                            </p:stCondLst>
+                            <p:childTnLst>
                               <p:par>
-                                <p:cTn id="13" presetID="1" presetClass="entr" presetSubtype="0" fill="hold" grpId="0" nodeType="withEffect">
+                                <p:cTn id="20" presetID="10" presetClass="entr" presetSubtype="0" fill="hold" grpId="0" nodeType="clickEffect">
                                   <p:stCondLst>
                                     <p:cond delay="0"/>
                                   </p:stCondLst>
                                   <p:childTnLst>
                                     <p:set>
                                       <p:cBhvr>
-                                        <p:cTn id="14" dur="1" fill="hold">
+                                        <p:cTn id="21" dur="1" fill="hold">
                                           <p:stCondLst>
                                             <p:cond delay="0"/>
                                           </p:stCondLst>
@@ -12070,6 +12552,14 @@
                                         <p:strVal val="visible"/>
                                       </p:to>
                                     </p:set>
+                                    <p:animEffect transition="in" filter="fade">
+                                      <p:cBhvr>
+                                        <p:cTn id="22" dur="500"/>
+                                        <p:tgtEl>
+                                          <p:spTgt spid="4"/>
+                                        </p:tgtEl>
+                                      </p:cBhvr>
+                                    </p:animEffect>
                                   </p:childTnLst>
                                 </p:cTn>
                               </p:par>
@@ -12080,26 +12570,26 @@
                     </p:cTn>
                   </p:par>
                   <p:par>
-                    <p:cTn id="15" fill="hold">
+                    <p:cTn id="23" fill="hold">
                       <p:stCondLst>
                         <p:cond delay="indefinite"/>
                       </p:stCondLst>
                       <p:childTnLst>
                         <p:par>
-                          <p:cTn id="16" fill="hold">
+                          <p:cTn id="24" fill="hold">
                             <p:stCondLst>
                               <p:cond delay="0"/>
                             </p:stCondLst>
                             <p:childTnLst>
                               <p:par>
-                                <p:cTn id="17" presetID="1" presetClass="entr" presetSubtype="0" fill="hold" nodeType="clickEffect">
+                                <p:cTn id="25" presetID="10" presetClass="entr" presetSubtype="0" fill="hold" nodeType="clickEffect">
                                   <p:stCondLst>
                                     <p:cond delay="0"/>
                                   </p:stCondLst>
                                   <p:childTnLst>
                                     <p:set>
                                       <p:cBhvr>
-                                        <p:cTn id="18" dur="1" fill="hold">
+                                        <p:cTn id="26" dur="1" fill="hold">
                                           <p:stCondLst>
                                             <p:cond delay="0"/>
                                           </p:stCondLst>
@@ -12115,18 +12605,44 @@
                                         <p:strVal val="visible"/>
                                       </p:to>
                                     </p:set>
+                                    <p:animEffect transition="in" filter="fade">
+                                      <p:cBhvr>
+                                        <p:cTn id="27" dur="500"/>
+                                        <p:tgtEl>
+                                          <p:spTgt spid="2058"/>
+                                        </p:tgtEl>
+                                      </p:cBhvr>
+                                    </p:animEffect>
                                   </p:childTnLst>
                                 </p:cTn>
                               </p:par>
+                            </p:childTnLst>
+                          </p:cTn>
+                        </p:par>
+                      </p:childTnLst>
+                    </p:cTn>
+                  </p:par>
+                  <p:par>
+                    <p:cTn id="28" fill="hold">
+                      <p:stCondLst>
+                        <p:cond delay="indefinite"/>
+                      </p:stCondLst>
+                      <p:childTnLst>
+                        <p:par>
+                          <p:cTn id="29" fill="hold">
+                            <p:stCondLst>
+                              <p:cond delay="0"/>
+                            </p:stCondLst>
+                            <p:childTnLst>
                               <p:par>
-                                <p:cTn id="19" presetID="1" presetClass="entr" presetSubtype="0" fill="hold" grpId="0" nodeType="withEffect">
+                                <p:cTn id="30" presetID="10" presetClass="entr" presetSubtype="0" fill="hold" grpId="0" nodeType="clickEffect">
                                   <p:stCondLst>
                                     <p:cond delay="0"/>
                                   </p:stCondLst>
                                   <p:childTnLst>
                                     <p:set>
                                       <p:cBhvr>
-                                        <p:cTn id="20" dur="1" fill="hold">
+                                        <p:cTn id="31" dur="1" fill="hold">
                                           <p:stCondLst>
                                             <p:cond delay="0"/>
                                           </p:stCondLst>
@@ -12142,6 +12658,226 @@
                                         <p:strVal val="visible"/>
                                       </p:to>
                                     </p:set>
+                                    <p:animEffect transition="in" filter="fade">
+                                      <p:cBhvr>
+                                        <p:cTn id="32" dur="500"/>
+                                        <p:tgtEl>
+                                          <p:spTgt spid="6"/>
+                                        </p:tgtEl>
+                                      </p:cBhvr>
+                                    </p:animEffect>
+                                  </p:childTnLst>
+                                </p:cTn>
+                              </p:par>
+                            </p:childTnLst>
+                          </p:cTn>
+                        </p:par>
+                      </p:childTnLst>
+                    </p:cTn>
+                  </p:par>
+                  <p:par>
+                    <p:cTn id="33" fill="hold">
+                      <p:stCondLst>
+                        <p:cond delay="indefinite"/>
+                      </p:stCondLst>
+                      <p:childTnLst>
+                        <p:par>
+                          <p:cTn id="34" fill="hold">
+                            <p:stCondLst>
+                              <p:cond delay="0"/>
+                            </p:stCondLst>
+                            <p:childTnLst>
+                              <p:par>
+                                <p:cTn id="35" presetID="10" presetClass="entr" presetSubtype="0" fill="hold" nodeType="clickEffect">
+                                  <p:stCondLst>
+                                    <p:cond delay="0"/>
+                                  </p:stCondLst>
+                                  <p:childTnLst>
+                                    <p:set>
+                                      <p:cBhvr>
+                                        <p:cTn id="36" dur="1" fill="hold">
+                                          <p:stCondLst>
+                                            <p:cond delay="0"/>
+                                          </p:stCondLst>
+                                        </p:cTn>
+                                        <p:tgtEl>
+                                          <p:spTgt spid="5"/>
+                                        </p:tgtEl>
+                                        <p:attrNameLst>
+                                          <p:attrName>style.visibility</p:attrName>
+                                        </p:attrNameLst>
+                                      </p:cBhvr>
+                                      <p:to>
+                                        <p:strVal val="visible"/>
+                                      </p:to>
+                                    </p:set>
+                                    <p:animEffect transition="in" filter="fade">
+                                      <p:cBhvr>
+                                        <p:cTn id="37" dur="500"/>
+                                        <p:tgtEl>
+                                          <p:spTgt spid="5"/>
+                                        </p:tgtEl>
+                                      </p:cBhvr>
+                                    </p:animEffect>
+                                  </p:childTnLst>
+                                </p:cTn>
+                              </p:par>
+                            </p:childTnLst>
+                          </p:cTn>
+                        </p:par>
+                      </p:childTnLst>
+                    </p:cTn>
+                  </p:par>
+                  <p:par>
+                    <p:cTn id="38" fill="hold">
+                      <p:stCondLst>
+                        <p:cond delay="indefinite"/>
+                      </p:stCondLst>
+                      <p:childTnLst>
+                        <p:par>
+                          <p:cTn id="39" fill="hold">
+                            <p:stCondLst>
+                              <p:cond delay="0"/>
+                            </p:stCondLst>
+                            <p:childTnLst>
+                              <p:par>
+                                <p:cTn id="40" presetID="10" presetClass="entr" presetSubtype="0" fill="hold" grpId="0" nodeType="clickEffect">
+                                  <p:stCondLst>
+                                    <p:cond delay="0"/>
+                                  </p:stCondLst>
+                                  <p:childTnLst>
+                                    <p:set>
+                                      <p:cBhvr>
+                                        <p:cTn id="41" dur="1" fill="hold">
+                                          <p:stCondLst>
+                                            <p:cond delay="0"/>
+                                          </p:stCondLst>
+                                        </p:cTn>
+                                        <p:tgtEl>
+                                          <p:spTgt spid="10"/>
+                                        </p:tgtEl>
+                                        <p:attrNameLst>
+                                          <p:attrName>style.visibility</p:attrName>
+                                        </p:attrNameLst>
+                                      </p:cBhvr>
+                                      <p:to>
+                                        <p:strVal val="visible"/>
+                                      </p:to>
+                                    </p:set>
+                                    <p:animEffect transition="in" filter="fade">
+                                      <p:cBhvr>
+                                        <p:cTn id="42" dur="500"/>
+                                        <p:tgtEl>
+                                          <p:spTgt spid="10"/>
+                                        </p:tgtEl>
+                                      </p:cBhvr>
+                                    </p:animEffect>
+                                  </p:childTnLst>
+                                </p:cTn>
+                              </p:par>
+                            </p:childTnLst>
+                          </p:cTn>
+                        </p:par>
+                      </p:childTnLst>
+                    </p:cTn>
+                  </p:par>
+                  <p:par>
+                    <p:cTn id="43" fill="hold">
+                      <p:stCondLst>
+                        <p:cond delay="indefinite"/>
+                      </p:stCondLst>
+                      <p:childTnLst>
+                        <p:par>
+                          <p:cTn id="44" fill="hold">
+                            <p:stCondLst>
+                              <p:cond delay="0"/>
+                            </p:stCondLst>
+                            <p:childTnLst>
+                              <p:par>
+                                <p:cTn id="45" presetID="10" presetClass="entr" presetSubtype="0" fill="hold" nodeType="clickEffect">
+                                  <p:stCondLst>
+                                    <p:cond delay="0"/>
+                                  </p:stCondLst>
+                                  <p:childTnLst>
+                                    <p:set>
+                                      <p:cBhvr>
+                                        <p:cTn id="46" dur="1" fill="hold">
+                                          <p:stCondLst>
+                                            <p:cond delay="0"/>
+                                          </p:stCondLst>
+                                        </p:cTn>
+                                        <p:tgtEl>
+                                          <p:spTgt spid="11"/>
+                                        </p:tgtEl>
+                                        <p:attrNameLst>
+                                          <p:attrName>style.visibility</p:attrName>
+                                        </p:attrNameLst>
+                                      </p:cBhvr>
+                                      <p:to>
+                                        <p:strVal val="visible"/>
+                                      </p:to>
+                                    </p:set>
+                                    <p:animEffect transition="in" filter="fade">
+                                      <p:cBhvr>
+                                        <p:cTn id="47" dur="500"/>
+                                        <p:tgtEl>
+                                          <p:spTgt spid="11"/>
+                                        </p:tgtEl>
+                                      </p:cBhvr>
+                                    </p:animEffect>
+                                  </p:childTnLst>
+                                </p:cTn>
+                              </p:par>
+                            </p:childTnLst>
+                          </p:cTn>
+                        </p:par>
+                      </p:childTnLst>
+                    </p:cTn>
+                  </p:par>
+                  <p:par>
+                    <p:cTn id="48" fill="hold">
+                      <p:stCondLst>
+                        <p:cond delay="indefinite"/>
+                      </p:stCondLst>
+                      <p:childTnLst>
+                        <p:par>
+                          <p:cTn id="49" fill="hold">
+                            <p:stCondLst>
+                              <p:cond delay="0"/>
+                            </p:stCondLst>
+                            <p:childTnLst>
+                              <p:par>
+                                <p:cTn id="50" presetID="10" presetClass="entr" presetSubtype="0" fill="hold" grpId="0" nodeType="clickEffect">
+                                  <p:stCondLst>
+                                    <p:cond delay="0"/>
+                                  </p:stCondLst>
+                                  <p:childTnLst>
+                                    <p:set>
+                                      <p:cBhvr>
+                                        <p:cTn id="51" dur="1" fill="hold">
+                                          <p:stCondLst>
+                                            <p:cond delay="0"/>
+                                          </p:stCondLst>
+                                        </p:cTn>
+                                        <p:tgtEl>
+                                          <p:spTgt spid="13"/>
+                                        </p:tgtEl>
+                                        <p:attrNameLst>
+                                          <p:attrName>style.visibility</p:attrName>
+                                        </p:attrNameLst>
+                                      </p:cBhvr>
+                                      <p:to>
+                                        <p:strVal val="visible"/>
+                                      </p:to>
+                                    </p:set>
+                                    <p:animEffect transition="in" filter="fade">
+                                      <p:cBhvr>
+                                        <p:cTn id="52" dur="500"/>
+                                        <p:tgtEl>
+                                          <p:spTgt spid="13"/>
+                                        </p:tgtEl>
+                                      </p:cBhvr>
+                                    </p:animEffect>
                                   </p:childTnLst>
                                 </p:cTn>
                               </p:par>
@@ -12176,6 +12912,8 @@
       <p:bldP spid="3" grpId="0"/>
       <p:bldP spid="4" grpId="0"/>
       <p:bldP spid="6" grpId="0"/>
+      <p:bldP spid="10" grpId="0"/>
+      <p:bldP spid="13" grpId="0"/>
     </p:bldLst>
   </p:timing>
 </p:sld>
@@ -12206,11 +12944,14 @@
         </p:nvSpPr>
         <p:spPr>
           <a:xfrm>
-            <a:off x="6815017" y="841129"/>
+            <a:off x="6611817" y="669191"/>
             <a:ext cx="4298462" cy="2287954"/>
           </a:xfrm>
           <a:prstGeom prst="wedgeEllipseCallout">
-            <a:avLst/>
+            <a:avLst>
+              <a:gd name="adj1" fmla="val -62469"/>
+              <a:gd name="adj2" fmla="val 43371"/>
+            </a:avLst>
           </a:prstGeom>
         </p:spPr>
         <p:style>
@@ -12253,7 +12994,10 @@
             <a:ext cx="4298462" cy="2287954"/>
           </a:xfrm>
           <a:prstGeom prst="wedgeEllipseCallout">
-            <a:avLst/>
+            <a:avLst>
+              <a:gd name="adj1" fmla="val 69531"/>
+              <a:gd name="adj2" fmla="val 39614"/>
+            </a:avLst>
           </a:prstGeom>
         </p:spPr>
         <p:style>
@@ -12296,7 +13040,10 @@
             <a:ext cx="6861909" cy="2287954"/>
           </a:xfrm>
           <a:prstGeom prst="wedgeEllipseCallout">
-            <a:avLst/>
+            <a:avLst>
+              <a:gd name="adj1" fmla="val -6824"/>
+              <a:gd name="adj2" fmla="val -75843"/>
+            </a:avLst>
           </a:prstGeom>
         </p:spPr>
         <p:style>
@@ -12326,25 +13073,12 @@
             </a:r>
             <a:r>
               <a:rPr lang="en-GB" sz="3200"/>
-              <a:t>the </a:t>
-            </a:r>
-            <a:r>
-              <a:rPr lang="en-GB" sz="3200" smtClean="0"/>
-              <a:t>basics </a:t>
-            </a:r>
-            <a:r>
-              <a:rPr lang="en-GB" sz="3200" dirty="0" smtClean="0"/>
-              <a:t>concepts of coding </a:t>
+              <a:t>the basics </a:t>
             </a:r>
             <a:r>
               <a:rPr lang="en-GB" sz="3200" dirty="0"/>
-              <a:t>so you can </a:t>
-            </a:r>
-            <a:r>
-              <a:rPr lang="en-GB" sz="3200" dirty="0" smtClean="0"/>
-              <a:t>contribute</a:t>
-            </a:r>
-            <a:endParaRPr lang="en-GB" sz="3200" dirty="0"/>
+              <a:t>concepts of coding so you can contribute</a:t>
+            </a:r>
           </a:p>
         </p:txBody>
       </p:sp>
@@ -12358,6 +13092,18 @@
   <p:clrMapOvr>
     <a:masterClrMapping/>
   </p:clrMapOvr>
+  <mc:AlternateContent xmlns:mc="http://schemas.openxmlformats.org/markup-compatibility/2006" xmlns:p14="http://schemas.microsoft.com/office/powerpoint/2010/main">
+    <mc:Choice Requires="p14">
+      <p:transition spd="med" p14:dur="700">
+        <p:fade/>
+      </p:transition>
+    </mc:Choice>
+    <mc:Fallback xmlns="">
+      <p:transition spd="med">
+        <p:fade/>
+      </p:transition>
+    </mc:Fallback>
+  </mc:AlternateContent>
   <p:timing>
     <p:tnLst>
       <p:par>
@@ -12991,4 +13737,264 @@
     </a:ext>
   </a:extLst>
 </a:theme>
+</file>
+
+<file path=customXml/item1.xml><?xml version="1.0" encoding="utf-8"?>
+<ct:contentTypeSchema xmlns:ct="http://schemas.microsoft.com/office/2006/metadata/contentType" xmlns:ma="http://schemas.microsoft.com/office/2006/metadata/properties/metaAttributes" ct:_="" ma:_="" ma:contentTypeName="Black Marble Presentation" ma:contentTypeID="0x010100AED4198795C7FE49B29C2076BD071E1905000EAF08AED0FE1B4BBE46E8D86720BF3A" ma:contentTypeVersion="16" ma:contentTypeDescription="" ma:contentTypeScope="" ma:versionID="99341a1dc6fbe24b9a1f20f2c0c3fba2">
+  <xsd:schema xmlns:xsd="http://www.w3.org/2001/XMLSchema" xmlns:xs="http://www.w3.org/2001/XMLSchema" xmlns:p="http://schemas.microsoft.com/office/2006/metadata/properties" xmlns:ns2="e9d2523a-f6c8-4b58-93c0-559fd1563d05" targetNamespace="http://schemas.microsoft.com/office/2006/metadata/properties" ma:root="true" ma:fieldsID="031294f3b8784076fe333b9cee4d1308" ns2:_="">
+    <xsd:import namespace="e9d2523a-f6c8-4b58-93c0-559fd1563d05"/>
+    <xsd:element name="properties">
+      <xsd:complexType>
+        <xsd:sequence>
+          <xsd:element name="documentManagement">
+            <xsd:complexType>
+              <xsd:all>
+                <xsd:element ref="ns2:ncc7974b4cc743ee9fa76c9d4986e664" minOccurs="0"/>
+                <xsd:element ref="ns2:TaxCatchAll" minOccurs="0"/>
+                <xsd:element ref="ns2:TaxCatchAllLabel" minOccurs="0"/>
+                <xsd:element ref="ns2:e895aedb3c1b437f9b9a6dbf3a7b3bb6" minOccurs="0"/>
+                <xsd:element ref="ns2:lef06227c70244b99f28efd69bf8c4a2" minOccurs="0"/>
+                <xsd:element ref="ns2:b1cc683000e54dd292230264e51d5ab3" minOccurs="0"/>
+              </xsd:all>
+            </xsd:complexType>
+          </xsd:element>
+        </xsd:sequence>
+      </xsd:complexType>
+    </xsd:element>
+  </xsd:schema>
+  <xsd:schema xmlns:xsd="http://www.w3.org/2001/XMLSchema" xmlns:xs="http://www.w3.org/2001/XMLSchema" xmlns:dms="http://schemas.microsoft.com/office/2006/documentManagement/types" xmlns:pc="http://schemas.microsoft.com/office/infopath/2007/PartnerControls" targetNamespace="e9d2523a-f6c8-4b58-93c0-559fd1563d05" elementFormDefault="qualified">
+    <xsd:import namespace="http://schemas.microsoft.com/office/2006/documentManagement/types"/>
+    <xsd:import namespace="http://schemas.microsoft.com/office/infopath/2007/PartnerControls"/>
+    <xsd:element name="ncc7974b4cc743ee9fa76c9d4986e664" ma:index="8" nillable="true" ma:taxonomy="true" ma:internalName="ncc7974b4cc743ee9fa76c9d4986e664" ma:taxonomyFieldName="Client" ma:displayName="Client" ma:readOnly="false" ma:default="" ma:fieldId="{7cc7974b-4cc7-43ee-9fa7-6c9d4986e664}" ma:sspId="613de2c2-ece5-413d-a54d-11a84cbe9590" ma:termSetId="986f9cb8-dd98-4721-a02f-04cdb7abca8c" ma:anchorId="00000000-0000-0000-0000-000000000000" ma:open="true" ma:isKeyword="false">
+      <xsd:complexType>
+        <xsd:sequence>
+          <xsd:element ref="pc:Terms" minOccurs="0" maxOccurs="1"/>
+        </xsd:sequence>
+      </xsd:complexType>
+    </xsd:element>
+    <xsd:element name="TaxCatchAll" ma:index="9" nillable="true" ma:displayName="Taxonomy Catch All Column" ma:description="" ma:hidden="true" ma:list="{0825ddf7-5dbb-4b12-9f5f-afeebe1388c2}" ma:internalName="TaxCatchAll" ma:showField="CatchAllData" ma:web="235817de-0f1e-495a-b6be-54b5fc82f0f9">
+      <xsd:complexType>
+        <xsd:complexContent>
+          <xsd:extension base="dms:MultiChoiceLookup">
+            <xsd:sequence>
+              <xsd:element name="Value" type="dms:Lookup" maxOccurs="unbounded" minOccurs="0" nillable="true"/>
+            </xsd:sequence>
+          </xsd:extension>
+        </xsd:complexContent>
+      </xsd:complexType>
+    </xsd:element>
+    <xsd:element name="TaxCatchAllLabel" ma:index="10" nillable="true" ma:displayName="Taxonomy Catch All Column1" ma:description="" ma:hidden="true" ma:list="{0825ddf7-5dbb-4b12-9f5f-afeebe1388c2}" ma:internalName="TaxCatchAllLabel" ma:readOnly="true" ma:showField="CatchAllDataLabel" ma:web="235817de-0f1e-495a-b6be-54b5fc82f0f9">
+      <xsd:complexType>
+        <xsd:complexContent>
+          <xsd:extension base="dms:MultiChoiceLookup">
+            <xsd:sequence>
+              <xsd:element name="Value" type="dms:Lookup" maxOccurs="unbounded" minOccurs="0" nillable="true"/>
+            </xsd:sequence>
+          </xsd:extension>
+        </xsd:complexContent>
+      </xsd:complexType>
+    </xsd:element>
+    <xsd:element name="e895aedb3c1b437f9b9a6dbf3a7b3bb6" ma:index="12" nillable="true" ma:taxonomy="true" ma:internalName="e895aedb3c1b437f9b9a6dbf3a7b3bb6" ma:taxonomyFieldName="Partner" ma:displayName="Partner" ma:readOnly="false" ma:default="" ma:fieldId="{e895aedb-3c1b-437f-9b9a-6dbf3a7b3bb6}" ma:sspId="613de2c2-ece5-413d-a54d-11a84cbe9590" ma:termSetId="92f83c62-f94b-472c-a28f-1c8e3cb98a96" ma:anchorId="00000000-0000-0000-0000-000000000000" ma:open="true" ma:isKeyword="false">
+      <xsd:complexType>
+        <xsd:sequence>
+          <xsd:element ref="pc:Terms" minOccurs="0" maxOccurs="1"/>
+        </xsd:sequence>
+      </xsd:complexType>
+    </xsd:element>
+    <xsd:element name="lef06227c70244b99f28efd69bf8c4a2" ma:index="14" nillable="true" ma:taxonomy="true" ma:internalName="lef06227c70244b99f28efd69bf8c4a2" ma:taxonomyFieldName="Document_x0020_Type" ma:displayName="Document Type" ma:readOnly="false" ma:default="" ma:fieldId="{5ef06227-c702-44b9-9f28-efd69bf8c4a2}" ma:sspId="613de2c2-ece5-413d-a54d-11a84cbe9590" ma:termSetId="d5379354-3d20-4456-9144-4376ace0bb6b" ma:anchorId="00000000-0000-0000-0000-000000000000" ma:open="true" ma:isKeyword="false">
+      <xsd:complexType>
+        <xsd:sequence>
+          <xsd:element ref="pc:Terms" minOccurs="0" maxOccurs="1"/>
+        </xsd:sequence>
+      </xsd:complexType>
+    </xsd:element>
+    <xsd:element name="b1cc683000e54dd292230264e51d5ab3" ma:index="16" nillable="true" ma:taxonomy="true" ma:internalName="b1cc683000e54dd292230264e51d5ab3" ma:taxonomyFieldName="Document_x0020_Category" ma:displayName="Document Category" ma:readOnly="false" ma:default="" ma:fieldId="{b1cc6830-00e5-4dd2-9223-0264e51d5ab3}" ma:sspId="613de2c2-ece5-413d-a54d-11a84cbe9590" ma:termSetId="7387cc0c-b9df-46cb-a740-e3919ed82fc2" ma:anchorId="00000000-0000-0000-0000-000000000000" ma:open="true" ma:isKeyword="false">
+      <xsd:complexType>
+        <xsd:sequence>
+          <xsd:element ref="pc:Terms" minOccurs="0" maxOccurs="1"/>
+        </xsd:sequence>
+      </xsd:complexType>
+    </xsd:element>
+  </xsd:schema>
+  <xsd:schema xmlns="http://schemas.openxmlformats.org/package/2006/metadata/core-properties" xmlns:xsd="http://www.w3.org/2001/XMLSchema" xmlns:xsi="http://www.w3.org/2001/XMLSchema-instance" xmlns:dc="http://purl.org/dc/elements/1.1/" xmlns:dcterms="http://purl.org/dc/terms/" xmlns:odoc="http://schemas.microsoft.com/internal/obd" targetNamespace="http://schemas.openxmlformats.org/package/2006/metadata/core-properties" elementFormDefault="qualified" attributeFormDefault="unqualified" blockDefault="#all">
+    <xsd:import namespace="http://purl.org/dc/elements/1.1/" schemaLocation="http://dublincore.org/schemas/xmls/qdc/2003/04/02/dc.xsd"/>
+    <xsd:import namespace="http://purl.org/dc/terms/" schemaLocation="http://dublincore.org/schemas/xmls/qdc/2003/04/02/dcterms.xsd"/>
+    <xsd:element name="coreProperties" type="CT_coreProperties"/>
+    <xsd:complexType name="CT_coreProperties">
+      <xsd:all>
+        <xsd:element ref="dc:creator" minOccurs="0" maxOccurs="1"/>
+        <xsd:element ref="dcterms:created" minOccurs="0" maxOccurs="1"/>
+        <xsd:element ref="dc:identifier" minOccurs="0" maxOccurs="1"/>
+        <xsd:element name="contentType" minOccurs="0" maxOccurs="1" type="xsd:string" ma:index="0" ma:displayName="Content Type"/>
+        <xsd:element ref="dc:title" minOccurs="0" maxOccurs="1" ma:index="4" ma:displayName="Title"/>
+        <xsd:element ref="dc:subject" minOccurs="0" maxOccurs="1"/>
+        <xsd:element ref="dc:description" minOccurs="0" maxOccurs="1"/>
+        <xsd:element name="keywords" minOccurs="0" maxOccurs="1" type="xsd:string"/>
+        <xsd:element ref="dc:language" minOccurs="0" maxOccurs="1"/>
+        <xsd:element name="category" minOccurs="0" maxOccurs="1" type="xsd:string"/>
+        <xsd:element name="version" minOccurs="0" maxOccurs="1" type="xsd:string"/>
+        <xsd:element name="revision" minOccurs="0" maxOccurs="1" type="xsd:string">
+          <xsd:annotation>
+            <xsd:documentation>
+                        This value indicates the number of saves or revisions. The application is responsible for updating this value after each revision.
+                    </xsd:documentation>
+          </xsd:annotation>
+        </xsd:element>
+        <xsd:element name="lastModifiedBy" minOccurs="0" maxOccurs="1" type="xsd:string"/>
+        <xsd:element ref="dcterms:modified" minOccurs="0" maxOccurs="1"/>
+        <xsd:element name="contentStatus" minOccurs="0" maxOccurs="1" type="xsd:string"/>
+      </xsd:all>
+    </xsd:complexType>
+  </xsd:schema>
+  <xs:schema xmlns:pc="http://schemas.microsoft.com/office/infopath/2007/PartnerControls" xmlns:xs="http://www.w3.org/2001/XMLSchema" targetNamespace="http://schemas.microsoft.com/office/infopath/2007/PartnerControls" elementFormDefault="qualified" attributeFormDefault="unqualified">
+    <xs:element name="Person">
+      <xs:complexType>
+        <xs:sequence>
+          <xs:element ref="pc:DisplayName" minOccurs="0"/>
+          <xs:element ref="pc:AccountId" minOccurs="0"/>
+          <xs:element ref="pc:AccountType" minOccurs="0"/>
+        </xs:sequence>
+      </xs:complexType>
+    </xs:element>
+    <xs:element name="DisplayName" type="xs:string"/>
+    <xs:element name="AccountId" type="xs:string"/>
+    <xs:element name="AccountType" type="xs:string"/>
+    <xs:element name="BDCAssociatedEntity">
+      <xs:complexType>
+        <xs:sequence>
+          <xs:element ref="pc:BDCEntity" minOccurs="0" maxOccurs="unbounded"/>
+        </xs:sequence>
+        <xs:attribute ref="pc:EntityNamespace"/>
+        <xs:attribute ref="pc:EntityName"/>
+        <xs:attribute ref="pc:SystemInstanceName"/>
+        <xs:attribute ref="pc:AssociationName"/>
+      </xs:complexType>
+    </xs:element>
+    <xs:attribute name="EntityNamespace" type="xs:string"/>
+    <xs:attribute name="EntityName" type="xs:string"/>
+    <xs:attribute name="SystemInstanceName" type="xs:string"/>
+    <xs:attribute name="AssociationName" type="xs:string"/>
+    <xs:element name="BDCEntity">
+      <xs:complexType>
+        <xs:sequence>
+          <xs:element ref="pc:EntityDisplayName" minOccurs="0"/>
+          <xs:element ref="pc:EntityInstanceReference" minOccurs="0"/>
+          <xs:element ref="pc:EntityId1" minOccurs="0"/>
+          <xs:element ref="pc:EntityId2" minOccurs="0"/>
+          <xs:element ref="pc:EntityId3" minOccurs="0"/>
+          <xs:element ref="pc:EntityId4" minOccurs="0"/>
+          <xs:element ref="pc:EntityId5" minOccurs="0"/>
+        </xs:sequence>
+      </xs:complexType>
+    </xs:element>
+    <xs:element name="EntityDisplayName" type="xs:string"/>
+    <xs:element name="EntityInstanceReference" type="xs:string"/>
+    <xs:element name="EntityId1" type="xs:string"/>
+    <xs:element name="EntityId2" type="xs:string"/>
+    <xs:element name="EntityId3" type="xs:string"/>
+    <xs:element name="EntityId4" type="xs:string"/>
+    <xs:element name="EntityId5" type="xs:string"/>
+    <xs:element name="Terms">
+      <xs:complexType>
+        <xs:sequence>
+          <xs:element ref="pc:TermInfo" minOccurs="0" maxOccurs="unbounded"/>
+        </xs:sequence>
+      </xs:complexType>
+    </xs:element>
+    <xs:element name="TermInfo">
+      <xs:complexType>
+        <xs:sequence>
+          <xs:element ref="pc:TermName" minOccurs="0"/>
+          <xs:element ref="pc:TermId" minOccurs="0"/>
+        </xs:sequence>
+      </xs:complexType>
+    </xs:element>
+    <xs:element name="TermName" type="xs:string"/>
+    <xs:element name="TermId" type="xs:string"/>
+  </xs:schema>
+</ct:contentTypeSchema>
+</file>
+
+<file path=customXml/item2.xml><?xml version="1.0" encoding="utf-8"?>
+<p:properties xmlns:p="http://schemas.microsoft.com/office/2006/metadata/properties" xmlns:xsi="http://www.w3.org/2001/XMLSchema-instance" xmlns:pc="http://schemas.microsoft.com/office/infopath/2007/PartnerControls">
+  <documentManagement>
+    <lef06227c70244b99f28efd69bf8c4a2 xmlns="e9d2523a-f6c8-4b58-93c0-559fd1563d05">
+      <Terms xmlns="http://schemas.microsoft.com/office/infopath/2007/PartnerControls"/>
+    </lef06227c70244b99f28efd69bf8c4a2>
+    <ncc7974b4cc743ee9fa76c9d4986e664 xmlns="e9d2523a-f6c8-4b58-93c0-559fd1563d05">
+      <Terms xmlns="http://schemas.microsoft.com/office/infopath/2007/PartnerControls"/>
+    </ncc7974b4cc743ee9fa76c9d4986e664>
+    <TaxCatchAll xmlns="e9d2523a-f6c8-4b58-93c0-559fd1563d05"/>
+    <e895aedb3c1b437f9b9a6dbf3a7b3bb6 xmlns="e9d2523a-f6c8-4b58-93c0-559fd1563d05">
+      <Terms xmlns="http://schemas.microsoft.com/office/infopath/2007/PartnerControls"/>
+    </e895aedb3c1b437f9b9a6dbf3a7b3bb6>
+    <b1cc683000e54dd292230264e51d5ab3 xmlns="e9d2523a-f6c8-4b58-93c0-559fd1563d05">
+      <Terms xmlns="http://schemas.microsoft.com/office/infopath/2007/PartnerControls"/>
+    </b1cc683000e54dd292230264e51d5ab3>
+  </documentManagement>
+</p:properties>
+</file>
+
+<file path=customXml/item3.xml><?xml version="1.0" encoding="utf-8"?>
+<?mso-contentType ?>
+<SharedContentType xmlns="Microsoft.SharePoint.Taxonomy.ContentTypeSync" SourceId="613de2c2-ece5-413d-a54d-11a84cbe9590" ContentTypeId="0x010100AED4198795C7FE49B29C2076BD071E1905" PreviousValue="false"/>
+</file>
+
+<file path=customXml/item4.xml><?xml version="1.0" encoding="utf-8"?>
+<?mso-contentType ?>
+<FormTemplates xmlns="http://schemas.microsoft.com/sharepoint/v3/contenttype/forms">
+  <Display>DocumentLibraryForm</Display>
+  <Edit>DocumentLibraryForm</Edit>
+  <New>DocumentLibraryForm</New>
+</FormTemplates>
+</file>
+
+<file path=customXml/itemProps1.xml><?xml version="1.0" encoding="utf-8"?>
+<ds:datastoreItem xmlns:ds="http://schemas.openxmlformats.org/officeDocument/2006/customXml" ds:itemID="{0F3F0FD8-BEC2-4257-9F09-27782F978A59}">
+  <ds:schemaRefs>
+    <ds:schemaRef ds:uri="http://schemas.microsoft.com/office/2006/metadata/contentType"/>
+    <ds:schemaRef ds:uri="http://schemas.microsoft.com/office/2006/metadata/properties/metaAttributes"/>
+    <ds:schemaRef ds:uri="http://www.w3.org/2001/XMLSchema"/>
+    <ds:schemaRef ds:uri="http://schemas.microsoft.com/office/2006/metadata/properties"/>
+    <ds:schemaRef ds:uri="e9d2523a-f6c8-4b58-93c0-559fd1563d05"/>
+    <ds:schemaRef ds:uri="http://schemas.microsoft.com/office/2006/documentManagement/types"/>
+    <ds:schemaRef ds:uri="http://schemas.microsoft.com/office/infopath/2007/PartnerControls"/>
+    <ds:schemaRef ds:uri="http://schemas.openxmlformats.org/package/2006/metadata/core-properties"/>
+    <ds:schemaRef ds:uri="http://purl.org/dc/elements/1.1/"/>
+    <ds:schemaRef ds:uri="http://purl.org/dc/terms/"/>
+    <ds:schemaRef ds:uri="http://schemas.microsoft.com/internal/obd"/>
+  </ds:schemaRefs>
+</ds:datastoreItem>
+</file>
+
+<file path=customXml/itemProps2.xml><?xml version="1.0" encoding="utf-8"?>
+<ds:datastoreItem xmlns:ds="http://schemas.openxmlformats.org/officeDocument/2006/customXml" ds:itemID="{44D2006D-BA9A-47A9-81F4-0F90A1D3CD72}">
+  <ds:schemaRefs>
+    <ds:schemaRef ds:uri="http://schemas.microsoft.com/office/infopath/2007/PartnerControls"/>
+    <ds:schemaRef ds:uri="http://purl.org/dc/dcmitype/"/>
+    <ds:schemaRef ds:uri="http://purl.org/dc/elements/1.1/"/>
+    <ds:schemaRef ds:uri="http://www.w3.org/XML/1998/namespace"/>
+    <ds:schemaRef ds:uri="http://schemas.microsoft.com/office/2006/documentManagement/types"/>
+    <ds:schemaRef ds:uri="http://purl.org/dc/terms/"/>
+    <ds:schemaRef ds:uri="e9d2523a-f6c8-4b58-93c0-559fd1563d05"/>
+    <ds:schemaRef ds:uri="http://schemas.openxmlformats.org/package/2006/metadata/core-properties"/>
+    <ds:schemaRef ds:uri="http://schemas.microsoft.com/office/2006/metadata/properties"/>
+  </ds:schemaRefs>
+</ds:datastoreItem>
+</file>
+
+<file path=customXml/itemProps3.xml><?xml version="1.0" encoding="utf-8"?>
+<ds:datastoreItem xmlns:ds="http://schemas.openxmlformats.org/officeDocument/2006/customXml" ds:itemID="{601E7680-ACA0-46FF-992F-B349759715DD}">
+  <ds:schemaRefs>
+    <ds:schemaRef ds:uri="Microsoft.SharePoint.Taxonomy.ContentTypeSync"/>
+  </ds:schemaRefs>
+</ds:datastoreItem>
+</file>
+
+<file path=customXml/itemProps4.xml><?xml version="1.0" encoding="utf-8"?>
+<ds:datastoreItem xmlns:ds="http://schemas.openxmlformats.org/officeDocument/2006/customXml" ds:itemID="{81D5DB74-FF77-4EC6-932F-082B47A7940C}">
+  <ds:schemaRefs>
+    <ds:schemaRef ds:uri="http://schemas.microsoft.com/sharepoint/v3/contenttype/forms"/>
+  </ds:schemaRefs>
+</ds:datastoreItem>
 </file>